--- a/Лекции/2024/6/Абстрактные классы.pptx
+++ b/Лекции/2024/6/Абстрактные классы.pptx
@@ -225,7 +225,7 @@
           <a:p>
             <a:fld id="{732681D7-F947-4A2A-A7C5-DD6C9DD69799}" type="datetimeFigureOut">
               <a:rPr lang="ru-RU" smtClean="0"/>
-              <a:t>23.10.2022</a:t>
+              <a:t>07.10.2024</a:t>
             </a:fld>
             <a:endParaRPr lang="ru-RU"/>
           </a:p>
@@ -289,38 +289,37 @@
           <a:p>
             <a:pPr lvl="0"/>
             <a:r>
-              <a:rPr lang="ru-RU" smtClean="0"/>
+              <a:rPr lang="ru-RU"/>
               <a:t>Образец текста</a:t>
             </a:r>
           </a:p>
           <a:p>
             <a:pPr lvl="1"/>
             <a:r>
-              <a:rPr lang="ru-RU" smtClean="0"/>
+              <a:rPr lang="ru-RU"/>
               <a:t>Второй уровень</a:t>
             </a:r>
           </a:p>
           <a:p>
             <a:pPr lvl="2"/>
             <a:r>
-              <a:rPr lang="ru-RU" smtClean="0"/>
+              <a:rPr lang="ru-RU"/>
               <a:t>Третий уровень</a:t>
             </a:r>
           </a:p>
           <a:p>
             <a:pPr lvl="3"/>
             <a:r>
-              <a:rPr lang="ru-RU" smtClean="0"/>
+              <a:rPr lang="ru-RU"/>
               <a:t>Четвертый уровень</a:t>
             </a:r>
           </a:p>
           <a:p>
             <a:pPr lvl="4"/>
             <a:r>
-              <a:rPr lang="ru-RU" smtClean="0"/>
+              <a:rPr lang="ru-RU"/>
               <a:t>Пятый уровень</a:t>
             </a:r>
-            <a:endParaRPr lang="ru-RU"/>
           </a:p>
         </p:txBody>
       </p:sp>
@@ -619,7 +618,7 @@
           </a:lstStyle>
           <a:p>
             <a:r>
-              <a:rPr lang="ru-RU" smtClean="0"/>
+              <a:rPr lang="ru-RU"/>
               <a:t>Образец заголовка</a:t>
             </a:r>
             <a:endParaRPr lang="en-US" dirty="0"/>
@@ -684,7 +683,7 @@
           </a:lstStyle>
           <a:p>
             <a:r>
-              <a:rPr lang="ru-RU" smtClean="0"/>
+              <a:rPr lang="ru-RU"/>
               <a:t>Образец подзаголовка</a:t>
             </a:r>
             <a:endParaRPr lang="en-US" dirty="0"/>
@@ -708,7 +707,7 @@
           <a:p>
             <a:fld id="{3D5C11EB-D329-41AC-A27B-AABF4C979710}" type="datetimeFigureOut">
               <a:rPr lang="ru-RU" smtClean="0"/>
-              <a:t>23.10.2022</a:t>
+              <a:t>07.10.2024</a:t>
             </a:fld>
             <a:endParaRPr lang="ru-RU"/>
           </a:p>
@@ -802,7 +801,7 @@
           <a:lstStyle/>
           <a:p>
             <a:r>
-              <a:rPr lang="ru-RU" smtClean="0"/>
+              <a:rPr lang="ru-RU"/>
               <a:t>Образец заголовка</a:t>
             </a:r>
             <a:endParaRPr lang="en-US" dirty="0"/>
@@ -826,35 +825,35 @@
           <a:p>
             <a:pPr lvl="0"/>
             <a:r>
-              <a:rPr lang="ru-RU" smtClean="0"/>
+              <a:rPr lang="ru-RU"/>
               <a:t>Образец текста</a:t>
             </a:r>
           </a:p>
           <a:p>
             <a:pPr lvl="1"/>
             <a:r>
-              <a:rPr lang="ru-RU" smtClean="0"/>
+              <a:rPr lang="ru-RU"/>
               <a:t>Второй уровень</a:t>
             </a:r>
           </a:p>
           <a:p>
             <a:pPr lvl="2"/>
             <a:r>
-              <a:rPr lang="ru-RU" smtClean="0"/>
+              <a:rPr lang="ru-RU"/>
               <a:t>Третий уровень</a:t>
             </a:r>
           </a:p>
           <a:p>
             <a:pPr lvl="3"/>
             <a:r>
-              <a:rPr lang="ru-RU" smtClean="0"/>
+              <a:rPr lang="ru-RU"/>
               <a:t>Четвертый уровень</a:t>
             </a:r>
           </a:p>
           <a:p>
             <a:pPr lvl="4"/>
             <a:r>
-              <a:rPr lang="ru-RU" smtClean="0"/>
+              <a:rPr lang="ru-RU"/>
               <a:t>Пятый уровень</a:t>
             </a:r>
             <a:endParaRPr lang="en-US" dirty="0"/>
@@ -878,7 +877,7 @@
           <a:p>
             <a:fld id="{3D5C11EB-D329-41AC-A27B-AABF4C979710}" type="datetimeFigureOut">
               <a:rPr lang="ru-RU" smtClean="0"/>
-              <a:t>23.10.2022</a:t>
+              <a:t>07.10.2024</a:t>
             </a:fld>
             <a:endParaRPr lang="ru-RU"/>
           </a:p>
@@ -977,7 +976,7 @@
           <a:lstStyle/>
           <a:p>
             <a:r>
-              <a:rPr lang="ru-RU" smtClean="0"/>
+              <a:rPr lang="ru-RU"/>
               <a:t>Образец заголовка</a:t>
             </a:r>
             <a:endParaRPr lang="en-US" dirty="0"/>
@@ -1006,35 +1005,35 @@
           <a:p>
             <a:pPr lvl="0"/>
             <a:r>
-              <a:rPr lang="ru-RU" smtClean="0"/>
+              <a:rPr lang="ru-RU"/>
               <a:t>Образец текста</a:t>
             </a:r>
           </a:p>
           <a:p>
             <a:pPr lvl="1"/>
             <a:r>
-              <a:rPr lang="ru-RU" smtClean="0"/>
+              <a:rPr lang="ru-RU"/>
               <a:t>Второй уровень</a:t>
             </a:r>
           </a:p>
           <a:p>
             <a:pPr lvl="2"/>
             <a:r>
-              <a:rPr lang="ru-RU" smtClean="0"/>
+              <a:rPr lang="ru-RU"/>
               <a:t>Третий уровень</a:t>
             </a:r>
           </a:p>
           <a:p>
             <a:pPr lvl="3"/>
             <a:r>
-              <a:rPr lang="ru-RU" smtClean="0"/>
+              <a:rPr lang="ru-RU"/>
               <a:t>Четвертый уровень</a:t>
             </a:r>
           </a:p>
           <a:p>
             <a:pPr lvl="4"/>
             <a:r>
-              <a:rPr lang="ru-RU" smtClean="0"/>
+              <a:rPr lang="ru-RU"/>
               <a:t>Пятый уровень</a:t>
             </a:r>
             <a:endParaRPr lang="en-US" dirty="0"/>
@@ -1058,7 +1057,7 @@
           <a:p>
             <a:fld id="{3D5C11EB-D329-41AC-A27B-AABF4C979710}" type="datetimeFigureOut">
               <a:rPr lang="ru-RU" smtClean="0"/>
-              <a:t>23.10.2022</a:t>
+              <a:t>07.10.2024</a:t>
             </a:fld>
             <a:endParaRPr lang="ru-RU"/>
           </a:p>
@@ -1152,7 +1151,7 @@
           <a:lstStyle/>
           <a:p>
             <a:r>
-              <a:rPr lang="ru-RU" smtClean="0"/>
+              <a:rPr lang="ru-RU"/>
               <a:t>Образец заголовка</a:t>
             </a:r>
             <a:endParaRPr lang="en-US" dirty="0"/>
@@ -1176,35 +1175,35 @@
           <a:p>
             <a:pPr lvl="0"/>
             <a:r>
-              <a:rPr lang="ru-RU" smtClean="0"/>
+              <a:rPr lang="ru-RU"/>
               <a:t>Образец текста</a:t>
             </a:r>
           </a:p>
           <a:p>
             <a:pPr lvl="1"/>
             <a:r>
-              <a:rPr lang="ru-RU" smtClean="0"/>
+              <a:rPr lang="ru-RU"/>
               <a:t>Второй уровень</a:t>
             </a:r>
           </a:p>
           <a:p>
             <a:pPr lvl="2"/>
             <a:r>
-              <a:rPr lang="ru-RU" smtClean="0"/>
+              <a:rPr lang="ru-RU"/>
               <a:t>Третий уровень</a:t>
             </a:r>
           </a:p>
           <a:p>
             <a:pPr lvl="3"/>
             <a:r>
-              <a:rPr lang="ru-RU" smtClean="0"/>
+              <a:rPr lang="ru-RU"/>
               <a:t>Четвертый уровень</a:t>
             </a:r>
           </a:p>
           <a:p>
             <a:pPr lvl="4"/>
             <a:r>
-              <a:rPr lang="ru-RU" smtClean="0"/>
+              <a:rPr lang="ru-RU"/>
               <a:t>Пятый уровень</a:t>
             </a:r>
             <a:endParaRPr lang="en-US" dirty="0"/>
@@ -1228,7 +1227,7 @@
           <a:p>
             <a:fld id="{3D5C11EB-D329-41AC-A27B-AABF4C979710}" type="datetimeFigureOut">
               <a:rPr lang="ru-RU" smtClean="0"/>
-              <a:t>23.10.2022</a:t>
+              <a:t>07.10.2024</a:t>
             </a:fld>
             <a:endParaRPr lang="ru-RU"/>
           </a:p>
@@ -1331,7 +1330,7 @@
           </a:lstStyle>
           <a:p>
             <a:r>
-              <a:rPr lang="ru-RU" smtClean="0"/>
+              <a:rPr lang="ru-RU"/>
               <a:t>Образец заголовка</a:t>
             </a:r>
             <a:endParaRPr lang="en-US" dirty="0"/>
@@ -1451,7 +1450,7 @@
           <a:p>
             <a:pPr lvl="0"/>
             <a:r>
-              <a:rPr lang="ru-RU" smtClean="0"/>
+              <a:rPr lang="ru-RU"/>
               <a:t>Образец текста</a:t>
             </a:r>
           </a:p>
@@ -1474,7 +1473,7 @@
           <a:p>
             <a:fld id="{3D5C11EB-D329-41AC-A27B-AABF4C979710}" type="datetimeFigureOut">
               <a:rPr lang="ru-RU" smtClean="0"/>
-              <a:t>23.10.2022</a:t>
+              <a:t>07.10.2024</a:t>
             </a:fld>
             <a:endParaRPr lang="ru-RU"/>
           </a:p>
@@ -1568,7 +1567,7 @@
           <a:lstStyle/>
           <a:p>
             <a:r>
-              <a:rPr lang="ru-RU" smtClean="0"/>
+              <a:rPr lang="ru-RU"/>
               <a:t>Образец заголовка</a:t>
             </a:r>
             <a:endParaRPr lang="en-US" dirty="0"/>
@@ -1597,35 +1596,35 @@
           <a:p>
             <a:pPr lvl="0"/>
             <a:r>
-              <a:rPr lang="ru-RU" smtClean="0"/>
+              <a:rPr lang="ru-RU"/>
               <a:t>Образец текста</a:t>
             </a:r>
           </a:p>
           <a:p>
             <a:pPr lvl="1"/>
             <a:r>
-              <a:rPr lang="ru-RU" smtClean="0"/>
+              <a:rPr lang="ru-RU"/>
               <a:t>Второй уровень</a:t>
             </a:r>
           </a:p>
           <a:p>
             <a:pPr lvl="2"/>
             <a:r>
-              <a:rPr lang="ru-RU" smtClean="0"/>
+              <a:rPr lang="ru-RU"/>
               <a:t>Третий уровень</a:t>
             </a:r>
           </a:p>
           <a:p>
             <a:pPr lvl="3"/>
             <a:r>
-              <a:rPr lang="ru-RU" smtClean="0"/>
+              <a:rPr lang="ru-RU"/>
               <a:t>Четвертый уровень</a:t>
             </a:r>
           </a:p>
           <a:p>
             <a:pPr lvl="4"/>
             <a:r>
-              <a:rPr lang="ru-RU" smtClean="0"/>
+              <a:rPr lang="ru-RU"/>
               <a:t>Пятый уровень</a:t>
             </a:r>
             <a:endParaRPr lang="en-US" dirty="0"/>
@@ -1654,35 +1653,35 @@
           <a:p>
             <a:pPr lvl="0"/>
             <a:r>
-              <a:rPr lang="ru-RU" smtClean="0"/>
+              <a:rPr lang="ru-RU"/>
               <a:t>Образец текста</a:t>
             </a:r>
           </a:p>
           <a:p>
             <a:pPr lvl="1"/>
             <a:r>
-              <a:rPr lang="ru-RU" smtClean="0"/>
+              <a:rPr lang="ru-RU"/>
               <a:t>Второй уровень</a:t>
             </a:r>
           </a:p>
           <a:p>
             <a:pPr lvl="2"/>
             <a:r>
-              <a:rPr lang="ru-RU" smtClean="0"/>
+              <a:rPr lang="ru-RU"/>
               <a:t>Третий уровень</a:t>
             </a:r>
           </a:p>
           <a:p>
             <a:pPr lvl="3"/>
             <a:r>
-              <a:rPr lang="ru-RU" smtClean="0"/>
+              <a:rPr lang="ru-RU"/>
               <a:t>Четвертый уровень</a:t>
             </a:r>
           </a:p>
           <a:p>
             <a:pPr lvl="4"/>
             <a:r>
-              <a:rPr lang="ru-RU" smtClean="0"/>
+              <a:rPr lang="ru-RU"/>
               <a:t>Пятый уровень</a:t>
             </a:r>
             <a:endParaRPr lang="en-US" dirty="0"/>
@@ -1706,7 +1705,7 @@
           <a:p>
             <a:fld id="{3D5C11EB-D329-41AC-A27B-AABF4C979710}" type="datetimeFigureOut">
               <a:rPr lang="ru-RU" smtClean="0"/>
-              <a:t>23.10.2022</a:t>
+              <a:t>07.10.2024</a:t>
             </a:fld>
             <a:endParaRPr lang="ru-RU"/>
           </a:p>
@@ -1805,7 +1804,7 @@
           <a:lstStyle/>
           <a:p>
             <a:r>
-              <a:rPr lang="ru-RU" smtClean="0"/>
+              <a:rPr lang="ru-RU"/>
               <a:t>Образец заголовка</a:t>
             </a:r>
             <a:endParaRPr lang="en-US" dirty="0"/>
@@ -1871,7 +1870,7 @@
           <a:p>
             <a:pPr lvl="0"/>
             <a:r>
-              <a:rPr lang="ru-RU" smtClean="0"/>
+              <a:rPr lang="ru-RU"/>
               <a:t>Образец текста</a:t>
             </a:r>
           </a:p>
@@ -1899,35 +1898,35 @@
           <a:p>
             <a:pPr lvl="0"/>
             <a:r>
-              <a:rPr lang="ru-RU" smtClean="0"/>
+              <a:rPr lang="ru-RU"/>
               <a:t>Образец текста</a:t>
             </a:r>
           </a:p>
           <a:p>
             <a:pPr lvl="1"/>
             <a:r>
-              <a:rPr lang="ru-RU" smtClean="0"/>
+              <a:rPr lang="ru-RU"/>
               <a:t>Второй уровень</a:t>
             </a:r>
           </a:p>
           <a:p>
             <a:pPr lvl="2"/>
             <a:r>
-              <a:rPr lang="ru-RU" smtClean="0"/>
+              <a:rPr lang="ru-RU"/>
               <a:t>Третий уровень</a:t>
             </a:r>
           </a:p>
           <a:p>
             <a:pPr lvl="3"/>
             <a:r>
-              <a:rPr lang="ru-RU" smtClean="0"/>
+              <a:rPr lang="ru-RU"/>
               <a:t>Четвертый уровень</a:t>
             </a:r>
           </a:p>
           <a:p>
             <a:pPr lvl="4"/>
             <a:r>
-              <a:rPr lang="ru-RU" smtClean="0"/>
+              <a:rPr lang="ru-RU"/>
               <a:t>Пятый уровень</a:t>
             </a:r>
             <a:endParaRPr lang="en-US" dirty="0"/>
@@ -1993,7 +1992,7 @@
           <a:p>
             <a:pPr lvl="0"/>
             <a:r>
-              <a:rPr lang="ru-RU" smtClean="0"/>
+              <a:rPr lang="ru-RU"/>
               <a:t>Образец текста</a:t>
             </a:r>
           </a:p>
@@ -2021,35 +2020,35 @@
           <a:p>
             <a:pPr lvl="0"/>
             <a:r>
-              <a:rPr lang="ru-RU" smtClean="0"/>
+              <a:rPr lang="ru-RU"/>
               <a:t>Образец текста</a:t>
             </a:r>
           </a:p>
           <a:p>
             <a:pPr lvl="1"/>
             <a:r>
-              <a:rPr lang="ru-RU" smtClean="0"/>
+              <a:rPr lang="ru-RU"/>
               <a:t>Второй уровень</a:t>
             </a:r>
           </a:p>
           <a:p>
             <a:pPr lvl="2"/>
             <a:r>
-              <a:rPr lang="ru-RU" smtClean="0"/>
+              <a:rPr lang="ru-RU"/>
               <a:t>Третий уровень</a:t>
             </a:r>
           </a:p>
           <a:p>
             <a:pPr lvl="3"/>
             <a:r>
-              <a:rPr lang="ru-RU" smtClean="0"/>
+              <a:rPr lang="ru-RU"/>
               <a:t>Четвертый уровень</a:t>
             </a:r>
           </a:p>
           <a:p>
             <a:pPr lvl="4"/>
             <a:r>
-              <a:rPr lang="ru-RU" smtClean="0"/>
+              <a:rPr lang="ru-RU"/>
               <a:t>Пятый уровень</a:t>
             </a:r>
             <a:endParaRPr lang="en-US" dirty="0"/>
@@ -2073,7 +2072,7 @@
           <a:p>
             <a:fld id="{3D5C11EB-D329-41AC-A27B-AABF4C979710}" type="datetimeFigureOut">
               <a:rPr lang="ru-RU" smtClean="0"/>
-              <a:t>23.10.2022</a:t>
+              <a:t>07.10.2024</a:t>
             </a:fld>
             <a:endParaRPr lang="ru-RU"/>
           </a:p>
@@ -2167,7 +2166,7 @@
           <a:lstStyle/>
           <a:p>
             <a:r>
-              <a:rPr lang="ru-RU" smtClean="0"/>
+              <a:rPr lang="ru-RU"/>
               <a:t>Образец заголовка</a:t>
             </a:r>
             <a:endParaRPr lang="en-US" dirty="0"/>
@@ -2191,7 +2190,7 @@
           <a:p>
             <a:fld id="{3D5C11EB-D329-41AC-A27B-AABF4C979710}" type="datetimeFigureOut">
               <a:rPr lang="ru-RU" smtClean="0"/>
-              <a:t>23.10.2022</a:t>
+              <a:t>07.10.2024</a:t>
             </a:fld>
             <a:endParaRPr lang="ru-RU"/>
           </a:p>
@@ -2286,7 +2285,7 @@
           <a:p>
             <a:fld id="{3D5C11EB-D329-41AC-A27B-AABF4C979710}" type="datetimeFigureOut">
               <a:rPr lang="ru-RU" smtClean="0"/>
-              <a:t>23.10.2022</a:t>
+              <a:t>07.10.2024</a:t>
             </a:fld>
             <a:endParaRPr lang="ru-RU"/>
           </a:p>
@@ -2389,7 +2388,7 @@
           </a:lstStyle>
           <a:p>
             <a:r>
-              <a:rPr lang="ru-RU" smtClean="0"/>
+              <a:rPr lang="ru-RU"/>
               <a:t>Образец заголовка</a:t>
             </a:r>
             <a:endParaRPr lang="en-US" dirty="0"/>
@@ -2446,35 +2445,35 @@
           <a:p>
             <a:pPr lvl="0"/>
             <a:r>
-              <a:rPr lang="ru-RU" smtClean="0"/>
+              <a:rPr lang="ru-RU"/>
               <a:t>Образец текста</a:t>
             </a:r>
           </a:p>
           <a:p>
             <a:pPr lvl="1"/>
             <a:r>
-              <a:rPr lang="ru-RU" smtClean="0"/>
+              <a:rPr lang="ru-RU"/>
               <a:t>Второй уровень</a:t>
             </a:r>
           </a:p>
           <a:p>
             <a:pPr lvl="2"/>
             <a:r>
-              <a:rPr lang="ru-RU" smtClean="0"/>
+              <a:rPr lang="ru-RU"/>
               <a:t>Третий уровень</a:t>
             </a:r>
           </a:p>
           <a:p>
             <a:pPr lvl="3"/>
             <a:r>
-              <a:rPr lang="ru-RU" smtClean="0"/>
+              <a:rPr lang="ru-RU"/>
               <a:t>Четвертый уровень</a:t>
             </a:r>
           </a:p>
           <a:p>
             <a:pPr lvl="4"/>
             <a:r>
-              <a:rPr lang="ru-RU" smtClean="0"/>
+              <a:rPr lang="ru-RU"/>
               <a:t>Пятый уровень</a:t>
             </a:r>
             <a:endParaRPr lang="en-US" dirty="0"/>
@@ -2540,7 +2539,7 @@
           <a:p>
             <a:pPr lvl="0"/>
             <a:r>
-              <a:rPr lang="ru-RU" smtClean="0"/>
+              <a:rPr lang="ru-RU"/>
               <a:t>Образец текста</a:t>
             </a:r>
           </a:p>
@@ -2563,7 +2562,7 @@
           <a:p>
             <a:fld id="{3D5C11EB-D329-41AC-A27B-AABF4C979710}" type="datetimeFigureOut">
               <a:rPr lang="ru-RU" smtClean="0"/>
-              <a:t>23.10.2022</a:t>
+              <a:t>07.10.2024</a:t>
             </a:fld>
             <a:endParaRPr lang="ru-RU"/>
           </a:p>
@@ -2666,7 +2665,7 @@
           </a:lstStyle>
           <a:p>
             <a:r>
-              <a:rPr lang="ru-RU" smtClean="0"/>
+              <a:rPr lang="ru-RU"/>
               <a:t>Образец заголовка</a:t>
             </a:r>
             <a:endParaRPr lang="en-US" dirty="0"/>
@@ -2731,7 +2730,7 @@
           </a:lstStyle>
           <a:p>
             <a:r>
-              <a:rPr lang="ru-RU" smtClean="0"/>
+              <a:rPr lang="ru-RU"/>
               <a:t>Вставка рисунка</a:t>
             </a:r>
             <a:endParaRPr lang="en-US" dirty="0"/>
@@ -2797,7 +2796,7 @@
           <a:p>
             <a:pPr lvl="0"/>
             <a:r>
-              <a:rPr lang="ru-RU" smtClean="0"/>
+              <a:rPr lang="ru-RU"/>
               <a:t>Образец текста</a:t>
             </a:r>
           </a:p>
@@ -2820,7 +2819,7 @@
           <a:p>
             <a:fld id="{3D5C11EB-D329-41AC-A27B-AABF4C979710}" type="datetimeFigureOut">
               <a:rPr lang="ru-RU" smtClean="0"/>
-              <a:t>23.10.2022</a:t>
+              <a:t>07.10.2024</a:t>
             </a:fld>
             <a:endParaRPr lang="ru-RU"/>
           </a:p>
@@ -2929,7 +2928,7 @@
           <a:lstStyle/>
           <a:p>
             <a:r>
-              <a:rPr lang="ru-RU" smtClean="0"/>
+              <a:rPr lang="ru-RU"/>
               <a:t>Образец заголовка</a:t>
             </a:r>
             <a:endParaRPr lang="en-US" dirty="0"/>
@@ -2963,35 +2962,35 @@
           <a:p>
             <a:pPr lvl="0"/>
             <a:r>
-              <a:rPr lang="ru-RU" smtClean="0"/>
+              <a:rPr lang="ru-RU"/>
               <a:t>Образец текста</a:t>
             </a:r>
           </a:p>
           <a:p>
             <a:pPr lvl="1"/>
             <a:r>
-              <a:rPr lang="ru-RU" smtClean="0"/>
+              <a:rPr lang="ru-RU"/>
               <a:t>Второй уровень</a:t>
             </a:r>
           </a:p>
           <a:p>
             <a:pPr lvl="2"/>
             <a:r>
-              <a:rPr lang="ru-RU" smtClean="0"/>
+              <a:rPr lang="ru-RU"/>
               <a:t>Третий уровень</a:t>
             </a:r>
           </a:p>
           <a:p>
             <a:pPr lvl="3"/>
             <a:r>
-              <a:rPr lang="ru-RU" smtClean="0"/>
+              <a:rPr lang="ru-RU"/>
               <a:t>Четвертый уровень</a:t>
             </a:r>
           </a:p>
           <a:p>
             <a:pPr lvl="4"/>
             <a:r>
-              <a:rPr lang="ru-RU" smtClean="0"/>
+              <a:rPr lang="ru-RU"/>
               <a:t>Пятый уровень</a:t>
             </a:r>
             <a:endParaRPr lang="en-US" dirty="0"/>
@@ -3033,7 +3032,7 @@
           <a:p>
             <a:fld id="{3D5C11EB-D329-41AC-A27B-AABF4C979710}" type="datetimeFigureOut">
               <a:rPr lang="ru-RU" smtClean="0"/>
-              <a:t>23.10.2022</a:t>
+              <a:t>07.10.2024</a:t>
             </a:fld>
             <a:endParaRPr lang="ru-RU"/>
           </a:p>
@@ -3475,7 +3474,7 @@
           <a:lstStyle/>
           <a:p>
             <a:r>
-              <a:rPr lang="ru-RU" sz="3200" b="1" dirty="0" smtClean="0">
+              <a:rPr lang="ru-RU" sz="3200" b="1" dirty="0">
                 <a:solidFill>
                   <a:schemeClr val="bg1"/>
                 </a:solidFill>
@@ -3484,13 +3483,6 @@
               </a:rPr>
               <a:t>Язык программирования С++</a:t>
             </a:r>
-            <a:endParaRPr lang="ru-RU" sz="3200" b="1" dirty="0">
-              <a:solidFill>
-                <a:schemeClr val="bg1"/>
-              </a:solidFill>
-              <a:latin typeface="Arial" panose="020B0604020202020204" pitchFamily="34" charset="0"/>
-              <a:cs typeface="Arial" panose="020B0604020202020204" pitchFamily="34" charset="0"/>
-            </a:endParaRPr>
           </a:p>
         </p:txBody>
       </p:sp>
@@ -3503,7 +3495,7 @@
         <p:spPr>
           <a:xfrm>
             <a:off x="862724" y="4747827"/>
-            <a:ext cx="8543613" cy="1912571"/>
+            <a:ext cx="9785235" cy="1543239"/>
           </a:xfrm>
           <a:prstGeom prst="rect">
             <a:avLst/>
@@ -3529,63 +3521,50 @@
           </a:lstStyle>
           <a:p>
             <a:r>
-              <a:rPr lang="ru-RU" sz="2400" dirty="0" smtClean="0">
+              <a:rPr lang="ru-RU" sz="2400" dirty="0">
                 <a:latin typeface="Arial" panose="020B0604020202020204" pitchFamily="34" charset="0"/>
                 <a:cs typeface="Arial" panose="020B0604020202020204" pitchFamily="34" charset="0"/>
               </a:rPr>
               <a:t>Преподаватели</a:t>
             </a:r>
             <a:r>
-              <a:rPr lang="en-US" sz="2400" dirty="0" smtClean="0">
+              <a:rPr lang="en-US" sz="2400" dirty="0">
                 <a:latin typeface="Arial" panose="020B0604020202020204" pitchFamily="34" charset="0"/>
                 <a:cs typeface="Arial" panose="020B0604020202020204" pitchFamily="34" charset="0"/>
               </a:rPr>
               <a:t>:</a:t>
-            </a:r>
-            <a:endParaRPr lang="ru-RU" sz="2400" dirty="0" smtClean="0">
-              <a:latin typeface="Arial" panose="020B0604020202020204" pitchFamily="34" charset="0"/>
-              <a:cs typeface="Arial" panose="020B0604020202020204" pitchFamily="34" charset="0"/>
-            </a:endParaRPr>
-          </a:p>
-          <a:p>
-            <a:r>
-              <a:rPr lang="ru-RU" sz="2400" dirty="0" smtClean="0">
-                <a:latin typeface="Arial" panose="020B0604020202020204" pitchFamily="34" charset="0"/>
-                <a:cs typeface="Arial" panose="020B0604020202020204" pitchFamily="34" charset="0"/>
-              </a:rPr>
-              <a:t>Пысин Максим Дмитриевич, ассистент кафедры ИКТ</a:t>
-            </a:r>
-          </a:p>
-          <a:p>
-            <a:r>
-              <a:rPr lang="ru-RU" sz="2400" dirty="0" smtClean="0">
-                <a:latin typeface="Arial" panose="020B0604020202020204" pitchFamily="34" charset="0"/>
-                <a:cs typeface="Arial" panose="020B0604020202020204" pitchFamily="34" charset="0"/>
-              </a:rPr>
-              <a:t>Краснов Дмитрий Олегович, аспирант кафедры ИКТ</a:t>
-            </a:r>
-          </a:p>
-          <a:p>
-            <a:r>
-              <a:rPr lang="ru-RU" sz="2400" dirty="0" smtClean="0">
-                <a:latin typeface="Arial" panose="020B0604020202020204" pitchFamily="34" charset="0"/>
-                <a:cs typeface="Arial" panose="020B0604020202020204" pitchFamily="34" charset="0"/>
-              </a:rPr>
-              <a:t>Лобанов Алексей Владимирович, аспирант кафедры ИКТ</a:t>
-            </a:r>
-          </a:p>
-          <a:p>
-            <a:r>
-              <a:rPr lang="ru-RU" sz="2400" dirty="0" smtClean="0">
-                <a:latin typeface="Arial" panose="020B0604020202020204" pitchFamily="34" charset="0"/>
-                <a:cs typeface="Arial" panose="020B0604020202020204" pitchFamily="34" charset="0"/>
-              </a:rPr>
-              <a:t>Крашенинников Роман Сергеевич, аспирант кафедры ИКТ</a:t>
             </a:r>
             <a:endParaRPr lang="ru-RU" sz="2400" dirty="0">
               <a:latin typeface="Arial" panose="020B0604020202020204" pitchFamily="34" charset="0"/>
               <a:cs typeface="Arial" panose="020B0604020202020204" pitchFamily="34" charset="0"/>
             </a:endParaRPr>
+          </a:p>
+          <a:p>
+            <a:r>
+              <a:rPr lang="ru-RU" sz="2400" dirty="0">
+                <a:latin typeface="Arial" panose="020B0604020202020204" pitchFamily="34" charset="0"/>
+                <a:cs typeface="Arial" panose="020B0604020202020204" pitchFamily="34" charset="0"/>
+              </a:rPr>
+              <a:t>Пысин Максим Дмитриевич, старший преподаватель кафедры ИКТ</a:t>
+            </a:r>
+          </a:p>
+          <a:p>
+            <a:r>
+              <a:rPr lang="ru-RU" sz="2400" dirty="0">
+                <a:latin typeface="Arial" panose="020B0604020202020204" pitchFamily="34" charset="0"/>
+                <a:cs typeface="Arial" panose="020B0604020202020204" pitchFamily="34" charset="0"/>
+              </a:rPr>
+              <a:t>Лобанов Алексей Владимирович, ассистент кафедры ИКТ</a:t>
+            </a:r>
+          </a:p>
+          <a:p>
+            <a:r>
+              <a:rPr lang="ru-RU" sz="2400" dirty="0">
+                <a:latin typeface="Arial" panose="020B0604020202020204" pitchFamily="34" charset="0"/>
+                <a:cs typeface="Arial" panose="020B0604020202020204" pitchFamily="34" charset="0"/>
+              </a:rPr>
+              <a:t>Крашенинников Роман Сергеевич, ассистент кафедры ИКТ</a:t>
+            </a:r>
           </a:p>
         </p:txBody>
       </p:sp>
@@ -3622,13 +3601,6 @@
               </a:rPr>
               <a:t>Абстрактные классы.</a:t>
             </a:r>
-            <a:endParaRPr lang="ru-RU" sz="4500" b="1" dirty="0">
-              <a:solidFill>
-                <a:schemeClr val="bg1"/>
-              </a:solidFill>
-              <a:latin typeface="Arial" panose="020B0604020202020204" pitchFamily="34" charset="0"/>
-              <a:cs typeface="Arial" panose="020B0604020202020204" pitchFamily="34" charset="0"/>
-            </a:endParaRPr>
           </a:p>
         </p:txBody>
       </p:sp>
@@ -3642,13 +3614,6 @@
   <p:clrMapOvr>
     <a:masterClrMapping/>
   </p:clrMapOvr>
-  <p:timing>
-    <p:tnLst>
-      <p:par>
-        <p:cTn id="1" dur="indefinite" restart="never" nodeType="tmRoot"/>
-      </p:par>
-    </p:tnLst>
-  </p:timing>
 </p:sld>
 </file>
 
@@ -3779,7 +3744,7 @@
           </a:lstStyle>
           <a:p>
             <a:r>
-              <a:rPr lang="ru-RU" sz="3200" dirty="0" smtClean="0">
+              <a:rPr lang="ru-RU" sz="3200" dirty="0">
                 <a:solidFill>
                   <a:schemeClr val="accent1">
                     <a:lumMod val="75000"/>
@@ -3790,15 +3755,6 @@
               </a:rPr>
               <a:t>Сложный пример</a:t>
             </a:r>
-            <a:endParaRPr lang="ru-RU" sz="3200" dirty="0">
-              <a:solidFill>
-                <a:schemeClr val="accent1">
-                  <a:lumMod val="75000"/>
-                </a:schemeClr>
-              </a:solidFill>
-              <a:latin typeface="Arial" panose="020B0604020202020204" pitchFamily="34" charset="0"/>
-              <a:cs typeface="Arial" panose="020B0604020202020204" pitchFamily="34" charset="0"/>
-            </a:endParaRPr>
           </a:p>
         </p:txBody>
       </p:sp>
@@ -3987,7 +3943,7 @@
           </a:p>
           <a:p>
             <a:r>
-              <a:rPr lang="en-US" sz="1600" dirty="0" smtClean="0">
+              <a:rPr lang="en-US" sz="1600" dirty="0">
                 <a:solidFill>
                   <a:srgbClr val="0000FF"/>
                 </a:solidFill>
@@ -3996,7 +3952,7 @@
               <a:t>for</a:t>
             </a:r>
             <a:r>
-              <a:rPr lang="en-US" sz="1600" dirty="0" smtClean="0">
+              <a:rPr lang="en-US" sz="1600" dirty="0">
                 <a:solidFill>
                   <a:srgbClr val="000000"/>
                 </a:solidFill>
@@ -4005,7 +3961,7 @@
               <a:t>(</a:t>
             </a:r>
             <a:r>
-              <a:rPr lang="en-US" sz="1600" dirty="0" err="1" smtClean="0">
+              <a:rPr lang="en-US" sz="1600" dirty="0" err="1">
                 <a:solidFill>
                   <a:srgbClr val="0000FF"/>
                 </a:solidFill>
@@ -4014,7 +3970,7 @@
               <a:t>int</a:t>
             </a:r>
             <a:r>
-              <a:rPr lang="en-US" sz="1600" dirty="0" smtClean="0">
+              <a:rPr lang="en-US" sz="1600" dirty="0">
                 <a:solidFill>
                   <a:srgbClr val="000000"/>
                 </a:solidFill>
@@ -4628,85 +4584,65 @@
           <a:lstStyle/>
           <a:p>
             <a:r>
-              <a:rPr lang="ru-RU" b="1" i="1" dirty="0" smtClean="0"/>
+              <a:rPr lang="ru-RU" b="1" i="1" dirty="0"/>
               <a:t>Приведение типов</a:t>
             </a:r>
             <a:r>
               <a:rPr lang="ru-RU" dirty="0"/>
-              <a:t> — </a:t>
-            </a:r>
-            <a:r>
-              <a:rPr lang="ru-RU" dirty="0" smtClean="0"/>
-              <a:t>метод преобразования одного типа к другому типу.</a:t>
-            </a:r>
-          </a:p>
-          <a:p>
-            <a:r>
-              <a:rPr lang="ru-RU" dirty="0" smtClean="0"/>
-              <a:t>В С++ не все типы автоматически приводимы друг к другу, но принудительно программист явным образом может привести любой тип к любому другому. Этот механизм может быть полезным и вредным одновременно.</a:t>
-            </a:r>
-            <a:r>
-              <a:rPr lang="ru-RU" dirty="0" smtClean="0"/>
+              <a:t> — метод преобразования одного типа к другому типу.</a:t>
+            </a:r>
+          </a:p>
+          <a:p>
+            <a:r>
+              <a:rPr lang="ru-RU" dirty="0"/>
+              <a:t>В С++ не все типы автоматически приводимы друг к другу, но принудительно программист явным образом может привести любой тип к любому другому. Этот механизм может быть полезным и вредным одновременно. </a:t>
+            </a:r>
+          </a:p>
+          <a:p>
+            <a:pPr algn="ctr"/>
+            <a:r>
+              <a:rPr lang="en-US" dirty="0"/>
+              <a:t>type a = (type)variable;</a:t>
+            </a:r>
+            <a:endParaRPr lang="ru-RU" dirty="0"/>
+          </a:p>
+          <a:p>
+            <a:r>
+              <a:rPr lang="ru-RU" dirty="0"/>
+              <a:t>Считается что в С++ для приведения типа лучше использовать </a:t>
+            </a:r>
+            <a:r>
+              <a:rPr lang="en-US" dirty="0"/>
+              <a:t>C++ </a:t>
+            </a:r>
+            <a:r>
+              <a:rPr lang="ru-RU" dirty="0"/>
+              <a:t>стиль с использованием стандартной библиотеки.</a:t>
+            </a:r>
+            <a:r>
+              <a:rPr lang="en-US" dirty="0"/>
               <a:t> </a:t>
             </a:r>
+            <a:r>
+              <a:rPr lang="ru-RU" dirty="0"/>
+              <a:t>Это лишь один из возможных вариантов, подробнее о них будет рассказано в лекции.</a:t>
+            </a:r>
           </a:p>
           <a:p>
             <a:pPr algn="ctr"/>
             <a:r>
-              <a:rPr lang="en-US" dirty="0" smtClean="0"/>
-              <a:t>type a = (type)variable;</a:t>
-            </a:r>
-            <a:endParaRPr lang="ru-RU" dirty="0" smtClean="0"/>
-          </a:p>
-          <a:p>
-            <a:r>
-              <a:rPr lang="ru-RU" dirty="0" smtClean="0"/>
-              <a:t>Считается что в С++ для приведения типа лучше использовать </a:t>
-            </a:r>
-            <a:r>
-              <a:rPr lang="en-US" dirty="0" smtClean="0"/>
-              <a:t>C++ </a:t>
-            </a:r>
-            <a:r>
-              <a:rPr lang="ru-RU" dirty="0" smtClean="0"/>
-              <a:t>стиль с использованием стандартной библиотеки.</a:t>
-            </a:r>
-            <a:r>
-              <a:rPr lang="en-US" dirty="0" smtClean="0"/>
-              <a:t> </a:t>
-            </a:r>
-            <a:r>
-              <a:rPr lang="ru-RU" dirty="0" smtClean="0"/>
-              <a:t>Это лишь один из возможных вариантов, подробнее о них будет рассказано в лекции.</a:t>
-            </a:r>
-          </a:p>
-          <a:p>
-            <a:pPr algn="ctr"/>
-            <a:r>
               <a:rPr lang="en-US" dirty="0"/>
-              <a:t>t</a:t>
-            </a:r>
-            <a:r>
-              <a:rPr lang="en-US" dirty="0" smtClean="0"/>
-              <a:t>ype a </a:t>
+              <a:t>type a = </a:t>
+            </a:r>
+            <a:r>
+              <a:rPr lang="en-US" dirty="0" err="1"/>
+              <a:t>static_cast</a:t>
             </a:r>
             <a:r>
               <a:rPr lang="en-US" dirty="0"/>
-              <a:t>= </a:t>
-            </a:r>
-            <a:r>
-              <a:rPr lang="en-US" dirty="0" err="1" smtClean="0"/>
-              <a:t>static_cast</a:t>
-            </a:r>
-            <a:r>
-              <a:rPr lang="en-US" dirty="0" smtClean="0"/>
-              <a:t>&lt;type&gt;(</a:t>
-            </a:r>
-            <a:r>
-              <a:rPr lang="en-US" dirty="0"/>
-              <a:t>d);</a:t>
-            </a:r>
-            <a:endParaRPr lang="ru-RU" dirty="0" smtClean="0"/>
+              <a:t>&lt;type&gt;(d);</a:t>
+            </a:r>
+            <a:endParaRPr lang="ru-RU" dirty="0"/>
           </a:p>
         </p:txBody>
       </p:sp>
@@ -4720,13 +4656,6 @@
   <p:clrMapOvr>
     <a:masterClrMapping/>
   </p:clrMapOvr>
-  <p:timing>
-    <p:tnLst>
-      <p:par>
-        <p:cTn id="1" dur="indefinite" restart="never" nodeType="tmRoot"/>
-      </p:par>
-    </p:tnLst>
-  </p:timing>
 </p:sld>
 </file>
 
@@ -4857,7 +4786,7 @@
           </a:lstStyle>
           <a:p>
             <a:r>
-              <a:rPr lang="ru-RU" sz="3200" dirty="0" smtClean="0">
+              <a:rPr lang="ru-RU" sz="3200" dirty="0">
                 <a:solidFill>
                   <a:schemeClr val="accent1">
                     <a:lumMod val="75000"/>
@@ -4868,15 +4797,6 @@
               </a:rPr>
               <a:t>Сложный пример</a:t>
             </a:r>
-            <a:endParaRPr lang="ru-RU" sz="3200" dirty="0">
-              <a:solidFill>
-                <a:schemeClr val="accent1">
-                  <a:lumMod val="75000"/>
-                </a:schemeClr>
-              </a:solidFill>
-              <a:latin typeface="Arial" panose="020B0604020202020204" pitchFamily="34" charset="0"/>
-              <a:cs typeface="Arial" panose="020B0604020202020204" pitchFamily="34" charset="0"/>
-            </a:endParaRPr>
           </a:p>
         </p:txBody>
       </p:sp>
@@ -5713,13 +5633,6 @@
   <p:clrMapOvr>
     <a:masterClrMapping/>
   </p:clrMapOvr>
-  <p:timing>
-    <p:tnLst>
-      <p:par>
-        <p:cTn id="1" dur="indefinite" restart="never" nodeType="tmRoot"/>
-      </p:par>
-    </p:tnLst>
-  </p:timing>
 </p:sld>
 </file>
 
@@ -5850,7 +5763,7 @@
           </a:lstStyle>
           <a:p>
             <a:r>
-              <a:rPr lang="ru-RU" sz="3200" dirty="0" smtClean="0">
+              <a:rPr lang="ru-RU" sz="3200" dirty="0">
                 <a:solidFill>
                   <a:schemeClr val="accent1">
                     <a:lumMod val="75000"/>
@@ -5861,15 +5774,6 @@
               </a:rPr>
               <a:t>Сложный пример</a:t>
             </a:r>
-            <a:endParaRPr lang="ru-RU" sz="3200" dirty="0">
-              <a:solidFill>
-                <a:schemeClr val="accent1">
-                  <a:lumMod val="75000"/>
-                </a:schemeClr>
-              </a:solidFill>
-              <a:latin typeface="Arial" panose="020B0604020202020204" pitchFamily="34" charset="0"/>
-              <a:cs typeface="Arial" panose="020B0604020202020204" pitchFamily="34" charset="0"/>
-            </a:endParaRPr>
           </a:p>
         </p:txBody>
       </p:sp>
@@ -6057,15 +5961,6 @@
             </a:r>
           </a:p>
           <a:p>
-            <a:r>
-              <a:rPr lang="en-US" sz="1600" dirty="0">
-                <a:solidFill>
-                  <a:srgbClr val="000000"/>
-                </a:solidFill>
-                <a:latin typeface="Consolas" panose="020B0609020204030204" pitchFamily="49" charset="0"/>
-              </a:rPr>
-              <a:t/>
-            </a:r>
             <a:br>
               <a:rPr lang="en-US" sz="1600" dirty="0">
                 <a:solidFill>
@@ -6605,15 +6500,6 @@
             </a:endParaRPr>
           </a:p>
           <a:p>
-            <a:r>
-              <a:rPr lang="en-US" sz="1600" dirty="0">
-                <a:solidFill>
-                  <a:srgbClr val="000000"/>
-                </a:solidFill>
-                <a:latin typeface="Consolas" panose="020B0609020204030204" pitchFamily="49" charset="0"/>
-              </a:rPr>
-              <a:t/>
-            </a:r>
             <a:br>
               <a:rPr lang="en-US" sz="1600" dirty="0">
                 <a:solidFill>
@@ -7303,13 +7189,6 @@
   <p:clrMapOvr>
     <a:masterClrMapping/>
   </p:clrMapOvr>
-  <p:timing>
-    <p:tnLst>
-      <p:par>
-        <p:cTn id="1" dur="indefinite" restart="never" nodeType="tmRoot"/>
-      </p:par>
-    </p:tnLst>
-  </p:timing>
 </p:sld>
 </file>
 
@@ -7440,7 +7319,7 @@
           </a:lstStyle>
           <a:p>
             <a:r>
-              <a:rPr lang="ru-RU" sz="3200" dirty="0" smtClean="0">
+              <a:rPr lang="ru-RU" sz="3200" dirty="0">
                 <a:solidFill>
                   <a:schemeClr val="accent1">
                     <a:lumMod val="75000"/>
@@ -7451,15 +7330,6 @@
               </a:rPr>
               <a:t>Сложный пример</a:t>
             </a:r>
-            <a:endParaRPr lang="ru-RU" sz="3200" dirty="0">
-              <a:solidFill>
-                <a:schemeClr val="accent1">
-                  <a:lumMod val="75000"/>
-                </a:schemeClr>
-              </a:solidFill>
-              <a:latin typeface="Arial" panose="020B0604020202020204" pitchFamily="34" charset="0"/>
-              <a:cs typeface="Arial" panose="020B0604020202020204" pitchFamily="34" charset="0"/>
-            </a:endParaRPr>
           </a:p>
         </p:txBody>
       </p:sp>
@@ -7735,7 +7605,7 @@
           </a:p>
           <a:p>
             <a:r>
-              <a:rPr lang="en-US" sz="1600" dirty="0" smtClean="0">
+              <a:rPr lang="en-US" sz="1600" dirty="0">
                 <a:solidFill>
                   <a:srgbClr val="000000"/>
                 </a:solidFill>
@@ -7848,15 +7718,6 @@
             </a:r>
           </a:p>
           <a:p>
-            <a:r>
-              <a:rPr lang="en-US" sz="1600" dirty="0">
-                <a:solidFill>
-                  <a:srgbClr val="000000"/>
-                </a:solidFill>
-                <a:latin typeface="Consolas" panose="020B0609020204030204" pitchFamily="49" charset="0"/>
-              </a:rPr>
-              <a:t/>
-            </a:r>
             <a:br>
               <a:rPr lang="en-US" sz="1600" dirty="0">
                 <a:solidFill>
@@ -8303,12 +8164,6 @@
               </a:rPr>
               <a:t>};</a:t>
             </a:r>
-            <a:endParaRPr lang="en-US" sz="1600" dirty="0">
-              <a:solidFill>
-                <a:srgbClr val="000000"/>
-              </a:solidFill>
-              <a:latin typeface="Consolas" panose="020B0609020204030204" pitchFamily="49" charset="0"/>
-            </a:endParaRPr>
           </a:p>
         </p:txBody>
       </p:sp>
@@ -8322,13 +8177,6 @@
   <p:clrMapOvr>
     <a:masterClrMapping/>
   </p:clrMapOvr>
-  <p:timing>
-    <p:tnLst>
-      <p:par>
-        <p:cTn id="1" dur="indefinite" restart="never" nodeType="tmRoot"/>
-      </p:par>
-    </p:tnLst>
-  </p:timing>
 </p:sld>
 </file>
 
@@ -8591,24 +8439,15 @@
               <a:rPr lang="ru-RU" dirty="0"/>
               <a:t> — специальный вид функций-членов класса. </a:t>
             </a:r>
-            <a:endParaRPr lang="ru-RU" dirty="0" smtClean="0"/>
-          </a:p>
-          <a:p>
-            <a:r>
-              <a:rPr lang="ru-RU" dirty="0" smtClean="0">
-                <a:solidFill>
-                  <a:srgbClr val="000000"/>
-                </a:solidFill>
-              </a:rPr>
-              <a:t>Для </a:t>
-            </a:r>
+          </a:p>
+          <a:p>
             <a:r>
               <a:rPr lang="ru-RU" dirty="0">
                 <a:solidFill>
                   <a:srgbClr val="000000"/>
                 </a:solidFill>
               </a:rPr>
-              <a:t>объявления виртуальной функции используется ключевое слово </a:t>
+              <a:t>Для объявления виртуальной функции используется ключевое слово </a:t>
             </a:r>
             <a:r>
               <a:rPr lang="ru-RU" dirty="0" err="1">
@@ -8665,21 +8504,8 @@
                   <a:srgbClr val="000000"/>
                 </a:solidFill>
               </a:rPr>
-              <a:t>реализация функции зависит от класса и будет различной в каждом порожденном </a:t>
-            </a:r>
-            <a:r>
-              <a:rPr lang="ru-RU" dirty="0" smtClean="0">
-                <a:solidFill>
-                  <a:srgbClr val="000000"/>
-                </a:solidFill>
-              </a:rPr>
-              <a:t>класс</a:t>
-            </a:r>
-            <a:endParaRPr lang="ru-RU" dirty="0">
-              <a:solidFill>
-                <a:srgbClr val="000000"/>
-              </a:solidFill>
-            </a:endParaRPr>
+              <a:t>реализация функции зависит от класса и будет различной в каждом порожденном класс</a:t>
+            </a:r>
           </a:p>
         </p:txBody>
       </p:sp>
@@ -8749,22 +8575,22 @@
             <a:lstStyle/>
             <a:p>
               <a:r>
-                <a:rPr lang="ru-RU" dirty="0" smtClean="0"/>
+                <a:rPr lang="ru-RU" dirty="0"/>
                 <a:t>Линковщик, проводит связывание каждого метода в момент компиляции. Под связыванием понимается указание в месте вызова метода области памяти в которой расположен код соответствующей функции, функция выбирается на основании компилируемого типа переменной у которой он вызывается.</a:t>
               </a:r>
               <a:br>
-                <a:rPr lang="ru-RU" dirty="0" smtClean="0"/>
+                <a:rPr lang="ru-RU" dirty="0"/>
               </a:br>
               <a:r>
-                <a:rPr lang="ru-RU" dirty="0" smtClean="0"/>
+                <a:rPr lang="ru-RU" dirty="0"/>
                 <a:t>В случае же использования виртуального метода, связывания на стадии компиляции не происходит, и мы говорим компилятору, что этот метод может быть переопределён и заставляем исполняющую машину во время исполнения нашего кода определить реальный тип скрытый за указателем</a:t>
               </a:r>
               <a:r>
-                <a:rPr lang="en-US" dirty="0" smtClean="0"/>
+                <a:rPr lang="en-US" dirty="0"/>
                 <a:t> </a:t>
               </a:r>
               <a:r>
-                <a:rPr lang="ru-RU" dirty="0" smtClean="0"/>
+                <a:rPr lang="ru-RU" dirty="0"/>
                 <a:t>или ссылкой и вызвать именно его.</a:t>
               </a:r>
             </a:p>
@@ -8811,7 +8637,7 @@
               <a:t> </a:t>
             </a:r>
             <a:r>
-              <a:rPr lang="en-US" sz="1600" dirty="0" smtClean="0">
+              <a:rPr lang="en-US" sz="1600" dirty="0">
                 <a:solidFill>
                   <a:srgbClr val="0000FF"/>
                 </a:solidFill>
@@ -8820,7 +8646,7 @@
               <a:t>&lt;</a:t>
             </a:r>
             <a:r>
-              <a:rPr lang="ru-RU" sz="1600" dirty="0" smtClean="0">
+              <a:rPr lang="ru-RU" sz="1600" dirty="0">
                 <a:solidFill>
                   <a:srgbClr val="0000FF"/>
                 </a:solidFill>
@@ -8829,7 +8655,7 @@
               <a:t>тип возвращаемого значения</a:t>
             </a:r>
             <a:r>
-              <a:rPr lang="en-US" sz="1600" dirty="0" smtClean="0">
+              <a:rPr lang="en-US" sz="1600" dirty="0">
                 <a:solidFill>
                   <a:srgbClr val="0000FF"/>
                 </a:solidFill>
@@ -8844,19 +8670,10 @@
                 </a:solidFill>
                 <a:latin typeface="Consolas" panose="020B0609020204030204" pitchFamily="49" charset="0"/>
               </a:rPr>
-              <a:t> </a:t>
-            </a:r>
-            <a:r>
-              <a:rPr lang="en-US" sz="1600" dirty="0" smtClean="0">
-                <a:solidFill>
-                  <a:srgbClr val="000000"/>
-                </a:solidFill>
-                <a:latin typeface="Consolas" panose="020B0609020204030204" pitchFamily="49" charset="0"/>
-              </a:rPr>
-              <a:t>&lt;</a:t>
-            </a:r>
-            <a:r>
-              <a:rPr lang="ru-RU" sz="1600" dirty="0" smtClean="0">
+              <a:t> &lt;</a:t>
+            </a:r>
+            <a:r>
+              <a:rPr lang="ru-RU" sz="1600" dirty="0">
                 <a:solidFill>
                   <a:srgbClr val="000000"/>
                 </a:solidFill>
@@ -8865,7 +8682,7 @@
               <a:t>название метода</a:t>
             </a:r>
             <a:r>
-              <a:rPr lang="en-US" sz="1600" dirty="0" smtClean="0">
+              <a:rPr lang="en-US" sz="1600" dirty="0">
                 <a:solidFill>
                   <a:srgbClr val="000000"/>
                 </a:solidFill>
@@ -8874,7 +8691,7 @@
               <a:t>&gt; (&lt;</a:t>
             </a:r>
             <a:r>
-              <a:rPr lang="ru-RU" sz="1600" dirty="0" smtClean="0">
+              <a:rPr lang="ru-RU" sz="1600" dirty="0">
                 <a:solidFill>
                   <a:srgbClr val="000000"/>
                 </a:solidFill>
@@ -8883,13 +8700,33 @@
               <a:t>аргументы</a:t>
             </a:r>
             <a:r>
-              <a:rPr lang="en-US" sz="1600" dirty="0" smtClean="0">
+              <a:rPr lang="en-US" sz="1600" dirty="0">
                 <a:solidFill>
                   <a:srgbClr val="000000"/>
                 </a:solidFill>
                 <a:latin typeface="Consolas" panose="020B0609020204030204" pitchFamily="49" charset="0"/>
               </a:rPr>
               <a:t>&gt;){</a:t>
+            </a:r>
+          </a:p>
+          <a:p>
+            <a:r>
+              <a:rPr lang="en-US" sz="1600" dirty="0">
+                <a:solidFill>
+                  <a:srgbClr val="000000"/>
+                </a:solidFill>
+                <a:latin typeface="Consolas" panose="020B0609020204030204" pitchFamily="49" charset="0"/>
+              </a:rPr>
+              <a:t>    // … </a:t>
+            </a:r>
+            <a:r>
+              <a:rPr lang="ru-RU" sz="1600" dirty="0">
+                <a:solidFill>
+                  <a:srgbClr val="000000"/>
+                </a:solidFill>
+                <a:latin typeface="Consolas" panose="020B0609020204030204" pitchFamily="49" charset="0"/>
+              </a:rPr>
+              <a:t>Тело метода</a:t>
             </a:r>
             <a:endParaRPr lang="en-US" sz="1600" dirty="0">
               <a:solidFill>
@@ -8906,49 +8743,8 @@
                 </a:solidFill>
                 <a:latin typeface="Consolas" panose="020B0609020204030204" pitchFamily="49" charset="0"/>
               </a:rPr>
-              <a:t>    </a:t>
-            </a:r>
-            <a:r>
-              <a:rPr lang="en-US" sz="1600" dirty="0" smtClean="0">
-                <a:solidFill>
-                  <a:srgbClr val="000000"/>
-                </a:solidFill>
-                <a:latin typeface="Consolas" panose="020B0609020204030204" pitchFamily="49" charset="0"/>
-              </a:rPr>
-              <a:t>// … </a:t>
-            </a:r>
-            <a:r>
-              <a:rPr lang="ru-RU" sz="1600" dirty="0" smtClean="0">
-                <a:solidFill>
-                  <a:srgbClr val="000000"/>
-                </a:solidFill>
-                <a:latin typeface="Consolas" panose="020B0609020204030204" pitchFamily="49" charset="0"/>
-              </a:rPr>
-              <a:t>Тело метода</a:t>
-            </a:r>
-            <a:endParaRPr lang="en-US" sz="1600" dirty="0">
-              <a:solidFill>
-                <a:srgbClr val="000000"/>
-              </a:solidFill>
-              <a:latin typeface="Consolas" panose="020B0609020204030204" pitchFamily="49" charset="0"/>
-            </a:endParaRPr>
-          </a:p>
-          <a:p>
-            <a:r>
-              <a:rPr lang="en-US" sz="1600" dirty="0" smtClean="0">
-                <a:solidFill>
-                  <a:srgbClr val="000000"/>
-                </a:solidFill>
-                <a:latin typeface="Consolas" panose="020B0609020204030204" pitchFamily="49" charset="0"/>
-              </a:rPr>
               <a:t>}</a:t>
             </a:r>
-            <a:endParaRPr lang="en-US" sz="1600" dirty="0">
-              <a:solidFill>
-                <a:srgbClr val="000000"/>
-              </a:solidFill>
-              <a:latin typeface="Consolas" panose="020B0609020204030204" pitchFamily="49" charset="0"/>
-            </a:endParaRPr>
           </a:p>
         </p:txBody>
       </p:sp>
@@ -8962,13 +8758,6 @@
   <p:clrMapOvr>
     <a:masterClrMapping/>
   </p:clrMapOvr>
-  <p:timing>
-    <p:tnLst>
-      <p:par>
-        <p:cTn id="1" dur="indefinite" restart="never" nodeType="tmRoot"/>
-      </p:par>
-    </p:tnLst>
-  </p:timing>
 </p:sld>
 </file>
 
@@ -9443,15 +9232,6 @@
             </a:r>
           </a:p>
           <a:p>
-            <a:r>
-              <a:rPr lang="en-US" sz="1600" dirty="0">
-                <a:solidFill>
-                  <a:srgbClr val="000000"/>
-                </a:solidFill>
-                <a:latin typeface="Consolas" panose="020B0609020204030204" pitchFamily="49" charset="0"/>
-              </a:rPr>
-              <a:t/>
-            </a:r>
             <a:br>
               <a:rPr lang="en-US" sz="1600" dirty="0">
                 <a:solidFill>
@@ -9669,15 +9449,6 @@
             </a:r>
           </a:p>
           <a:p>
-            <a:r>
-              <a:rPr lang="en-US" sz="1600" dirty="0">
-                <a:solidFill>
-                  <a:srgbClr val="000000"/>
-                </a:solidFill>
-                <a:latin typeface="Consolas" panose="020B0609020204030204" pitchFamily="49" charset="0"/>
-              </a:rPr>
-              <a:t/>
-            </a:r>
             <a:br>
               <a:rPr lang="en-US" sz="1600" dirty="0">
                 <a:solidFill>
@@ -10642,13 +10413,6 @@
   <p:clrMapOvr>
     <a:masterClrMapping/>
   </p:clrMapOvr>
-  <p:timing>
-    <p:tnLst>
-      <p:par>
-        <p:cTn id="1" dur="indefinite" restart="never" nodeType="tmRoot"/>
-      </p:par>
-    </p:tnLst>
-  </p:timing>
 </p:sld>
 </file>
 
@@ -10945,15 +10709,7 @@
                   <a:srgbClr val="000000"/>
                 </a:solidFill>
               </a:rPr>
-              <a:t> возле методов дочерних классов послужит полезным напоминанием о том, что эти методы являются виртуальными, а не обычными</a:t>
-            </a:r>
-            <a:r>
-              <a:rPr lang="ru-RU" dirty="0" smtClean="0">
-                <a:solidFill>
-                  <a:srgbClr val="000000"/>
-                </a:solidFill>
-              </a:rPr>
-              <a:t>.</a:t>
+              <a:t> возле методов дочерних классов послужит полезным напоминанием о том, что эти методы являются виртуальными, а не обычными.</a:t>
             </a:r>
           </a:p>
           <a:p>
@@ -10963,11 +10719,7 @@
             </a:pPr>
             <a:r>
               <a:rPr lang="ru-RU" dirty="0"/>
-              <a:t>Типы возврата виртуальной функции и её переопределений должны совпадать</a:t>
-            </a:r>
-            <a:r>
-              <a:rPr lang="ru-RU" dirty="0" smtClean="0"/>
-              <a:t>.</a:t>
+              <a:t>Типы возврата виртуальной функции и её переопределений должны совпадать.</a:t>
             </a:r>
           </a:p>
           <a:p>
@@ -10977,17 +10729,8 @@
             </a:pPr>
             <a:r>
               <a:rPr lang="ru-RU" dirty="0"/>
-              <a:t>Никогда не вызывайте виртуальные функции в теле конструкторов или деструкторов</a:t>
-            </a:r>
-            <a:r>
-              <a:rPr lang="ru-RU" dirty="0" smtClean="0"/>
-              <a:t>. </a:t>
-            </a:r>
-            <a:r>
-              <a:rPr lang="ru-RU" dirty="0"/>
-              <a:t>В таких случаях, в языке C++ будет вызываться родительская версия метода.</a:t>
-            </a:r>
-            <a:endParaRPr lang="ru-RU" dirty="0" smtClean="0"/>
+              <a:t>Никогда не вызывайте виртуальные функции в теле конструкторов или деструкторов. В таких случаях, в языке C++ будет вызываться родительская версия метода.</a:t>
+            </a:r>
           </a:p>
           <a:p>
             <a:pPr marL="285750" indent="-285750">
@@ -11024,7 +10767,7 @@
           <a:p>
             <a:pPr algn="just"/>
             <a:r>
-              <a:rPr lang="ru-RU" dirty="0" smtClean="0">
+              <a:rPr lang="ru-RU" dirty="0">
                 <a:solidFill>
                   <a:srgbClr val="000000"/>
                 </a:solidFill>
@@ -11057,7 +10800,7 @@
           <a:lstStyle/>
           <a:p>
             <a:r>
-              <a:rPr lang="en-US" dirty="0" smtClean="0">
+              <a:rPr lang="en-US" dirty="0">
                 <a:solidFill>
                   <a:srgbClr val="0000FF"/>
                 </a:solidFill>
@@ -11066,7 +10809,7 @@
               <a:t>Virtual</a:t>
             </a:r>
             <a:r>
-              <a:rPr lang="en-US" dirty="0" smtClean="0">
+              <a:rPr lang="en-US" dirty="0">
                 <a:solidFill>
                   <a:srgbClr val="000000"/>
                 </a:solidFill>
@@ -11075,25 +10818,16 @@
               <a:t> ~&lt;</a:t>
             </a:r>
             <a:r>
-              <a:rPr lang="ru-RU" dirty="0" smtClean="0">
-                <a:solidFill>
-                  <a:srgbClr val="000000"/>
-                </a:solidFill>
-                <a:latin typeface="Consolas" panose="020B0609020204030204" pitchFamily="49" charset="0"/>
-              </a:rPr>
-              <a:t>название </a:t>
-            </a:r>
-            <a:r>
               <a:rPr lang="ru-RU" dirty="0">
                 <a:solidFill>
                   <a:srgbClr val="000000"/>
                 </a:solidFill>
                 <a:latin typeface="Consolas" panose="020B0609020204030204" pitchFamily="49" charset="0"/>
               </a:rPr>
-              <a:t>абстрактного класса</a:t>
-            </a:r>
-            <a:r>
-              <a:rPr lang="en-US" dirty="0" smtClean="0">
+              <a:t>название абстрактного класса</a:t>
+            </a:r>
+            <a:r>
+              <a:rPr lang="en-US" dirty="0">
                 <a:solidFill>
                   <a:srgbClr val="000000"/>
                 </a:solidFill>
@@ -11115,13 +10849,6 @@
   <p:clrMapOvr>
     <a:masterClrMapping/>
   </p:clrMapOvr>
-  <p:timing>
-    <p:tnLst>
-      <p:par>
-        <p:cTn id="1" dur="indefinite" restart="never" nodeType="tmRoot"/>
-      </p:par>
-    </p:tnLst>
-  </p:timing>
 </p:sld>
 </file>
 
@@ -11450,15 +11177,6 @@
             </a:r>
           </a:p>
           <a:p>
-            <a:r>
-              <a:rPr lang="en-US" dirty="0">
-                <a:solidFill>
-                  <a:srgbClr val="000000"/>
-                </a:solidFill>
-                <a:latin typeface="Consolas" panose="020B0609020204030204" pitchFamily="49" charset="0"/>
-              </a:rPr>
-              <a:t/>
-            </a:r>
             <a:br>
               <a:rPr lang="en-US" dirty="0">
                 <a:solidFill>
@@ -11895,23 +11613,8 @@
                 </a:solidFill>
                 <a:latin typeface="Consolas" panose="020B0609020204030204" pitchFamily="49" charset="0"/>
               </a:rPr>
-              <a:t>        </a:t>
-            </a:r>
-            <a:r>
-              <a:rPr lang="en-US" dirty="0" smtClean="0">
-                <a:solidFill>
-                  <a:srgbClr val="000000"/>
-                </a:solidFill>
-                <a:latin typeface="Consolas" panose="020B0609020204030204" pitchFamily="49" charset="0"/>
-              </a:rPr>
-              <a:t>…</a:t>
-            </a:r>
-            <a:endParaRPr lang="en-US" dirty="0">
-              <a:solidFill>
-                <a:srgbClr val="000000"/>
-              </a:solidFill>
-              <a:latin typeface="Consolas" panose="020B0609020204030204" pitchFamily="49" charset="0"/>
-            </a:endParaRPr>
+              <a:t>        …</a:t>
+            </a:r>
           </a:p>
           <a:p>
             <a:r>
@@ -12257,13 +11960,6 @@
   <p:clrMapOvr>
     <a:masterClrMapping/>
   </p:clrMapOvr>
-  <p:timing>
-    <p:tnLst>
-      <p:par>
-        <p:cTn id="1" dur="indefinite" restart="never" nodeType="tmRoot"/>
-      </p:par>
-    </p:tnLst>
-  </p:timing>
 </p:sld>
 </file>
 
@@ -12532,15 +12228,7 @@
                   <a:srgbClr val="000000"/>
                 </a:solidFill>
               </a:rPr>
-              <a:t>- это классы, которые содержат или наследуют без переопределения хотя бы одну чистую виртуальную функцию. Абстрактный класс определяет интерфейс для переопределения производными классами</a:t>
-            </a:r>
-            <a:r>
-              <a:rPr lang="ru-RU" dirty="0" smtClean="0">
-                <a:solidFill>
-                  <a:srgbClr val="000000"/>
-                </a:solidFill>
-              </a:rPr>
-              <a:t>.</a:t>
+              <a:t>- это классы, которые содержат или наследуют без переопределения хотя бы одну чистую виртуальную функцию. Абстрактный класс определяет интерфейс для переопределения производными классами.</a:t>
             </a:r>
             <a:endParaRPr lang="en-US" dirty="0">
               <a:solidFill>
@@ -12550,7 +12238,7 @@
           </a:p>
           <a:p>
             <a:r>
-              <a:rPr lang="ru-RU" dirty="0" smtClean="0">
+              <a:rPr lang="ru-RU" dirty="0">
                 <a:solidFill>
                   <a:srgbClr val="000000"/>
                 </a:solidFill>
@@ -12598,34 +12286,63 @@
                 </a:solidFill>
                 <a:latin typeface="Consolas" panose="020B0609020204030204" pitchFamily="49" charset="0"/>
               </a:rPr>
-              <a:t> </a:t>
-            </a:r>
-            <a:r>
-              <a:rPr lang="en-US" dirty="0" smtClean="0">
-                <a:solidFill>
-                  <a:srgbClr val="000000"/>
+              <a:t> &lt;</a:t>
+            </a:r>
+            <a:r>
+              <a:rPr lang="ru-RU" dirty="0">
+                <a:solidFill>
+                  <a:srgbClr val="000000"/>
+                </a:solidFill>
+                <a:latin typeface="Consolas" panose="020B0609020204030204" pitchFamily="49" charset="0"/>
+              </a:rPr>
+              <a:t>название абстрактного класса</a:t>
+            </a:r>
+            <a:r>
+              <a:rPr lang="en-US" dirty="0">
+                <a:solidFill>
+                  <a:srgbClr val="000000"/>
+                </a:solidFill>
+                <a:latin typeface="Consolas" panose="020B0609020204030204" pitchFamily="49" charset="0"/>
+              </a:rPr>
+              <a:t>&gt; {</a:t>
+            </a:r>
+          </a:p>
+          <a:p>
+            <a:r>
+              <a:rPr lang="en-US" dirty="0">
+                <a:solidFill>
+                  <a:srgbClr val="000000"/>
+                </a:solidFill>
+                <a:latin typeface="Consolas" panose="020B0609020204030204" pitchFamily="49" charset="0"/>
+              </a:rPr>
+              <a:t>    </a:t>
+            </a:r>
+            <a:r>
+              <a:rPr lang="en-US" dirty="0">
+                <a:solidFill>
+                  <a:srgbClr val="0000FF"/>
                 </a:solidFill>
                 <a:latin typeface="Consolas" panose="020B0609020204030204" pitchFamily="49" charset="0"/>
               </a:rPr>
               <a:t>&lt;</a:t>
             </a:r>
             <a:r>
-              <a:rPr lang="ru-RU" dirty="0" smtClean="0">
-                <a:solidFill>
-                  <a:srgbClr val="000000"/>
-                </a:solidFill>
-                <a:latin typeface="Consolas" panose="020B0609020204030204" pitchFamily="49" charset="0"/>
-              </a:rPr>
-              <a:t>название абстрактного класса</a:t>
-            </a:r>
-            <a:r>
-              <a:rPr lang="en-US" dirty="0" smtClean="0">
-                <a:solidFill>
-                  <a:srgbClr val="000000"/>
-                </a:solidFill>
-                <a:latin typeface="Consolas" panose="020B0609020204030204" pitchFamily="49" charset="0"/>
-              </a:rPr>
-              <a:t>&gt; {</a:t>
+              <a:rPr lang="ru-RU" dirty="0">
+                <a:solidFill>
+                  <a:srgbClr val="0000FF"/>
+                </a:solidFill>
+                <a:latin typeface="Consolas" panose="020B0609020204030204" pitchFamily="49" charset="0"/>
+              </a:rPr>
+              <a:t>любой спецификатор доступа</a:t>
+            </a:r>
+            <a:r>
+              <a:rPr lang="en-US" dirty="0">
+                <a:solidFill>
+                  <a:srgbClr val="0000FF"/>
+                </a:solidFill>
+                <a:latin typeface="Consolas" panose="020B0609020204030204" pitchFamily="49" charset="0"/>
+              </a:rPr>
+              <a:t>&gt;:</a:t>
             </a:r>
             <a:endParaRPr lang="en-US" dirty="0">
               <a:solidFill>
@@ -12642,34 +12359,78 @@
                 </a:solidFill>
                 <a:latin typeface="Consolas" panose="020B0609020204030204" pitchFamily="49" charset="0"/>
               </a:rPr>
-              <a:t>    </a:t>
-            </a:r>
-            <a:r>
-              <a:rPr lang="en-US" dirty="0" smtClean="0">
-                <a:solidFill>
-                  <a:srgbClr val="0000FF"/>
-                </a:solidFill>
-                <a:latin typeface="Consolas" panose="020B0609020204030204" pitchFamily="49" charset="0"/>
-              </a:rPr>
-              <a:t>&lt;</a:t>
-            </a:r>
-            <a:r>
-              <a:rPr lang="ru-RU" dirty="0" smtClean="0">
-                <a:solidFill>
-                  <a:srgbClr val="0000FF"/>
-                </a:solidFill>
-                <a:latin typeface="Consolas" panose="020B0609020204030204" pitchFamily="49" charset="0"/>
-              </a:rPr>
-              <a:t>любой спецификатор доступа</a:t>
-            </a:r>
-            <a:r>
-              <a:rPr lang="en-US" dirty="0" smtClean="0">
-                <a:solidFill>
-                  <a:srgbClr val="0000FF"/>
-                </a:solidFill>
-                <a:latin typeface="Consolas" panose="020B0609020204030204" pitchFamily="49" charset="0"/>
-              </a:rPr>
-              <a:t>&gt;:</a:t>
+              <a:t>        &lt;</a:t>
+            </a:r>
+            <a:r>
+              <a:rPr lang="ru-RU" dirty="0">
+                <a:solidFill>
+                  <a:srgbClr val="000000"/>
+                </a:solidFill>
+                <a:latin typeface="Consolas" panose="020B0609020204030204" pitchFamily="49" charset="0"/>
+              </a:rPr>
+              <a:t>тип поля</a:t>
+            </a:r>
+            <a:r>
+              <a:rPr lang="en-US" dirty="0">
+                <a:solidFill>
+                  <a:srgbClr val="000000"/>
+                </a:solidFill>
+                <a:latin typeface="Consolas" panose="020B0609020204030204" pitchFamily="49" charset="0"/>
+              </a:rPr>
+              <a:t>&gt; &lt;</a:t>
+            </a:r>
+            <a:r>
+              <a:rPr lang="ru-RU" dirty="0">
+                <a:solidFill>
+                  <a:srgbClr val="000000"/>
+                </a:solidFill>
+                <a:latin typeface="Consolas" panose="020B0609020204030204" pitchFamily="49" charset="0"/>
+              </a:rPr>
+              <a:t>название поля</a:t>
+            </a:r>
+            <a:r>
+              <a:rPr lang="en-US" dirty="0">
+                <a:solidFill>
+                  <a:srgbClr val="000000"/>
+                </a:solidFill>
+                <a:latin typeface="Consolas" panose="020B0609020204030204" pitchFamily="49" charset="0"/>
+              </a:rPr>
+              <a:t>&gt;;</a:t>
+            </a:r>
+            <a:endParaRPr lang="ru-RU" dirty="0">
+              <a:solidFill>
+                <a:srgbClr val="000000"/>
+              </a:solidFill>
+              <a:latin typeface="Consolas" panose="020B0609020204030204" pitchFamily="49" charset="0"/>
+            </a:endParaRPr>
+          </a:p>
+          <a:p>
+            <a:r>
+              <a:rPr lang="ru-RU" dirty="0">
+                <a:solidFill>
+                  <a:srgbClr val="000000"/>
+                </a:solidFill>
+                <a:latin typeface="Consolas" panose="020B0609020204030204" pitchFamily="49" charset="0"/>
+              </a:rPr>
+              <a:t>        </a:t>
+            </a:r>
+            <a:r>
+              <a:rPr lang="en-US" dirty="0">
+                <a:solidFill>
+                  <a:srgbClr val="000000"/>
+                </a:solidFill>
+                <a:latin typeface="Consolas" panose="020B0609020204030204" pitchFamily="49" charset="0"/>
+              </a:rPr>
+              <a:t>…</a:t>
+            </a:r>
+            <a:r>
+              <a:rPr lang="ru-RU" dirty="0">
+                <a:solidFill>
+                  <a:srgbClr val="000000"/>
+                </a:solidFill>
+                <a:latin typeface="Consolas" panose="020B0609020204030204" pitchFamily="49" charset="0"/>
+              </a:rPr>
+              <a:t> прочие поля</a:t>
             </a:r>
             <a:endParaRPr lang="en-US" dirty="0">
               <a:solidFill>
@@ -12686,34 +12447,16 @@
                 </a:solidFill>
                 <a:latin typeface="Consolas" panose="020B0609020204030204" pitchFamily="49" charset="0"/>
               </a:rPr>
-              <a:t>        </a:t>
-            </a:r>
-            <a:r>
-              <a:rPr lang="en-US" dirty="0" smtClean="0">
-                <a:solidFill>
-                  <a:srgbClr val="000000"/>
-                </a:solidFill>
-                <a:latin typeface="Consolas" panose="020B0609020204030204" pitchFamily="49" charset="0"/>
-              </a:rPr>
-              <a:t>&lt;</a:t>
-            </a:r>
-            <a:r>
-              <a:rPr lang="ru-RU" dirty="0" smtClean="0">
-                <a:solidFill>
-                  <a:srgbClr val="000000"/>
-                </a:solidFill>
-                <a:latin typeface="Consolas" panose="020B0609020204030204" pitchFamily="49" charset="0"/>
-              </a:rPr>
-              <a:t>тип поля</a:t>
-            </a:r>
-            <a:r>
-              <a:rPr lang="en-US" dirty="0" smtClean="0">
-                <a:solidFill>
-                  <a:srgbClr val="000000"/>
-                </a:solidFill>
-                <a:latin typeface="Consolas" panose="020B0609020204030204" pitchFamily="49" charset="0"/>
-              </a:rPr>
-              <a:t>&gt;</a:t>
+              <a:t>        &lt;</a:t>
+            </a:r>
+            <a:r>
+              <a:rPr lang="ru-RU" dirty="0">
+                <a:solidFill>
+                  <a:srgbClr val="000000"/>
+                </a:solidFill>
+                <a:latin typeface="Consolas" panose="020B0609020204030204" pitchFamily="49" charset="0"/>
+              </a:rPr>
+              <a:t>название абстрактного класса</a:t>
             </a:r>
             <a:r>
               <a:rPr lang="en-US" dirty="0">
@@ -12722,36 +12465,27 @@
                 </a:solidFill>
                 <a:latin typeface="Consolas" panose="020B0609020204030204" pitchFamily="49" charset="0"/>
               </a:rPr>
-              <a:t> </a:t>
-            </a:r>
-            <a:r>
-              <a:rPr lang="en-US" dirty="0" smtClean="0">
-                <a:solidFill>
-                  <a:srgbClr val="000000"/>
-                </a:solidFill>
-                <a:latin typeface="Consolas" panose="020B0609020204030204" pitchFamily="49" charset="0"/>
-              </a:rPr>
-              <a:t>&lt;</a:t>
-            </a:r>
-            <a:r>
-              <a:rPr lang="ru-RU" dirty="0" smtClean="0">
-                <a:solidFill>
-                  <a:srgbClr val="000000"/>
-                </a:solidFill>
-                <a:latin typeface="Consolas" panose="020B0609020204030204" pitchFamily="49" charset="0"/>
-              </a:rPr>
-              <a:t>название поля</a:t>
-            </a:r>
-            <a:r>
-              <a:rPr lang="en-US" dirty="0" smtClean="0">
-                <a:solidFill>
-                  <a:srgbClr val="000000"/>
-                </a:solidFill>
-                <a:latin typeface="Consolas" panose="020B0609020204030204" pitchFamily="49" charset="0"/>
-              </a:rPr>
-              <a:t>&gt;;</a:t>
-            </a:r>
-            <a:endParaRPr lang="ru-RU" dirty="0" smtClean="0">
+              <a:t>&gt;(&lt;</a:t>
+            </a:r>
+            <a:r>
+              <a:rPr lang="ru-RU" dirty="0">
+                <a:solidFill>
+                  <a:srgbClr val="000000"/>
+                </a:solidFill>
+                <a:latin typeface="Consolas" panose="020B0609020204030204" pitchFamily="49" charset="0"/>
+              </a:rPr>
+              <a:t>аргументы конструктора</a:t>
+            </a:r>
+            <a:r>
+              <a:rPr lang="en-US" dirty="0">
+                <a:solidFill>
+                  <a:srgbClr val="000000"/>
+                </a:solidFill>
+                <a:latin typeface="Consolas" panose="020B0609020204030204" pitchFamily="49" charset="0"/>
+              </a:rPr>
+              <a:t>&gt;){}</a:t>
+            </a:r>
+            <a:endParaRPr lang="ru-RU" dirty="0">
               <a:solidFill>
                 <a:srgbClr val="000000"/>
               </a:solidFill>
@@ -12766,19 +12500,10 @@
                 </a:solidFill>
                 <a:latin typeface="Consolas" panose="020B0609020204030204" pitchFamily="49" charset="0"/>
               </a:rPr>
-              <a:t> </a:t>
-            </a:r>
-            <a:r>
-              <a:rPr lang="ru-RU" dirty="0" smtClean="0">
-                <a:solidFill>
-                  <a:srgbClr val="000000"/>
-                </a:solidFill>
-                <a:latin typeface="Consolas" panose="020B0609020204030204" pitchFamily="49" charset="0"/>
-              </a:rPr>
-              <a:t>       </a:t>
-            </a:r>
-            <a:r>
-              <a:rPr lang="en-US" dirty="0" smtClean="0">
+              <a:t>        </a:t>
+            </a:r>
+            <a:r>
+              <a:rPr lang="en-US" dirty="0">
                 <a:solidFill>
                   <a:srgbClr val="000000"/>
                 </a:solidFill>
@@ -12787,13 +12512,13 @@
               <a:t>…</a:t>
             </a:r>
             <a:r>
-              <a:rPr lang="ru-RU" dirty="0" smtClean="0">
-                <a:solidFill>
-                  <a:srgbClr val="000000"/>
-                </a:solidFill>
-                <a:latin typeface="Consolas" panose="020B0609020204030204" pitchFamily="49" charset="0"/>
-              </a:rPr>
-              <a:t> прочие поля</a:t>
+              <a:rPr lang="ru-RU" dirty="0">
+                <a:solidFill>
+                  <a:srgbClr val="000000"/>
+                </a:solidFill>
+                <a:latin typeface="Consolas" panose="020B0609020204030204" pitchFamily="49" charset="0"/>
+              </a:rPr>
+              <a:t> прочие методы</a:t>
             </a:r>
             <a:endParaRPr lang="en-US" dirty="0">
               <a:solidFill>
@@ -12813,9 +12538,27 @@
               <a:t>        </a:t>
             </a:r>
             <a:r>
-              <a:rPr lang="en-US" dirty="0" smtClean="0">
-                <a:solidFill>
-                  <a:srgbClr val="000000"/>
+              <a:rPr lang="en-US" dirty="0">
+                <a:solidFill>
+                  <a:srgbClr val="0000FF"/>
+                </a:solidFill>
+                <a:latin typeface="Consolas" panose="020B0609020204030204" pitchFamily="49" charset="0"/>
+              </a:rPr>
+              <a:t>virtual</a:t>
+            </a:r>
+            <a:r>
+              <a:rPr lang="en-US" dirty="0">
+                <a:solidFill>
+                  <a:srgbClr val="000000"/>
+                </a:solidFill>
+                <a:latin typeface="Consolas" panose="020B0609020204030204" pitchFamily="49" charset="0"/>
+              </a:rPr>
+              <a:t> </a:t>
+            </a:r>
+            <a:r>
+              <a:rPr lang="en-US" dirty="0">
+                <a:solidFill>
+                  <a:srgbClr val="0000FF"/>
                 </a:solidFill>
                 <a:latin typeface="Consolas" panose="020B0609020204030204" pitchFamily="49" charset="0"/>
               </a:rPr>
@@ -12824,40 +12567,67 @@
             <a:r>
               <a:rPr lang="ru-RU" dirty="0">
                 <a:solidFill>
-                  <a:srgbClr val="000000"/>
-                </a:solidFill>
-                <a:latin typeface="Consolas" panose="020B0609020204030204" pitchFamily="49" charset="0"/>
-              </a:rPr>
-              <a:t>название абстрактного класса</a:t>
-            </a:r>
-            <a:r>
-              <a:rPr lang="en-US" dirty="0" smtClean="0">
-                <a:solidFill>
-                  <a:srgbClr val="000000"/>
-                </a:solidFill>
-                <a:latin typeface="Consolas" panose="020B0609020204030204" pitchFamily="49" charset="0"/>
-              </a:rPr>
-              <a:t>&gt;(&lt;</a:t>
-            </a:r>
-            <a:r>
-              <a:rPr lang="ru-RU" dirty="0" smtClean="0">
-                <a:solidFill>
-                  <a:srgbClr val="000000"/>
-                </a:solidFill>
-                <a:latin typeface="Consolas" panose="020B0609020204030204" pitchFamily="49" charset="0"/>
-              </a:rPr>
-              <a:t>аргументы конструктора</a:t>
-            </a:r>
-            <a:r>
-              <a:rPr lang="en-US" dirty="0" smtClean="0">
-                <a:solidFill>
-                  <a:srgbClr val="000000"/>
-                </a:solidFill>
-                <a:latin typeface="Consolas" panose="020B0609020204030204" pitchFamily="49" charset="0"/>
-              </a:rPr>
-              <a:t>&gt;){}</a:t>
-            </a:r>
-            <a:endParaRPr lang="ru-RU" dirty="0" smtClean="0">
+                  <a:srgbClr val="0000FF"/>
+                </a:solidFill>
+                <a:latin typeface="Consolas" panose="020B0609020204030204" pitchFamily="49" charset="0"/>
+              </a:rPr>
+              <a:t>тип возвращаемого значения</a:t>
+            </a:r>
+            <a:r>
+              <a:rPr lang="en-US" dirty="0">
+                <a:solidFill>
+                  <a:srgbClr val="0000FF"/>
+                </a:solidFill>
+                <a:latin typeface="Consolas" panose="020B0609020204030204" pitchFamily="49" charset="0"/>
+              </a:rPr>
+              <a:t>&gt;</a:t>
+            </a:r>
+            <a:r>
+              <a:rPr lang="en-US" dirty="0">
+                <a:solidFill>
+                  <a:srgbClr val="000000"/>
+                </a:solidFill>
+                <a:latin typeface="Consolas" panose="020B0609020204030204" pitchFamily="49" charset="0"/>
+              </a:rPr>
+              <a:t> &lt;</a:t>
+            </a:r>
+            <a:r>
+              <a:rPr lang="ru-RU" dirty="0">
+                <a:solidFill>
+                  <a:srgbClr val="000000"/>
+                </a:solidFill>
+                <a:latin typeface="Consolas" panose="020B0609020204030204" pitchFamily="49" charset="0"/>
+              </a:rPr>
+              <a:t>название метода</a:t>
+            </a:r>
+            <a:r>
+              <a:rPr lang="en-US" dirty="0">
+                <a:solidFill>
+                  <a:srgbClr val="000000"/>
+                </a:solidFill>
+                <a:latin typeface="Consolas" panose="020B0609020204030204" pitchFamily="49" charset="0"/>
+              </a:rPr>
+              <a:t>&gt;() = </a:t>
+            </a:r>
+            <a:r>
+              <a:rPr lang="en-US" dirty="0">
+                <a:solidFill>
+                  <a:srgbClr val="098658"/>
+                </a:solidFill>
+                <a:latin typeface="Consolas" panose="020B0609020204030204" pitchFamily="49" charset="0"/>
+              </a:rPr>
+              <a:t>0</a:t>
+            </a:r>
+            <a:r>
+              <a:rPr lang="en-US" dirty="0">
+                <a:solidFill>
+                  <a:srgbClr val="000000"/>
+                </a:solidFill>
+                <a:latin typeface="Consolas" panose="020B0609020204030204" pitchFamily="49" charset="0"/>
+              </a:rPr>
+              <a:t>;</a:t>
+            </a:r>
+            <a:endParaRPr lang="ru-RU" dirty="0">
               <a:solidFill>
                 <a:srgbClr val="000000"/>
               </a:solidFill>
@@ -12872,43 +12642,8 @@
                 </a:solidFill>
                 <a:latin typeface="Consolas" panose="020B0609020204030204" pitchFamily="49" charset="0"/>
               </a:rPr>
-              <a:t> </a:t>
-            </a:r>
-            <a:r>
-              <a:rPr lang="ru-RU" dirty="0" smtClean="0">
-                <a:solidFill>
-                  <a:srgbClr val="000000"/>
-                </a:solidFill>
-                <a:latin typeface="Consolas" panose="020B0609020204030204" pitchFamily="49" charset="0"/>
-              </a:rPr>
-              <a:t>       </a:t>
-            </a:r>
-            <a:r>
-              <a:rPr lang="en-US" dirty="0" smtClean="0">
-                <a:solidFill>
-                  <a:srgbClr val="000000"/>
-                </a:solidFill>
-                <a:latin typeface="Consolas" panose="020B0609020204030204" pitchFamily="49" charset="0"/>
-              </a:rPr>
-              <a:t>…</a:t>
-            </a:r>
-            <a:r>
-              <a:rPr lang="ru-RU" dirty="0" smtClean="0">
-                <a:solidFill>
-                  <a:srgbClr val="000000"/>
-                </a:solidFill>
-                <a:latin typeface="Consolas" panose="020B0609020204030204" pitchFamily="49" charset="0"/>
-              </a:rPr>
-              <a:t> прочие методы</a:t>
-            </a:r>
-            <a:endParaRPr lang="en-US" dirty="0">
-              <a:solidFill>
-                <a:srgbClr val="000000"/>
-              </a:solidFill>
-              <a:latin typeface="Consolas" panose="020B0609020204030204" pitchFamily="49" charset="0"/>
-            </a:endParaRPr>
-          </a:p>
-          <a:p>
+              <a:t>        </a:t>
+            </a:r>
             <a:r>
               <a:rPr lang="en-US" dirty="0">
                 <a:solidFill>
@@ -12916,153 +12651,10 @@
                 </a:solidFill>
                 <a:latin typeface="Consolas" panose="020B0609020204030204" pitchFamily="49" charset="0"/>
               </a:rPr>
-              <a:t>        </a:t>
-            </a:r>
-            <a:r>
-              <a:rPr lang="en-US" dirty="0">
-                <a:solidFill>
-                  <a:srgbClr val="0000FF"/>
-                </a:solidFill>
-                <a:latin typeface="Consolas" panose="020B0609020204030204" pitchFamily="49" charset="0"/>
-              </a:rPr>
-              <a:t>virtual</a:t>
-            </a:r>
-            <a:r>
-              <a:rPr lang="en-US" dirty="0">
-                <a:solidFill>
-                  <a:srgbClr val="000000"/>
-                </a:solidFill>
-                <a:latin typeface="Consolas" panose="020B0609020204030204" pitchFamily="49" charset="0"/>
-              </a:rPr>
-              <a:t> </a:t>
-            </a:r>
-            <a:r>
-              <a:rPr lang="en-US" dirty="0" smtClean="0">
-                <a:solidFill>
-                  <a:srgbClr val="0000FF"/>
-                </a:solidFill>
-                <a:latin typeface="Consolas" panose="020B0609020204030204" pitchFamily="49" charset="0"/>
-              </a:rPr>
-              <a:t>&lt;</a:t>
-            </a:r>
-            <a:r>
-              <a:rPr lang="ru-RU" dirty="0" smtClean="0">
-                <a:solidFill>
-                  <a:srgbClr val="0000FF"/>
-                </a:solidFill>
-                <a:latin typeface="Consolas" panose="020B0609020204030204" pitchFamily="49" charset="0"/>
-              </a:rPr>
-              <a:t>тип возвращаемого значения</a:t>
-            </a:r>
-            <a:r>
-              <a:rPr lang="en-US" dirty="0" smtClean="0">
-                <a:solidFill>
-                  <a:srgbClr val="0000FF"/>
-                </a:solidFill>
-                <a:latin typeface="Consolas" panose="020B0609020204030204" pitchFamily="49" charset="0"/>
-              </a:rPr>
-              <a:t>&gt;</a:t>
-            </a:r>
-            <a:r>
-              <a:rPr lang="en-US" dirty="0">
-                <a:solidFill>
-                  <a:srgbClr val="000000"/>
-                </a:solidFill>
-                <a:latin typeface="Consolas" panose="020B0609020204030204" pitchFamily="49" charset="0"/>
-              </a:rPr>
-              <a:t> </a:t>
-            </a:r>
-            <a:r>
-              <a:rPr lang="en-US" dirty="0" smtClean="0">
-                <a:solidFill>
-                  <a:srgbClr val="000000"/>
-                </a:solidFill>
-                <a:latin typeface="Consolas" panose="020B0609020204030204" pitchFamily="49" charset="0"/>
-              </a:rPr>
-              <a:t>&lt;</a:t>
-            </a:r>
-            <a:r>
-              <a:rPr lang="ru-RU" dirty="0" smtClean="0">
-                <a:solidFill>
-                  <a:srgbClr val="000000"/>
-                </a:solidFill>
-                <a:latin typeface="Consolas" panose="020B0609020204030204" pitchFamily="49" charset="0"/>
-              </a:rPr>
-              <a:t>название метода</a:t>
-            </a:r>
-            <a:r>
-              <a:rPr lang="en-US" dirty="0" smtClean="0">
-                <a:solidFill>
-                  <a:srgbClr val="000000"/>
-                </a:solidFill>
-                <a:latin typeface="Consolas" panose="020B0609020204030204" pitchFamily="49" charset="0"/>
-              </a:rPr>
-              <a:t>&gt;()</a:t>
-            </a:r>
-            <a:r>
-              <a:rPr lang="en-US" dirty="0">
-                <a:solidFill>
-                  <a:srgbClr val="000000"/>
-                </a:solidFill>
-                <a:latin typeface="Consolas" panose="020B0609020204030204" pitchFamily="49" charset="0"/>
-              </a:rPr>
-              <a:t> = </a:t>
-            </a:r>
-            <a:r>
-              <a:rPr lang="en-US" dirty="0">
-                <a:solidFill>
-                  <a:srgbClr val="098658"/>
-                </a:solidFill>
-                <a:latin typeface="Consolas" panose="020B0609020204030204" pitchFamily="49" charset="0"/>
-              </a:rPr>
-              <a:t>0</a:t>
-            </a:r>
-            <a:r>
-              <a:rPr lang="en-US" dirty="0" smtClean="0">
-                <a:solidFill>
-                  <a:srgbClr val="000000"/>
-                </a:solidFill>
-                <a:latin typeface="Consolas" panose="020B0609020204030204" pitchFamily="49" charset="0"/>
-              </a:rPr>
-              <a:t>;</a:t>
-            </a:r>
-            <a:endParaRPr lang="ru-RU" dirty="0" smtClean="0">
-              <a:solidFill>
-                <a:srgbClr val="000000"/>
-              </a:solidFill>
-              <a:latin typeface="Consolas" panose="020B0609020204030204" pitchFamily="49" charset="0"/>
-            </a:endParaRPr>
-          </a:p>
-          <a:p>
+              <a:t>… </a:t>
+            </a:r>
             <a:r>
               <a:rPr lang="ru-RU" dirty="0">
-                <a:solidFill>
-                  <a:srgbClr val="000000"/>
-                </a:solidFill>
-                <a:latin typeface="Consolas" panose="020B0609020204030204" pitchFamily="49" charset="0"/>
-              </a:rPr>
-              <a:t> </a:t>
-            </a:r>
-            <a:r>
-              <a:rPr lang="ru-RU" dirty="0" smtClean="0">
-                <a:solidFill>
-                  <a:srgbClr val="000000"/>
-                </a:solidFill>
-                <a:latin typeface="Consolas" panose="020B0609020204030204" pitchFamily="49" charset="0"/>
-              </a:rPr>
-              <a:t>       </a:t>
-            </a:r>
-            <a:r>
-              <a:rPr lang="en-US" dirty="0" smtClean="0">
-                <a:solidFill>
-                  <a:srgbClr val="000000"/>
-                </a:solidFill>
-                <a:latin typeface="Consolas" panose="020B0609020204030204" pitchFamily="49" charset="0"/>
-              </a:rPr>
-              <a:t>… </a:t>
-            </a:r>
-            <a:r>
-              <a:rPr lang="ru-RU" dirty="0" smtClean="0">
                 <a:solidFill>
                   <a:srgbClr val="000000"/>
                 </a:solidFill>
@@ -13182,18 +12774,10 @@
                   <a:srgbClr val="000000"/>
                 </a:solidFill>
               </a:rPr>
-              <a:t>). Это функции, которые не имеют </a:t>
-            </a:r>
-            <a:r>
-              <a:rPr lang="ru-RU" dirty="0" smtClean="0">
-                <a:solidFill>
-                  <a:srgbClr val="000000"/>
-                </a:solidFill>
-              </a:rPr>
-              <a:t>определения</a:t>
-            </a:r>
-            <a:r>
-              <a:rPr lang="en-US" dirty="0" smtClean="0">
+              <a:t>). Это функции, которые не имеют определения</a:t>
+            </a:r>
+            <a:r>
+              <a:rPr lang="en-US" dirty="0">
                 <a:solidFill>
                   <a:srgbClr val="000000"/>
                 </a:solidFill>
@@ -13201,20 +12785,12 @@
               <a:t> </a:t>
             </a:r>
             <a:r>
-              <a:rPr lang="ru-RU" dirty="0" smtClean="0">
-                <a:solidFill>
-                  <a:srgbClr val="000000"/>
-                </a:solidFill>
-              </a:rPr>
-              <a:t>и соответственно требуют своего переопределения в дочерних классах. </a:t>
-            </a:r>
-            <a:r>
               <a:rPr lang="ru-RU" dirty="0">
                 <a:solidFill>
                   <a:srgbClr val="000000"/>
                 </a:solidFill>
               </a:rPr>
-              <a:t>Чтобы определить виртуальную функцию как чистую, ее объявление завершается значением "=0".</a:t>
+              <a:t>и соответственно требуют своего переопределения в дочерних классах. Чтобы определить виртуальную функцию как чистую, ее объявление завершается значением "=0".</a:t>
             </a:r>
             <a:endParaRPr lang="ru-RU" dirty="0"/>
           </a:p>
@@ -13260,7 +12836,7 @@
               <a:t> </a:t>
             </a:r>
             <a:r>
-              <a:rPr lang="en-US" dirty="0" smtClean="0">
+              <a:rPr lang="en-US" dirty="0">
                 <a:solidFill>
                   <a:srgbClr val="0000FF"/>
                 </a:solidFill>
@@ -13269,7 +12845,7 @@
               <a:t>&lt;</a:t>
             </a:r>
             <a:r>
-              <a:rPr lang="ru-RU" dirty="0" smtClean="0">
+              <a:rPr lang="ru-RU" dirty="0">
                 <a:solidFill>
                   <a:srgbClr val="0000FF"/>
                 </a:solidFill>
@@ -13278,7 +12854,7 @@
               <a:t>тип возвращаемого значения</a:t>
             </a:r>
             <a:r>
-              <a:rPr lang="en-US" dirty="0" smtClean="0">
+              <a:rPr lang="en-US" dirty="0">
                 <a:solidFill>
                   <a:srgbClr val="0000FF"/>
                 </a:solidFill>
@@ -13293,19 +12869,10 @@
                 </a:solidFill>
                 <a:latin typeface="Consolas" panose="020B0609020204030204" pitchFamily="49" charset="0"/>
               </a:rPr>
-              <a:t> </a:t>
-            </a:r>
-            <a:r>
-              <a:rPr lang="en-US" dirty="0" smtClean="0">
-                <a:solidFill>
-                  <a:srgbClr val="000000"/>
-                </a:solidFill>
-                <a:latin typeface="Consolas" panose="020B0609020204030204" pitchFamily="49" charset="0"/>
-              </a:rPr>
-              <a:t>&lt;</a:t>
-            </a:r>
-            <a:r>
-              <a:rPr lang="ru-RU" dirty="0" smtClean="0">
+              <a:t> &lt;</a:t>
+            </a:r>
+            <a:r>
+              <a:rPr lang="ru-RU" dirty="0">
                 <a:solidFill>
                   <a:srgbClr val="000000"/>
                 </a:solidFill>
@@ -13314,7 +12881,7 @@
               <a:t>название метода</a:t>
             </a:r>
             <a:r>
-              <a:rPr lang="en-US" dirty="0" smtClean="0">
+              <a:rPr lang="en-US" dirty="0">
                 <a:solidFill>
                   <a:srgbClr val="000000"/>
                 </a:solidFill>
@@ -13323,7 +12890,7 @@
               <a:t>&gt; (&lt;</a:t>
             </a:r>
             <a:r>
-              <a:rPr lang="ru-RU" dirty="0" smtClean="0">
+              <a:rPr lang="ru-RU" dirty="0">
                 <a:solidFill>
                   <a:srgbClr val="000000"/>
                 </a:solidFill>
@@ -13332,7 +12899,7 @@
               <a:t>аргументы</a:t>
             </a:r>
             <a:r>
-              <a:rPr lang="en-US" dirty="0" smtClean="0">
+              <a:rPr lang="en-US" dirty="0">
                 <a:solidFill>
                   <a:srgbClr val="000000"/>
                 </a:solidFill>
@@ -13341,7 +12908,7 @@
               <a:t>&gt;)</a:t>
             </a:r>
             <a:r>
-              <a:rPr lang="ru-RU" dirty="0" smtClean="0">
+              <a:rPr lang="ru-RU" dirty="0">
                 <a:solidFill>
                   <a:srgbClr val="000000"/>
                 </a:solidFill>
@@ -13350,7 +12917,7 @@
               <a:t> = 0</a:t>
             </a:r>
             <a:r>
-              <a:rPr lang="en-US" dirty="0" smtClean="0">
+              <a:rPr lang="en-US" dirty="0">
                 <a:solidFill>
                   <a:srgbClr val="000000"/>
                 </a:solidFill>
@@ -13358,12 +12925,6 @@
               </a:rPr>
               <a:t>;</a:t>
             </a:r>
-            <a:endParaRPr lang="en-US" dirty="0">
-              <a:solidFill>
-                <a:srgbClr val="000000"/>
-              </a:solidFill>
-              <a:latin typeface="Consolas" panose="020B0609020204030204" pitchFamily="49" charset="0"/>
-            </a:endParaRPr>
           </a:p>
         </p:txBody>
       </p:sp>
@@ -13377,13 +12938,6 @@
   <p:clrMapOvr>
     <a:masterClrMapping/>
   </p:clrMapOvr>
-  <p:timing>
-    <p:tnLst>
-      <p:par>
-        <p:cTn id="1" dur="indefinite" restart="never" nodeType="tmRoot"/>
-      </p:par>
-    </p:tnLst>
-  </p:timing>
 </p:sld>
 </file>
 
@@ -13800,15 +13354,6 @@
             </a:r>
           </a:p>
           <a:p>
-            <a:r>
-              <a:rPr lang="en-US" sz="1600" dirty="0">
-                <a:solidFill>
-                  <a:srgbClr val="000000"/>
-                </a:solidFill>
-                <a:latin typeface="Consolas" panose="020B0609020204030204" pitchFamily="49" charset="0"/>
-              </a:rPr>
-              <a:t/>
-            </a:r>
             <a:br>
               <a:rPr lang="en-US" sz="1600" dirty="0">
                 <a:solidFill>
@@ -14026,15 +13571,6 @@
             </a:r>
           </a:p>
           <a:p>
-            <a:r>
-              <a:rPr lang="en-US" sz="1600" dirty="0">
-                <a:solidFill>
-                  <a:srgbClr val="000000"/>
-                </a:solidFill>
-                <a:latin typeface="Consolas" panose="020B0609020204030204" pitchFamily="49" charset="0"/>
-              </a:rPr>
-              <a:t/>
-            </a:r>
             <a:br>
               <a:rPr lang="en-US" sz="1600" dirty="0">
                 <a:solidFill>
@@ -14242,7 +13778,7 @@
           </a:p>
           <a:p>
             <a:r>
-              <a:rPr lang="en-US" sz="1600" dirty="0" smtClean="0">
+              <a:rPr lang="en-US" sz="1600" dirty="0">
                 <a:solidFill>
                   <a:srgbClr val="000000"/>
                 </a:solidFill>
@@ -14250,12 +13786,6 @@
               </a:rPr>
               <a:t>};</a:t>
             </a:r>
-            <a:endParaRPr lang="en-US" sz="1600" dirty="0">
-              <a:solidFill>
-                <a:srgbClr val="000000"/>
-              </a:solidFill>
-              <a:latin typeface="Consolas" panose="020B0609020204030204" pitchFamily="49" charset="0"/>
-            </a:endParaRPr>
           </a:p>
         </p:txBody>
       </p:sp>
@@ -14417,29 +13947,11 @@
                 </a:solidFill>
                 <a:latin typeface="Consolas" panose="020B0609020204030204" pitchFamily="49" charset="0"/>
               </a:rPr>
-              <a:t>не </a:t>
-            </a:r>
-            <a:r>
-              <a:rPr lang="ru-RU" sz="1600" dirty="0" smtClean="0">
-                <a:solidFill>
-                  <a:srgbClr val="008000"/>
-                </a:solidFill>
-                <a:latin typeface="Consolas" panose="020B0609020204030204" pitchFamily="49" charset="0"/>
-              </a:rPr>
-              <a:t>допускается</a:t>
+              <a:t>не допускается </a:t>
             </a:r>
             <a:r>
               <a:rPr lang="ru-RU" sz="1600" dirty="0">
                 <a:solidFill>
-                  <a:srgbClr val="008000"/>
-                </a:solidFill>
-                <a:latin typeface="Consolas" panose="020B0609020204030204" pitchFamily="49" charset="0"/>
-              </a:rPr>
-              <a:t> </a:t>
-            </a:r>
-            <a:r>
-              <a:rPr lang="ru-RU" sz="1600" dirty="0">
-                <a:solidFill>
                   <a:srgbClr val="000000"/>
                 </a:solidFill>
                 <a:latin typeface="Consolas" panose="020B0609020204030204" pitchFamily="49" charset="0"/>
@@ -14447,22 +13959,13 @@
               <a:t>    </a:t>
             </a:r>
             <a:r>
-              <a:rPr lang="en-US" sz="1600" dirty="0" smtClean="0">
-                <a:solidFill>
-                  <a:srgbClr val="000000"/>
-                </a:solidFill>
-                <a:latin typeface="Consolas" panose="020B0609020204030204" pitchFamily="49" charset="0"/>
-              </a:rPr>
-              <a:t> Pistol</a:t>
-            </a:r>
-            <a:r>
-              <a:rPr lang="en-US" sz="1600" dirty="0">
-                <a:solidFill>
-                  <a:srgbClr val="000000"/>
-                </a:solidFill>
-                <a:latin typeface="Consolas" panose="020B0609020204030204" pitchFamily="49" charset="0"/>
-              </a:rPr>
-              <a:t> p(</a:t>
+              <a:rPr lang="en-US" sz="1600" dirty="0">
+                <a:solidFill>
+                  <a:srgbClr val="000000"/>
+                </a:solidFill>
+                <a:latin typeface="Consolas" panose="020B0609020204030204" pitchFamily="49" charset="0"/>
+              </a:rPr>
+              <a:t> Pistol p(</a:t>
             </a:r>
             <a:r>
               <a:rPr lang="en-US" sz="1600" dirty="0">
@@ -14812,7 +14315,7 @@
               <a:t>printName</a:t>
             </a:r>
             <a:r>
-              <a:rPr lang="en-US" sz="1600" dirty="0" smtClean="0">
+              <a:rPr lang="en-US" sz="1600" dirty="0">
                 <a:solidFill>
                   <a:srgbClr val="000000"/>
                 </a:solidFill>
@@ -14823,30 +14326,13 @@
           </a:p>
           <a:p>
             <a:r>
-              <a:rPr lang="en-US" sz="1600" dirty="0" smtClean="0">
+              <a:rPr lang="en-US" sz="1600" dirty="0">
                 <a:solidFill>
                   <a:srgbClr val="008000"/>
                 </a:solidFill>
                 <a:latin typeface="Consolas" panose="020B0609020204030204" pitchFamily="49" charset="0"/>
               </a:rPr>
               <a:t>    // Pistol name: 9mm</a:t>
-            </a:r>
-            <a:endParaRPr lang="en-US" sz="1600" dirty="0" smtClean="0">
-              <a:solidFill>
-                <a:srgbClr val="000000"/>
-              </a:solidFill>
-              <a:latin typeface="Consolas" panose="020B0609020204030204" pitchFamily="49" charset="0"/>
-            </a:endParaRPr>
-          </a:p>
-          <a:p>
-            <a:r>
-              <a:rPr lang="en-US" sz="1600" dirty="0">
-                <a:solidFill>
-                  <a:srgbClr val="008000"/>
-                </a:solidFill>
-                <a:latin typeface="Consolas" panose="020B0609020204030204" pitchFamily="49" charset="0"/>
-              </a:rPr>
-              <a:t>    // Sword name: Excalibur</a:t>
             </a:r>
             <a:endParaRPr lang="en-US" sz="1600" dirty="0">
               <a:solidFill>
@@ -14859,69 +14345,13 @@
             <a:r>
               <a:rPr lang="en-US" sz="1600" dirty="0">
                 <a:solidFill>
-                  <a:srgbClr val="000000"/>
-                </a:solidFill>
-                <a:latin typeface="Consolas" panose="020B0609020204030204" pitchFamily="49" charset="0"/>
-              </a:rPr>
-              <a:t>    Weapon&amp; w2 = p;</a:t>
-            </a:r>
-          </a:p>
-          <a:p>
-            <a:r>
-              <a:rPr lang="en-US" sz="1600" dirty="0">
-                <a:solidFill>
                   <a:srgbClr val="008000"/>
                 </a:solidFill>
                 <a:latin typeface="Consolas" panose="020B0609020204030204" pitchFamily="49" charset="0"/>
               </a:rPr>
-              <a:t>    // Weapon w3 = s; // </a:t>
-            </a:r>
-            <a:r>
-              <a:rPr lang="ru-RU" sz="1600" dirty="0">
-                <a:solidFill>
-                  <a:srgbClr val="008000"/>
-                </a:solidFill>
-                <a:latin typeface="Consolas" panose="020B0609020204030204" pitchFamily="49" charset="0"/>
-              </a:rPr>
-              <a:t>использование объекта абстрактного типа класса "</a:t>
-            </a:r>
-            <a:r>
-              <a:rPr lang="en-US" sz="1600" dirty="0">
-                <a:solidFill>
-                  <a:srgbClr val="008000"/>
-                </a:solidFill>
-                <a:latin typeface="Consolas" panose="020B0609020204030204" pitchFamily="49" charset="0"/>
-              </a:rPr>
-              <a:t>Weapon" </a:t>
-            </a:r>
-            <a:r>
-              <a:rPr lang="ru-RU" sz="1600" dirty="0">
-                <a:solidFill>
-                  <a:srgbClr val="008000"/>
-                </a:solidFill>
-                <a:latin typeface="Consolas" panose="020B0609020204030204" pitchFamily="49" charset="0"/>
-              </a:rPr>
-              <a:t>не </a:t>
-            </a:r>
-            <a:r>
-              <a:rPr lang="ru-RU" sz="1600" dirty="0" smtClean="0">
-                <a:solidFill>
-                  <a:srgbClr val="008000"/>
-                </a:solidFill>
-                <a:latin typeface="Consolas" panose="020B0609020204030204" pitchFamily="49" charset="0"/>
-              </a:rPr>
-              <a:t>допускается</a:t>
-            </a:r>
-            <a:r>
-              <a:rPr lang="ru-RU" sz="1600" dirty="0">
-                <a:solidFill>
-                  <a:srgbClr val="000000"/>
-                </a:solidFill>
-                <a:latin typeface="Consolas" panose="020B0609020204030204" pitchFamily="49" charset="0"/>
-              </a:rPr>
-              <a:t>    </a:t>
-            </a:r>
-            <a:endParaRPr lang="en-US" sz="1600" dirty="0" smtClean="0">
+              <a:t>    // Sword name: Excalibur</a:t>
+            </a:r>
+            <a:endParaRPr lang="en-US" sz="1600" dirty="0">
               <a:solidFill>
                 <a:srgbClr val="000000"/>
               </a:solidFill>
@@ -14936,25 +14366,71 @@
                 </a:solidFill>
                 <a:latin typeface="Consolas" panose="020B0609020204030204" pitchFamily="49" charset="0"/>
               </a:rPr>
-              <a:t> </a:t>
-            </a:r>
-            <a:r>
-              <a:rPr lang="en-US" sz="1600" dirty="0" smtClean="0">
-                <a:solidFill>
-                  <a:srgbClr val="000000"/>
-                </a:solidFill>
-                <a:latin typeface="Consolas" panose="020B0609020204030204" pitchFamily="49" charset="0"/>
-              </a:rPr>
-              <a:t>   w2.printName</a:t>
-            </a:r>
-            <a:r>
-              <a:rPr lang="en-US" sz="1600" dirty="0">
-                <a:solidFill>
-                  <a:srgbClr val="000000"/>
-                </a:solidFill>
-                <a:latin typeface="Consolas" panose="020B0609020204030204" pitchFamily="49" charset="0"/>
-              </a:rPr>
-              <a:t>();</a:t>
+              <a:t>    Weapon&amp; w2 = p;</a:t>
+            </a:r>
+          </a:p>
+          <a:p>
+            <a:r>
+              <a:rPr lang="en-US" sz="1600" dirty="0">
+                <a:solidFill>
+                  <a:srgbClr val="008000"/>
+                </a:solidFill>
+                <a:latin typeface="Consolas" panose="020B0609020204030204" pitchFamily="49" charset="0"/>
+              </a:rPr>
+              <a:t>    // Weapon w3 = s; // </a:t>
+            </a:r>
+            <a:r>
+              <a:rPr lang="ru-RU" sz="1600" dirty="0">
+                <a:solidFill>
+                  <a:srgbClr val="008000"/>
+                </a:solidFill>
+                <a:latin typeface="Consolas" panose="020B0609020204030204" pitchFamily="49" charset="0"/>
+              </a:rPr>
+              <a:t>использование объекта абстрактного типа класса "</a:t>
+            </a:r>
+            <a:r>
+              <a:rPr lang="en-US" sz="1600" dirty="0">
+                <a:solidFill>
+                  <a:srgbClr val="008000"/>
+                </a:solidFill>
+                <a:latin typeface="Consolas" panose="020B0609020204030204" pitchFamily="49" charset="0"/>
+              </a:rPr>
+              <a:t>Weapon" </a:t>
+            </a:r>
+            <a:r>
+              <a:rPr lang="ru-RU" sz="1600" dirty="0">
+                <a:solidFill>
+                  <a:srgbClr val="008000"/>
+                </a:solidFill>
+                <a:latin typeface="Consolas" panose="020B0609020204030204" pitchFamily="49" charset="0"/>
+              </a:rPr>
+              <a:t>не допускается</a:t>
+            </a:r>
+            <a:r>
+              <a:rPr lang="ru-RU" sz="1600" dirty="0">
+                <a:solidFill>
+                  <a:srgbClr val="000000"/>
+                </a:solidFill>
+                <a:latin typeface="Consolas" panose="020B0609020204030204" pitchFamily="49" charset="0"/>
+              </a:rPr>
+              <a:t>    </a:t>
+            </a:r>
+            <a:endParaRPr lang="en-US" sz="1600" dirty="0">
+              <a:solidFill>
+                <a:srgbClr val="000000"/>
+              </a:solidFill>
+              <a:latin typeface="Consolas" panose="020B0609020204030204" pitchFamily="49" charset="0"/>
+            </a:endParaRPr>
+          </a:p>
+          <a:p>
+            <a:r>
+              <a:rPr lang="en-US" sz="1600" dirty="0">
+                <a:solidFill>
+                  <a:srgbClr val="000000"/>
+                </a:solidFill>
+                <a:latin typeface="Consolas" panose="020B0609020204030204" pitchFamily="49" charset="0"/>
+              </a:rPr>
+              <a:t>    w2.printName();</a:t>
             </a:r>
             <a:r>
               <a:rPr lang="en-US" sz="1600" dirty="0">
@@ -15066,13 +14542,6 @@
   <p:clrMapOvr>
     <a:masterClrMapping/>
   </p:clrMapOvr>
-  <p:timing>
-    <p:tnLst>
-      <p:par>
-        <p:cTn id="1" dur="indefinite" restart="never" nodeType="tmRoot"/>
-      </p:par>
-    </p:tnLst>
-  </p:timing>
 </p:sld>
 </file>
 
@@ -15192,13 +14661,6 @@
   <p:clrMapOvr>
     <a:masterClrMapping/>
   </p:clrMapOvr>
-  <p:timing>
-    <p:tnLst>
-      <p:par>
-        <p:cTn id="1" dur="indefinite" restart="never" nodeType="tmRoot"/>
-      </p:par>
-    </p:tnLst>
-  </p:timing>
 </p:sld>
 </file>
 
@@ -15454,7 +14916,7 @@
           <a:lstStyle/>
           <a:p>
             <a:r>
-              <a:rPr lang="ru-RU" dirty="0" smtClean="0">
+              <a:rPr lang="ru-RU" dirty="0">
                 <a:solidFill>
                   <a:srgbClr val="000000"/>
                 </a:solidFill>
@@ -15464,7 +14926,7 @@
           </a:p>
           <a:p>
             <a:r>
-              <a:rPr lang="ru-RU" dirty="0" smtClean="0"/>
+              <a:rPr lang="ru-RU" dirty="0"/>
               <a:t>Отличие от обычной виртуальной функции с реализацией заключается в том, что реализация выноситься в обязательном порядке за определение класса, а внутри него функция так и остается чистой виртуальной без реализации. А его вызов возможен только напрямую внутри метода дочернего класса.</a:t>
             </a:r>
           </a:p>
@@ -15507,34 +14969,63 @@
                 </a:solidFill>
                 <a:latin typeface="Consolas" panose="020B0609020204030204" pitchFamily="49" charset="0"/>
               </a:rPr>
-              <a:t> </a:t>
-            </a:r>
-            <a:r>
-              <a:rPr lang="en-US" sz="1600" dirty="0" smtClean="0">
-                <a:solidFill>
-                  <a:srgbClr val="000000"/>
+              <a:t> &lt;</a:t>
+            </a:r>
+            <a:r>
+              <a:rPr lang="ru-RU" sz="1600" dirty="0">
+                <a:solidFill>
+                  <a:srgbClr val="000000"/>
+                </a:solidFill>
+                <a:latin typeface="Consolas" panose="020B0609020204030204" pitchFamily="49" charset="0"/>
+              </a:rPr>
+              <a:t>название абстрактного класса</a:t>
+            </a:r>
+            <a:r>
+              <a:rPr lang="en-US" sz="1600" dirty="0">
+                <a:solidFill>
+                  <a:srgbClr val="000000"/>
+                </a:solidFill>
+                <a:latin typeface="Consolas" panose="020B0609020204030204" pitchFamily="49" charset="0"/>
+              </a:rPr>
+              <a:t>&gt; {</a:t>
+            </a:r>
+          </a:p>
+          <a:p>
+            <a:r>
+              <a:rPr lang="en-US" sz="1600" dirty="0">
+                <a:solidFill>
+                  <a:srgbClr val="000000"/>
+                </a:solidFill>
+                <a:latin typeface="Consolas" panose="020B0609020204030204" pitchFamily="49" charset="0"/>
+              </a:rPr>
+              <a:t>    </a:t>
+            </a:r>
+            <a:r>
+              <a:rPr lang="en-US" sz="1600" dirty="0">
+                <a:solidFill>
+                  <a:srgbClr val="0000FF"/>
                 </a:solidFill>
                 <a:latin typeface="Consolas" panose="020B0609020204030204" pitchFamily="49" charset="0"/>
               </a:rPr>
               <a:t>&lt;</a:t>
             </a:r>
             <a:r>
-              <a:rPr lang="ru-RU" sz="1600" dirty="0" smtClean="0">
-                <a:solidFill>
-                  <a:srgbClr val="000000"/>
-                </a:solidFill>
-                <a:latin typeface="Consolas" panose="020B0609020204030204" pitchFamily="49" charset="0"/>
-              </a:rPr>
-              <a:t>название абстрактного класса</a:t>
-            </a:r>
-            <a:r>
-              <a:rPr lang="en-US" sz="1600" dirty="0" smtClean="0">
-                <a:solidFill>
-                  <a:srgbClr val="000000"/>
-                </a:solidFill>
-                <a:latin typeface="Consolas" panose="020B0609020204030204" pitchFamily="49" charset="0"/>
-              </a:rPr>
-              <a:t>&gt; {</a:t>
+              <a:rPr lang="ru-RU" sz="1600" dirty="0">
+                <a:solidFill>
+                  <a:srgbClr val="0000FF"/>
+                </a:solidFill>
+                <a:latin typeface="Consolas" panose="020B0609020204030204" pitchFamily="49" charset="0"/>
+              </a:rPr>
+              <a:t>любой спецификатор доступа</a:t>
+            </a:r>
+            <a:r>
+              <a:rPr lang="en-US" sz="1600" dirty="0">
+                <a:solidFill>
+                  <a:srgbClr val="0000FF"/>
+                </a:solidFill>
+                <a:latin typeface="Consolas" panose="020B0609020204030204" pitchFamily="49" charset="0"/>
+              </a:rPr>
+              <a:t>&gt;:</a:t>
             </a:r>
             <a:endParaRPr lang="en-US" sz="1600" dirty="0">
               <a:solidFill>
@@ -15551,34 +15042,78 @@
                 </a:solidFill>
                 <a:latin typeface="Consolas" panose="020B0609020204030204" pitchFamily="49" charset="0"/>
               </a:rPr>
-              <a:t>    </a:t>
-            </a:r>
-            <a:r>
-              <a:rPr lang="en-US" sz="1600" dirty="0" smtClean="0">
-                <a:solidFill>
-                  <a:srgbClr val="0000FF"/>
-                </a:solidFill>
-                <a:latin typeface="Consolas" panose="020B0609020204030204" pitchFamily="49" charset="0"/>
-              </a:rPr>
-              <a:t>&lt;</a:t>
-            </a:r>
-            <a:r>
-              <a:rPr lang="ru-RU" sz="1600" dirty="0" smtClean="0">
-                <a:solidFill>
-                  <a:srgbClr val="0000FF"/>
-                </a:solidFill>
-                <a:latin typeface="Consolas" panose="020B0609020204030204" pitchFamily="49" charset="0"/>
-              </a:rPr>
-              <a:t>любой спецификатор доступа</a:t>
-            </a:r>
-            <a:r>
-              <a:rPr lang="en-US" sz="1600" dirty="0" smtClean="0">
-                <a:solidFill>
-                  <a:srgbClr val="0000FF"/>
-                </a:solidFill>
-                <a:latin typeface="Consolas" panose="020B0609020204030204" pitchFamily="49" charset="0"/>
-              </a:rPr>
-              <a:t>&gt;:</a:t>
+              <a:t>        &lt;</a:t>
+            </a:r>
+            <a:r>
+              <a:rPr lang="ru-RU" sz="1600" dirty="0">
+                <a:solidFill>
+                  <a:srgbClr val="000000"/>
+                </a:solidFill>
+                <a:latin typeface="Consolas" panose="020B0609020204030204" pitchFamily="49" charset="0"/>
+              </a:rPr>
+              <a:t>тип поля</a:t>
+            </a:r>
+            <a:r>
+              <a:rPr lang="en-US" sz="1600" dirty="0">
+                <a:solidFill>
+                  <a:srgbClr val="000000"/>
+                </a:solidFill>
+                <a:latin typeface="Consolas" panose="020B0609020204030204" pitchFamily="49" charset="0"/>
+              </a:rPr>
+              <a:t>&gt; &lt;</a:t>
+            </a:r>
+            <a:r>
+              <a:rPr lang="ru-RU" sz="1600" dirty="0">
+                <a:solidFill>
+                  <a:srgbClr val="000000"/>
+                </a:solidFill>
+                <a:latin typeface="Consolas" panose="020B0609020204030204" pitchFamily="49" charset="0"/>
+              </a:rPr>
+              <a:t>название поля</a:t>
+            </a:r>
+            <a:r>
+              <a:rPr lang="en-US" sz="1600" dirty="0">
+                <a:solidFill>
+                  <a:srgbClr val="000000"/>
+                </a:solidFill>
+                <a:latin typeface="Consolas" panose="020B0609020204030204" pitchFamily="49" charset="0"/>
+              </a:rPr>
+              <a:t>&gt;;</a:t>
+            </a:r>
+            <a:endParaRPr lang="ru-RU" sz="1600" dirty="0">
+              <a:solidFill>
+                <a:srgbClr val="000000"/>
+              </a:solidFill>
+              <a:latin typeface="Consolas" panose="020B0609020204030204" pitchFamily="49" charset="0"/>
+            </a:endParaRPr>
+          </a:p>
+          <a:p>
+            <a:r>
+              <a:rPr lang="ru-RU" sz="1600" dirty="0">
+                <a:solidFill>
+                  <a:srgbClr val="000000"/>
+                </a:solidFill>
+                <a:latin typeface="Consolas" panose="020B0609020204030204" pitchFamily="49" charset="0"/>
+              </a:rPr>
+              <a:t>        </a:t>
+            </a:r>
+            <a:r>
+              <a:rPr lang="en-US" sz="1600" dirty="0">
+                <a:solidFill>
+                  <a:srgbClr val="000000"/>
+                </a:solidFill>
+                <a:latin typeface="Consolas" panose="020B0609020204030204" pitchFamily="49" charset="0"/>
+              </a:rPr>
+              <a:t>…</a:t>
+            </a:r>
+            <a:r>
+              <a:rPr lang="ru-RU" sz="1600" dirty="0">
+                <a:solidFill>
+                  <a:srgbClr val="000000"/>
+                </a:solidFill>
+                <a:latin typeface="Consolas" panose="020B0609020204030204" pitchFamily="49" charset="0"/>
+              </a:rPr>
+              <a:t> прочие поля</a:t>
             </a:r>
             <a:endParaRPr lang="en-US" sz="1600" dirty="0">
               <a:solidFill>
@@ -15595,72 +15130,45 @@
                 </a:solidFill>
                 <a:latin typeface="Consolas" panose="020B0609020204030204" pitchFamily="49" charset="0"/>
               </a:rPr>
-              <a:t>        </a:t>
-            </a:r>
-            <a:r>
-              <a:rPr lang="en-US" sz="1600" dirty="0" smtClean="0">
-                <a:solidFill>
-                  <a:srgbClr val="000000"/>
-                </a:solidFill>
-                <a:latin typeface="Consolas" panose="020B0609020204030204" pitchFamily="49" charset="0"/>
-              </a:rPr>
-              <a:t>&lt;</a:t>
-            </a:r>
-            <a:r>
-              <a:rPr lang="ru-RU" sz="1600" dirty="0" smtClean="0">
-                <a:solidFill>
-                  <a:srgbClr val="000000"/>
-                </a:solidFill>
-                <a:latin typeface="Consolas" panose="020B0609020204030204" pitchFamily="49" charset="0"/>
-              </a:rPr>
-              <a:t>тип поля</a:t>
-            </a:r>
-            <a:r>
-              <a:rPr lang="en-US" sz="1600" dirty="0" smtClean="0">
-                <a:solidFill>
-                  <a:srgbClr val="000000"/>
-                </a:solidFill>
-                <a:latin typeface="Consolas" panose="020B0609020204030204" pitchFamily="49" charset="0"/>
-              </a:rPr>
-              <a:t>&gt;</a:t>
-            </a:r>
-            <a:r>
-              <a:rPr lang="en-US" sz="1600" dirty="0">
-                <a:solidFill>
-                  <a:srgbClr val="000000"/>
-                </a:solidFill>
-                <a:latin typeface="Consolas" panose="020B0609020204030204" pitchFamily="49" charset="0"/>
-              </a:rPr>
-              <a:t> </a:t>
-            </a:r>
-            <a:r>
-              <a:rPr lang="en-US" sz="1600" dirty="0" smtClean="0">
-                <a:solidFill>
-                  <a:srgbClr val="000000"/>
-                </a:solidFill>
-                <a:latin typeface="Consolas" panose="020B0609020204030204" pitchFamily="49" charset="0"/>
-              </a:rPr>
-              <a:t>&lt;</a:t>
-            </a:r>
-            <a:r>
-              <a:rPr lang="ru-RU" sz="1600" dirty="0" smtClean="0">
-                <a:solidFill>
-                  <a:srgbClr val="000000"/>
-                </a:solidFill>
-                <a:latin typeface="Consolas" panose="020B0609020204030204" pitchFamily="49" charset="0"/>
-              </a:rPr>
-              <a:t>название поля</a:t>
-            </a:r>
-            <a:r>
-              <a:rPr lang="en-US" sz="1600" dirty="0" smtClean="0">
-                <a:solidFill>
-                  <a:srgbClr val="000000"/>
-                </a:solidFill>
-                <a:latin typeface="Consolas" panose="020B0609020204030204" pitchFamily="49" charset="0"/>
-              </a:rPr>
-              <a:t>&gt;;</a:t>
-            </a:r>
-            <a:endParaRPr lang="ru-RU" sz="1600" dirty="0" smtClean="0">
+              <a:t>        &lt;</a:t>
+            </a:r>
+            <a:r>
+              <a:rPr lang="ru-RU" sz="1600" dirty="0">
+                <a:solidFill>
+                  <a:srgbClr val="000000"/>
+                </a:solidFill>
+                <a:latin typeface="Consolas" panose="020B0609020204030204" pitchFamily="49" charset="0"/>
+              </a:rPr>
+              <a:t>название абстрактного класса</a:t>
+            </a:r>
+            <a:r>
+              <a:rPr lang="en-US" sz="1600" dirty="0">
+                <a:solidFill>
+                  <a:srgbClr val="000000"/>
+                </a:solidFill>
+                <a:latin typeface="Consolas" panose="020B0609020204030204" pitchFamily="49" charset="0"/>
+              </a:rPr>
+              <a:t>&gt;(&lt;</a:t>
+            </a:r>
+            <a:r>
+              <a:rPr lang="ru-RU" sz="1600" dirty="0">
+                <a:solidFill>
+                  <a:srgbClr val="000000"/>
+                </a:solidFill>
+                <a:latin typeface="Consolas" panose="020B0609020204030204" pitchFamily="49" charset="0"/>
+              </a:rPr>
+              <a:t>аргументы конструктора</a:t>
+            </a:r>
+            <a:r>
+              <a:rPr lang="en-US" sz="1600" dirty="0">
+                <a:solidFill>
+                  <a:srgbClr val="000000"/>
+                </a:solidFill>
+                <a:latin typeface="Consolas" panose="020B0609020204030204" pitchFamily="49" charset="0"/>
+              </a:rPr>
+              <a:t>&gt;){}</a:t>
+            </a:r>
+            <a:endParaRPr lang="ru-RU" sz="1600" dirty="0">
               <a:solidFill>
                 <a:srgbClr val="000000"/>
               </a:solidFill>
@@ -15675,19 +15183,10 @@
                 </a:solidFill>
                 <a:latin typeface="Consolas" panose="020B0609020204030204" pitchFamily="49" charset="0"/>
               </a:rPr>
-              <a:t> </a:t>
-            </a:r>
-            <a:r>
-              <a:rPr lang="ru-RU" sz="1600" dirty="0" smtClean="0">
-                <a:solidFill>
-                  <a:srgbClr val="000000"/>
-                </a:solidFill>
-                <a:latin typeface="Consolas" panose="020B0609020204030204" pitchFamily="49" charset="0"/>
-              </a:rPr>
-              <a:t>       </a:t>
-            </a:r>
-            <a:r>
-              <a:rPr lang="en-US" sz="1600" dirty="0" smtClean="0">
+              <a:t>        </a:t>
+            </a:r>
+            <a:r>
+              <a:rPr lang="en-US" sz="1600" dirty="0">
                 <a:solidFill>
                   <a:srgbClr val="000000"/>
                 </a:solidFill>
@@ -15696,13 +15195,13 @@
               <a:t>…</a:t>
             </a:r>
             <a:r>
-              <a:rPr lang="ru-RU" sz="1600" dirty="0" smtClean="0">
-                <a:solidFill>
-                  <a:srgbClr val="000000"/>
-                </a:solidFill>
-                <a:latin typeface="Consolas" panose="020B0609020204030204" pitchFamily="49" charset="0"/>
-              </a:rPr>
-              <a:t> прочие поля</a:t>
+              <a:rPr lang="ru-RU" sz="1600" dirty="0">
+                <a:solidFill>
+                  <a:srgbClr val="000000"/>
+                </a:solidFill>
+                <a:latin typeface="Consolas" panose="020B0609020204030204" pitchFamily="49" charset="0"/>
+              </a:rPr>
+              <a:t> прочие методы</a:t>
             </a:r>
             <a:endParaRPr lang="en-US" sz="1600" dirty="0">
               <a:solidFill>
@@ -15722,9 +15221,27 @@
               <a:t>        </a:t>
             </a:r>
             <a:r>
-              <a:rPr lang="en-US" sz="1600" dirty="0" smtClean="0">
-                <a:solidFill>
-                  <a:srgbClr val="000000"/>
+              <a:rPr lang="en-US" sz="1600" dirty="0">
+                <a:solidFill>
+                  <a:srgbClr val="0000FF"/>
+                </a:solidFill>
+                <a:latin typeface="Consolas" panose="020B0609020204030204" pitchFamily="49" charset="0"/>
+              </a:rPr>
+              <a:t>virtual</a:t>
+            </a:r>
+            <a:r>
+              <a:rPr lang="en-US" sz="1600" dirty="0">
+                <a:solidFill>
+                  <a:srgbClr val="000000"/>
+                </a:solidFill>
+                <a:latin typeface="Consolas" panose="020B0609020204030204" pitchFamily="49" charset="0"/>
+              </a:rPr>
+              <a:t> </a:t>
+            </a:r>
+            <a:r>
+              <a:rPr lang="en-US" sz="1600" dirty="0">
+                <a:solidFill>
+                  <a:srgbClr val="0000FF"/>
                 </a:solidFill>
                 <a:latin typeface="Consolas" panose="020B0609020204030204" pitchFamily="49" charset="0"/>
               </a:rPr>
@@ -15733,40 +15250,67 @@
             <a:r>
               <a:rPr lang="ru-RU" sz="1600" dirty="0">
                 <a:solidFill>
-                  <a:srgbClr val="000000"/>
-                </a:solidFill>
-                <a:latin typeface="Consolas" panose="020B0609020204030204" pitchFamily="49" charset="0"/>
-              </a:rPr>
-              <a:t>название абстрактного класса</a:t>
-            </a:r>
-            <a:r>
-              <a:rPr lang="en-US" sz="1600" dirty="0" smtClean="0">
-                <a:solidFill>
-                  <a:srgbClr val="000000"/>
-                </a:solidFill>
-                <a:latin typeface="Consolas" panose="020B0609020204030204" pitchFamily="49" charset="0"/>
-              </a:rPr>
-              <a:t>&gt;(&lt;</a:t>
-            </a:r>
-            <a:r>
-              <a:rPr lang="ru-RU" sz="1600" dirty="0" smtClean="0">
-                <a:solidFill>
-                  <a:srgbClr val="000000"/>
-                </a:solidFill>
-                <a:latin typeface="Consolas" panose="020B0609020204030204" pitchFamily="49" charset="0"/>
-              </a:rPr>
-              <a:t>аргументы конструктора</a:t>
-            </a:r>
-            <a:r>
-              <a:rPr lang="en-US" sz="1600" dirty="0" smtClean="0">
-                <a:solidFill>
-                  <a:srgbClr val="000000"/>
-                </a:solidFill>
-                <a:latin typeface="Consolas" panose="020B0609020204030204" pitchFamily="49" charset="0"/>
-              </a:rPr>
-              <a:t>&gt;){}</a:t>
-            </a:r>
-            <a:endParaRPr lang="ru-RU" sz="1600" dirty="0" smtClean="0">
+                  <a:srgbClr val="0000FF"/>
+                </a:solidFill>
+                <a:latin typeface="Consolas" panose="020B0609020204030204" pitchFamily="49" charset="0"/>
+              </a:rPr>
+              <a:t>тип возвращаемого значения</a:t>
+            </a:r>
+            <a:r>
+              <a:rPr lang="en-US" sz="1600" dirty="0">
+                <a:solidFill>
+                  <a:srgbClr val="0000FF"/>
+                </a:solidFill>
+                <a:latin typeface="Consolas" panose="020B0609020204030204" pitchFamily="49" charset="0"/>
+              </a:rPr>
+              <a:t>&gt;</a:t>
+            </a:r>
+            <a:r>
+              <a:rPr lang="en-US" sz="1600" dirty="0">
+                <a:solidFill>
+                  <a:srgbClr val="000000"/>
+                </a:solidFill>
+                <a:latin typeface="Consolas" panose="020B0609020204030204" pitchFamily="49" charset="0"/>
+              </a:rPr>
+              <a:t> &lt;</a:t>
+            </a:r>
+            <a:r>
+              <a:rPr lang="ru-RU" sz="1600" dirty="0">
+                <a:solidFill>
+                  <a:srgbClr val="000000"/>
+                </a:solidFill>
+                <a:latin typeface="Consolas" panose="020B0609020204030204" pitchFamily="49" charset="0"/>
+              </a:rPr>
+              <a:t>название метода</a:t>
+            </a:r>
+            <a:r>
+              <a:rPr lang="en-US" sz="1600" dirty="0">
+                <a:solidFill>
+                  <a:srgbClr val="000000"/>
+                </a:solidFill>
+                <a:latin typeface="Consolas" panose="020B0609020204030204" pitchFamily="49" charset="0"/>
+              </a:rPr>
+              <a:t>&gt;() = </a:t>
+            </a:r>
+            <a:r>
+              <a:rPr lang="en-US" sz="1600" dirty="0">
+                <a:solidFill>
+                  <a:srgbClr val="098658"/>
+                </a:solidFill>
+                <a:latin typeface="Consolas" panose="020B0609020204030204" pitchFamily="49" charset="0"/>
+              </a:rPr>
+              <a:t>0</a:t>
+            </a:r>
+            <a:r>
+              <a:rPr lang="en-US" sz="1600" dirty="0">
+                <a:solidFill>
+                  <a:srgbClr val="000000"/>
+                </a:solidFill>
+                <a:latin typeface="Consolas" panose="020B0609020204030204" pitchFamily="49" charset="0"/>
+              </a:rPr>
+              <a:t>;</a:t>
+            </a:r>
+            <a:endParaRPr lang="ru-RU" sz="1600" dirty="0">
               <a:solidFill>
                 <a:srgbClr val="000000"/>
               </a:solidFill>
@@ -15781,34 +15325,25 @@
                 </a:solidFill>
                 <a:latin typeface="Consolas" panose="020B0609020204030204" pitchFamily="49" charset="0"/>
               </a:rPr>
-              <a:t> </a:t>
-            </a:r>
-            <a:r>
-              <a:rPr lang="ru-RU" sz="1600" dirty="0" smtClean="0">
-                <a:solidFill>
-                  <a:srgbClr val="000000"/>
-                </a:solidFill>
-                <a:latin typeface="Consolas" panose="020B0609020204030204" pitchFamily="49" charset="0"/>
-              </a:rPr>
-              <a:t>       </a:t>
-            </a:r>
-            <a:r>
-              <a:rPr lang="en-US" sz="1600" dirty="0" smtClean="0">
-                <a:solidFill>
-                  <a:srgbClr val="000000"/>
-                </a:solidFill>
-                <a:latin typeface="Consolas" panose="020B0609020204030204" pitchFamily="49" charset="0"/>
-              </a:rPr>
-              <a:t>…</a:t>
-            </a:r>
-            <a:r>
-              <a:rPr lang="ru-RU" sz="1600" dirty="0" smtClean="0">
-                <a:solidFill>
-                  <a:srgbClr val="000000"/>
-                </a:solidFill>
-                <a:latin typeface="Consolas" panose="020B0609020204030204" pitchFamily="49" charset="0"/>
-              </a:rPr>
-              <a:t> прочие методы</a:t>
+              <a:t>        </a:t>
+            </a:r>
+            <a:r>
+              <a:rPr lang="en-US" sz="1600" dirty="0">
+                <a:solidFill>
+                  <a:srgbClr val="000000"/>
+                </a:solidFill>
+                <a:latin typeface="Consolas" panose="020B0609020204030204" pitchFamily="49" charset="0"/>
+              </a:rPr>
+              <a:t>… </a:t>
+            </a:r>
+            <a:r>
+              <a:rPr lang="ru-RU" sz="1600" dirty="0">
+                <a:solidFill>
+                  <a:srgbClr val="000000"/>
+                </a:solidFill>
+                <a:latin typeface="Consolas" panose="020B0609020204030204" pitchFamily="49" charset="0"/>
+              </a:rPr>
+              <a:t>прочие методы</a:t>
             </a:r>
             <a:endParaRPr lang="en-US" sz="1600" dirty="0">
               <a:solidFill>
@@ -15825,117 +15360,9 @@
                 </a:solidFill>
                 <a:latin typeface="Consolas" panose="020B0609020204030204" pitchFamily="49" charset="0"/>
               </a:rPr>
-              <a:t>        </a:t>
-            </a:r>
-            <a:r>
-              <a:rPr lang="en-US" sz="1600" dirty="0">
-                <a:solidFill>
-                  <a:srgbClr val="0000FF"/>
-                </a:solidFill>
-                <a:latin typeface="Consolas" panose="020B0609020204030204" pitchFamily="49" charset="0"/>
-              </a:rPr>
-              <a:t>virtual</a:t>
-            </a:r>
-            <a:r>
-              <a:rPr lang="en-US" sz="1600" dirty="0">
-                <a:solidFill>
-                  <a:srgbClr val="000000"/>
-                </a:solidFill>
-                <a:latin typeface="Consolas" panose="020B0609020204030204" pitchFamily="49" charset="0"/>
-              </a:rPr>
-              <a:t> </a:t>
-            </a:r>
-            <a:r>
-              <a:rPr lang="en-US" sz="1600" dirty="0" smtClean="0">
-                <a:solidFill>
-                  <a:srgbClr val="0000FF"/>
-                </a:solidFill>
-                <a:latin typeface="Consolas" panose="020B0609020204030204" pitchFamily="49" charset="0"/>
-              </a:rPr>
-              <a:t>&lt;</a:t>
-            </a:r>
-            <a:r>
-              <a:rPr lang="ru-RU" sz="1600" dirty="0" smtClean="0">
-                <a:solidFill>
-                  <a:srgbClr val="0000FF"/>
-                </a:solidFill>
-                <a:latin typeface="Consolas" panose="020B0609020204030204" pitchFamily="49" charset="0"/>
-              </a:rPr>
-              <a:t>тип возвращаемого значения</a:t>
-            </a:r>
-            <a:r>
-              <a:rPr lang="en-US" sz="1600" dirty="0" smtClean="0">
-                <a:solidFill>
-                  <a:srgbClr val="0000FF"/>
-                </a:solidFill>
-                <a:latin typeface="Consolas" panose="020B0609020204030204" pitchFamily="49" charset="0"/>
-              </a:rPr>
-              <a:t>&gt;</a:t>
-            </a:r>
-            <a:r>
-              <a:rPr lang="en-US" sz="1600" dirty="0">
-                <a:solidFill>
-                  <a:srgbClr val="000000"/>
-                </a:solidFill>
-                <a:latin typeface="Consolas" panose="020B0609020204030204" pitchFamily="49" charset="0"/>
-              </a:rPr>
-              <a:t> </a:t>
-            </a:r>
-            <a:r>
-              <a:rPr lang="en-US" sz="1600" dirty="0" smtClean="0">
-                <a:solidFill>
-                  <a:srgbClr val="000000"/>
-                </a:solidFill>
-                <a:latin typeface="Consolas" panose="020B0609020204030204" pitchFamily="49" charset="0"/>
-              </a:rPr>
-              <a:t>&lt;</a:t>
-            </a:r>
-            <a:r>
-              <a:rPr lang="ru-RU" sz="1600" dirty="0" smtClean="0">
-                <a:solidFill>
-                  <a:srgbClr val="000000"/>
-                </a:solidFill>
-                <a:latin typeface="Consolas" panose="020B0609020204030204" pitchFamily="49" charset="0"/>
-              </a:rPr>
-              <a:t>название метода</a:t>
-            </a:r>
-            <a:r>
-              <a:rPr lang="en-US" sz="1600" dirty="0" smtClean="0">
-                <a:solidFill>
-                  <a:srgbClr val="000000"/>
-                </a:solidFill>
-                <a:latin typeface="Consolas" panose="020B0609020204030204" pitchFamily="49" charset="0"/>
-              </a:rPr>
-              <a:t>&gt;()</a:t>
-            </a:r>
-            <a:r>
-              <a:rPr lang="en-US" sz="1600" dirty="0">
-                <a:solidFill>
-                  <a:srgbClr val="000000"/>
-                </a:solidFill>
-                <a:latin typeface="Consolas" panose="020B0609020204030204" pitchFamily="49" charset="0"/>
-              </a:rPr>
-              <a:t> = </a:t>
-            </a:r>
-            <a:r>
-              <a:rPr lang="en-US" sz="1600" dirty="0">
-                <a:solidFill>
-                  <a:srgbClr val="098658"/>
-                </a:solidFill>
-                <a:latin typeface="Consolas" panose="020B0609020204030204" pitchFamily="49" charset="0"/>
-              </a:rPr>
-              <a:t>0</a:t>
-            </a:r>
-            <a:r>
-              <a:rPr lang="en-US" sz="1600" dirty="0" smtClean="0">
-                <a:solidFill>
-                  <a:srgbClr val="000000"/>
-                </a:solidFill>
-                <a:latin typeface="Consolas" panose="020B0609020204030204" pitchFamily="49" charset="0"/>
-              </a:rPr>
-              <a:t>;</a:t>
-            </a:r>
-            <a:endParaRPr lang="ru-RU" sz="1600" dirty="0" smtClean="0">
+              <a:t>};</a:t>
+            </a:r>
+            <a:endParaRPr lang="ru-RU" sz="1600" dirty="0">
               <a:solidFill>
                 <a:srgbClr val="000000"/>
               </a:solidFill>
@@ -15944,40 +15371,114 @@
           </a:p>
           <a:p>
             <a:r>
+              <a:rPr lang="en-US" sz="1600" dirty="0">
+                <a:solidFill>
+                  <a:srgbClr val="0000FF"/>
+                </a:solidFill>
+                <a:latin typeface="Consolas" panose="020B0609020204030204" pitchFamily="49" charset="0"/>
+              </a:rPr>
+              <a:t>virtual</a:t>
+            </a:r>
+            <a:r>
+              <a:rPr lang="en-US" sz="1600" dirty="0">
+                <a:solidFill>
+                  <a:srgbClr val="000000"/>
+                </a:solidFill>
+                <a:latin typeface="Consolas" panose="020B0609020204030204" pitchFamily="49" charset="0"/>
+              </a:rPr>
+              <a:t> </a:t>
+            </a:r>
+            <a:r>
+              <a:rPr lang="en-US" sz="1600" dirty="0">
+                <a:solidFill>
+                  <a:srgbClr val="0000FF"/>
+                </a:solidFill>
+                <a:latin typeface="Consolas" panose="020B0609020204030204" pitchFamily="49" charset="0"/>
+              </a:rPr>
+              <a:t>&lt;</a:t>
+            </a:r>
+            <a:r>
               <a:rPr lang="ru-RU" sz="1600" dirty="0">
                 <a:solidFill>
-                  <a:srgbClr val="000000"/>
-                </a:solidFill>
-                <a:latin typeface="Consolas" panose="020B0609020204030204" pitchFamily="49" charset="0"/>
-              </a:rPr>
-              <a:t> </a:t>
-            </a:r>
-            <a:r>
-              <a:rPr lang="ru-RU" sz="1600" dirty="0" smtClean="0">
-                <a:solidFill>
-                  <a:srgbClr val="000000"/>
-                </a:solidFill>
-                <a:latin typeface="Consolas" panose="020B0609020204030204" pitchFamily="49" charset="0"/>
-              </a:rPr>
-              <a:t>       </a:t>
-            </a:r>
-            <a:r>
-              <a:rPr lang="en-US" sz="1600" dirty="0" smtClean="0">
-                <a:solidFill>
-                  <a:srgbClr val="000000"/>
-                </a:solidFill>
-                <a:latin typeface="Consolas" panose="020B0609020204030204" pitchFamily="49" charset="0"/>
-              </a:rPr>
-              <a:t>… </a:t>
-            </a:r>
-            <a:r>
-              <a:rPr lang="ru-RU" sz="1600" dirty="0" smtClean="0">
-                <a:solidFill>
-                  <a:srgbClr val="000000"/>
-                </a:solidFill>
-                <a:latin typeface="Consolas" panose="020B0609020204030204" pitchFamily="49" charset="0"/>
-              </a:rPr>
-              <a:t>прочие методы</a:t>
+                  <a:srgbClr val="0000FF"/>
+                </a:solidFill>
+                <a:latin typeface="Consolas" panose="020B0609020204030204" pitchFamily="49" charset="0"/>
+              </a:rPr>
+              <a:t>тип возвращаемого значения</a:t>
+            </a:r>
+            <a:r>
+              <a:rPr lang="en-US" sz="1600" dirty="0">
+                <a:solidFill>
+                  <a:srgbClr val="0000FF"/>
+                </a:solidFill>
+                <a:latin typeface="Consolas" panose="020B0609020204030204" pitchFamily="49" charset="0"/>
+              </a:rPr>
+              <a:t>&gt;</a:t>
+            </a:r>
+            <a:r>
+              <a:rPr lang="en-US" sz="1600" dirty="0">
+                <a:solidFill>
+                  <a:srgbClr val="000000"/>
+                </a:solidFill>
+                <a:latin typeface="Consolas" panose="020B0609020204030204" pitchFamily="49" charset="0"/>
+              </a:rPr>
+              <a:t>  &lt;</a:t>
+            </a:r>
+            <a:r>
+              <a:rPr lang="ru-RU" sz="1600" dirty="0">
+                <a:solidFill>
+                  <a:srgbClr val="000000"/>
+                </a:solidFill>
+                <a:latin typeface="Consolas" panose="020B0609020204030204" pitchFamily="49" charset="0"/>
+              </a:rPr>
+              <a:t>название абстрактного класса</a:t>
+            </a:r>
+            <a:r>
+              <a:rPr lang="en-US" sz="1600" dirty="0">
+                <a:solidFill>
+                  <a:srgbClr val="000000"/>
+                </a:solidFill>
+                <a:latin typeface="Consolas" panose="020B0609020204030204" pitchFamily="49" charset="0"/>
+              </a:rPr>
+              <a:t>&gt; ::&lt;</a:t>
+            </a:r>
+            <a:r>
+              <a:rPr lang="ru-RU" sz="1600" dirty="0">
+                <a:solidFill>
+                  <a:srgbClr val="000000"/>
+                </a:solidFill>
+                <a:latin typeface="Consolas" panose="020B0609020204030204" pitchFamily="49" charset="0"/>
+              </a:rPr>
+              <a:t>название метода</a:t>
+            </a:r>
+            <a:r>
+              <a:rPr lang="en-US" sz="1600" dirty="0">
+                <a:solidFill>
+                  <a:srgbClr val="000000"/>
+                </a:solidFill>
+                <a:latin typeface="Consolas" panose="020B0609020204030204" pitchFamily="49" charset="0"/>
+              </a:rPr>
+              <a:t>&gt;()  {</a:t>
+            </a:r>
+          </a:p>
+          <a:p>
+            <a:r>
+              <a:rPr lang="en-US" sz="1600" dirty="0">
+                <a:solidFill>
+                  <a:srgbClr val="000000"/>
+                </a:solidFill>
+                <a:latin typeface="Consolas" panose="020B0609020204030204" pitchFamily="49" charset="0"/>
+              </a:rPr>
+              <a:t>    // </a:t>
+            </a:r>
+            <a:r>
+              <a:rPr lang="ru-RU" sz="1600" dirty="0">
+                <a:solidFill>
+                  <a:srgbClr val="000000"/>
+                </a:solidFill>
+                <a:latin typeface="Consolas" panose="020B0609020204030204" pitchFamily="49" charset="0"/>
+              </a:rPr>
+              <a:t>тело метода по умолчанию</a:t>
             </a:r>
             <a:endParaRPr lang="en-US" sz="1600" dirty="0">
               <a:solidFill>
@@ -15988,75 +15489,42 @@
           </a:p>
           <a:p>
             <a:r>
-              <a:rPr lang="en-US" sz="1600" dirty="0" smtClean="0">
-                <a:solidFill>
-                  <a:srgbClr val="000000"/>
-                </a:solidFill>
-                <a:latin typeface="Consolas" panose="020B0609020204030204" pitchFamily="49" charset="0"/>
-              </a:rPr>
-              <a:t>};</a:t>
-            </a:r>
-            <a:endParaRPr lang="ru-RU" sz="1600" dirty="0" smtClean="0">
-              <a:solidFill>
-                <a:srgbClr val="000000"/>
-              </a:solidFill>
-              <a:latin typeface="Consolas" panose="020B0609020204030204" pitchFamily="49" charset="0"/>
-            </a:endParaRPr>
-          </a:p>
-          <a:p>
-            <a:r>
-              <a:rPr lang="en-US" sz="1600" dirty="0">
-                <a:solidFill>
-                  <a:srgbClr val="0000FF"/>
-                </a:solidFill>
-                <a:latin typeface="Consolas" panose="020B0609020204030204" pitchFamily="49" charset="0"/>
-              </a:rPr>
-              <a:t>virtual</a:t>
-            </a:r>
-            <a:r>
-              <a:rPr lang="en-US" sz="1600" dirty="0">
-                <a:solidFill>
-                  <a:srgbClr val="000000"/>
-                </a:solidFill>
-                <a:latin typeface="Consolas" panose="020B0609020204030204" pitchFamily="49" charset="0"/>
-              </a:rPr>
-              <a:t> </a:t>
-            </a:r>
-            <a:r>
-              <a:rPr lang="en-US" sz="1600" dirty="0">
-                <a:solidFill>
-                  <a:srgbClr val="0000FF"/>
-                </a:solidFill>
-                <a:latin typeface="Consolas" panose="020B0609020204030204" pitchFamily="49" charset="0"/>
-              </a:rPr>
-              <a:t>&lt;</a:t>
+              <a:rPr lang="en-US" sz="1600" dirty="0">
+                <a:solidFill>
+                  <a:srgbClr val="000000"/>
+                </a:solidFill>
+                <a:latin typeface="Consolas" panose="020B0609020204030204" pitchFamily="49" charset="0"/>
+              </a:rPr>
+              <a:t>}</a:t>
+            </a:r>
+          </a:p>
+          <a:p>
+            <a:r>
+              <a:rPr lang="en-US" sz="1600" dirty="0">
+                <a:solidFill>
+                  <a:srgbClr val="000000"/>
+                </a:solidFill>
+                <a:latin typeface="Consolas" panose="020B0609020204030204" pitchFamily="49" charset="0"/>
+              </a:rPr>
+              <a:t>// &lt;</a:t>
             </a:r>
             <a:r>
               <a:rPr lang="ru-RU" sz="1600" dirty="0">
                 <a:solidFill>
-                  <a:srgbClr val="0000FF"/>
-                </a:solidFill>
-                <a:latin typeface="Consolas" panose="020B0609020204030204" pitchFamily="49" charset="0"/>
-              </a:rPr>
-              <a:t>тип возвращаемого значения</a:t>
-            </a:r>
-            <a:r>
-              <a:rPr lang="en-US" sz="1600" dirty="0">
-                <a:solidFill>
-                  <a:srgbClr val="0000FF"/>
-                </a:solidFill>
-                <a:latin typeface="Consolas" panose="020B0609020204030204" pitchFamily="49" charset="0"/>
-              </a:rPr>
-              <a:t>&gt;</a:t>
-            </a:r>
-            <a:r>
-              <a:rPr lang="en-US" sz="1600" dirty="0">
-                <a:solidFill>
-                  <a:srgbClr val="000000"/>
-                </a:solidFill>
-                <a:latin typeface="Consolas" panose="020B0609020204030204" pitchFamily="49" charset="0"/>
-              </a:rPr>
-              <a:t>  &lt;</a:t>
+                  <a:srgbClr val="000000"/>
+                </a:solidFill>
+                <a:latin typeface="Consolas" panose="020B0609020204030204" pitchFamily="49" charset="0"/>
+              </a:rPr>
+              <a:t>название абстрактного класса</a:t>
+            </a:r>
+            <a:r>
+              <a:rPr lang="en-US" sz="1600" dirty="0">
+                <a:solidFill>
+                  <a:srgbClr val="000000"/>
+                </a:solidFill>
+                <a:latin typeface="Consolas" panose="020B0609020204030204" pitchFamily="49" charset="0"/>
+              </a:rPr>
+              <a:t>&gt; ::&lt;</a:t>
             </a:r>
             <a:r>
               <a:rPr lang="ru-RU" sz="1600" dirty="0">
@@ -16065,33 +15533,6 @@
                 </a:solidFill>
                 <a:latin typeface="Consolas" panose="020B0609020204030204" pitchFamily="49" charset="0"/>
               </a:rPr>
-              <a:t>название абстрактного класса</a:t>
-            </a:r>
-            <a:r>
-              <a:rPr lang="en-US" sz="1600" dirty="0">
-                <a:solidFill>
-                  <a:srgbClr val="000000"/>
-                </a:solidFill>
-                <a:latin typeface="Consolas" panose="020B0609020204030204" pitchFamily="49" charset="0"/>
-              </a:rPr>
-              <a:t>&gt; </a:t>
-            </a:r>
-            <a:r>
-              <a:rPr lang="en-US" sz="1600" dirty="0" smtClean="0">
-                <a:solidFill>
-                  <a:srgbClr val="000000"/>
-                </a:solidFill>
-                <a:latin typeface="Consolas" panose="020B0609020204030204" pitchFamily="49" charset="0"/>
-              </a:rPr>
-              <a:t>::&lt;</a:t>
-            </a:r>
-            <a:r>
-              <a:rPr lang="ru-RU" sz="1600" dirty="0">
-                <a:solidFill>
-                  <a:srgbClr val="000000"/>
-                </a:solidFill>
-                <a:latin typeface="Consolas" panose="020B0609020204030204" pitchFamily="49" charset="0"/>
-              </a:rPr>
               <a:t>название метода</a:t>
             </a:r>
             <a:r>
@@ -16101,109 +15542,7 @@
                 </a:solidFill>
                 <a:latin typeface="Consolas" panose="020B0609020204030204" pitchFamily="49" charset="0"/>
               </a:rPr>
-              <a:t>&gt;()  {</a:t>
-            </a:r>
-          </a:p>
-          <a:p>
-            <a:r>
-              <a:rPr lang="en-US" sz="1600" dirty="0">
-                <a:solidFill>
-                  <a:srgbClr val="000000"/>
-                </a:solidFill>
-                <a:latin typeface="Consolas" panose="020B0609020204030204" pitchFamily="49" charset="0"/>
-              </a:rPr>
-              <a:t>    </a:t>
-            </a:r>
-            <a:r>
-              <a:rPr lang="en-US" sz="1600" dirty="0" smtClean="0">
-                <a:solidFill>
-                  <a:srgbClr val="000000"/>
-                </a:solidFill>
-                <a:latin typeface="Consolas" panose="020B0609020204030204" pitchFamily="49" charset="0"/>
-              </a:rPr>
-              <a:t>// </a:t>
-            </a:r>
-            <a:r>
-              <a:rPr lang="ru-RU" sz="1600" dirty="0" smtClean="0">
-                <a:solidFill>
-                  <a:srgbClr val="000000"/>
-                </a:solidFill>
-                <a:latin typeface="Consolas" panose="020B0609020204030204" pitchFamily="49" charset="0"/>
-              </a:rPr>
-              <a:t>тело метода по умолчанию</a:t>
-            </a:r>
-            <a:endParaRPr lang="en-US" sz="1600" dirty="0">
-              <a:solidFill>
-                <a:srgbClr val="000000"/>
-              </a:solidFill>
-              <a:latin typeface="Consolas" panose="020B0609020204030204" pitchFamily="49" charset="0"/>
-            </a:endParaRPr>
-          </a:p>
-          <a:p>
-            <a:r>
-              <a:rPr lang="en-US" sz="1600" dirty="0" smtClean="0">
-                <a:solidFill>
-                  <a:srgbClr val="000000"/>
-                </a:solidFill>
-                <a:latin typeface="Consolas" panose="020B0609020204030204" pitchFamily="49" charset="0"/>
-              </a:rPr>
-              <a:t>}</a:t>
-            </a:r>
-          </a:p>
-          <a:p>
-            <a:r>
-              <a:rPr lang="en-US" sz="1600" dirty="0" smtClean="0">
-                <a:solidFill>
-                  <a:srgbClr val="000000"/>
-                </a:solidFill>
-                <a:latin typeface="Consolas" panose="020B0609020204030204" pitchFamily="49" charset="0"/>
-              </a:rPr>
-              <a:t>// &lt;</a:t>
-            </a:r>
-            <a:r>
-              <a:rPr lang="ru-RU" sz="1600" dirty="0">
-                <a:solidFill>
-                  <a:srgbClr val="000000"/>
-                </a:solidFill>
-                <a:latin typeface="Consolas" panose="020B0609020204030204" pitchFamily="49" charset="0"/>
-              </a:rPr>
-              <a:t>название абстрактного класса</a:t>
-            </a:r>
-            <a:r>
-              <a:rPr lang="en-US" sz="1600" dirty="0">
-                <a:solidFill>
-                  <a:srgbClr val="000000"/>
-                </a:solidFill>
-                <a:latin typeface="Consolas" panose="020B0609020204030204" pitchFamily="49" charset="0"/>
-              </a:rPr>
-              <a:t>&gt; ::&lt;</a:t>
-            </a:r>
-            <a:r>
-              <a:rPr lang="ru-RU" sz="1600" dirty="0">
-                <a:solidFill>
-                  <a:srgbClr val="000000"/>
-                </a:solidFill>
-                <a:latin typeface="Consolas" panose="020B0609020204030204" pitchFamily="49" charset="0"/>
-              </a:rPr>
-              <a:t>название метода</a:t>
-            </a:r>
-            <a:r>
-              <a:rPr lang="en-US" sz="1600" dirty="0" smtClean="0">
-                <a:solidFill>
-                  <a:srgbClr val="000000"/>
-                </a:solidFill>
-                <a:latin typeface="Consolas" panose="020B0609020204030204" pitchFamily="49" charset="0"/>
-              </a:rPr>
-              <a:t>&gt;()</a:t>
-            </a:r>
-            <a:r>
-              <a:rPr lang="en-US" sz="1600" dirty="0">
-                <a:solidFill>
-                  <a:srgbClr val="000000"/>
-                </a:solidFill>
-                <a:latin typeface="Consolas" panose="020B0609020204030204" pitchFamily="49" charset="0"/>
-              </a:rPr>
-              <a:t>;</a:t>
+              <a:t>&gt;();</a:t>
             </a:r>
           </a:p>
         </p:txBody>
@@ -16218,13 +15557,6 @@
   <p:clrMapOvr>
     <a:masterClrMapping/>
   </p:clrMapOvr>
-  <p:timing>
-    <p:tnLst>
-      <p:par>
-        <p:cTn id="1" dur="indefinite" restart="never" nodeType="tmRoot"/>
-      </p:par>
-    </p:tnLst>
-  </p:timing>
 </p:sld>
 </file>
 
@@ -16493,15 +15825,15 @@
                   <a:srgbClr val="000000"/>
                 </a:solidFill>
               </a:rPr>
-              <a:t> — это </a:t>
-            </a:r>
-            <a:r>
-              <a:rPr lang="ru-RU" dirty="0" smtClean="0">
-                <a:solidFill>
-                  <a:srgbClr val="000000"/>
-                </a:solidFill>
-              </a:rPr>
-              <a:t>абстрактный класс, </a:t>
+              <a:t> — это абстрактный класс, который не имеет переменных-членов, т.е. полей, и все методы которого являются чистыми виртуальными функциями! Интерфейсы еще называют </a:t>
+            </a:r>
+            <a:r>
+              <a:rPr lang="ru-RU" b="1" i="1" dirty="0">
+                <a:solidFill>
+                  <a:srgbClr val="000000"/>
+                </a:solidFill>
+              </a:rPr>
+              <a:t>«классами-интерфейсами»</a:t>
             </a:r>
             <a:r>
               <a:rPr lang="ru-RU" dirty="0">
@@ -16509,15 +15841,15 @@
                   <a:srgbClr val="000000"/>
                 </a:solidFill>
               </a:rPr>
-              <a:t>который не имеет </a:t>
-            </a:r>
-            <a:r>
-              <a:rPr lang="ru-RU" dirty="0" smtClean="0">
-                <a:solidFill>
-                  <a:srgbClr val="000000"/>
-                </a:solidFill>
-              </a:rPr>
-              <a:t>переменных-членов, т.е. полей, </a:t>
+              <a:t> или </a:t>
+            </a:r>
+            <a:r>
+              <a:rPr lang="ru-RU" b="1" i="1" dirty="0">
+                <a:solidFill>
+                  <a:srgbClr val="000000"/>
+                </a:solidFill>
+              </a:rPr>
+              <a:t>«интерфейсными классами»</a:t>
             </a:r>
             <a:r>
               <a:rPr lang="ru-RU" dirty="0">
@@ -16525,49 +15857,9 @@
                   <a:srgbClr val="000000"/>
                 </a:solidFill>
               </a:rPr>
-              <a:t>и все методы которого являются чистыми виртуальными функциями! Интерфейсы еще называют </a:t>
-            </a:r>
-            <a:r>
-              <a:rPr lang="ru-RU" b="1" i="1" dirty="0">
-                <a:solidFill>
-                  <a:srgbClr val="000000"/>
-                </a:solidFill>
-              </a:rPr>
-              <a:t>«классами-интерфейсами»</a:t>
-            </a:r>
-            <a:r>
-              <a:rPr lang="ru-RU" dirty="0">
-                <a:solidFill>
-                  <a:srgbClr val="000000"/>
-                </a:solidFill>
-              </a:rPr>
-              <a:t> или </a:t>
-            </a:r>
-            <a:r>
-              <a:rPr lang="ru-RU" b="1" i="1" dirty="0">
-                <a:solidFill>
-                  <a:srgbClr val="000000"/>
-                </a:solidFill>
-              </a:rPr>
-              <a:t>«интерфейсными классами</a:t>
-            </a:r>
-            <a:r>
-              <a:rPr lang="ru-RU" b="1" i="1" dirty="0" smtClean="0">
-                <a:solidFill>
-                  <a:srgbClr val="000000"/>
-                </a:solidFill>
-              </a:rPr>
-              <a:t>»</a:t>
-            </a:r>
-            <a:r>
-              <a:rPr lang="ru-RU" dirty="0" smtClean="0">
-                <a:solidFill>
-                  <a:srgbClr val="000000"/>
-                </a:solidFill>
-              </a:rPr>
               <a:t>.</a:t>
             </a:r>
-            <a:endParaRPr lang="en-US" dirty="0" smtClean="0">
+            <a:endParaRPr lang="en-US" dirty="0">
               <a:solidFill>
                 <a:srgbClr val="000000"/>
               </a:solidFill>
@@ -16615,34 +15907,127 @@
                 </a:solidFill>
                 <a:latin typeface="Consolas" panose="020B0609020204030204" pitchFamily="49" charset="0"/>
               </a:rPr>
-              <a:t> </a:t>
-            </a:r>
-            <a:r>
-              <a:rPr lang="en-US" dirty="0" smtClean="0">
-                <a:solidFill>
-                  <a:srgbClr val="000000"/>
+              <a:t> &lt;</a:t>
+            </a:r>
+            <a:r>
+              <a:rPr lang="ru-RU" dirty="0">
+                <a:solidFill>
+                  <a:srgbClr val="000000"/>
+                </a:solidFill>
+                <a:latin typeface="Consolas" panose="020B0609020204030204" pitchFamily="49" charset="0"/>
+              </a:rPr>
+              <a:t>название абстрактного класса</a:t>
+            </a:r>
+            <a:r>
+              <a:rPr lang="en-US" dirty="0">
+                <a:solidFill>
+                  <a:srgbClr val="000000"/>
+                </a:solidFill>
+                <a:latin typeface="Consolas" panose="020B0609020204030204" pitchFamily="49" charset="0"/>
+              </a:rPr>
+              <a:t>&gt; {</a:t>
+            </a:r>
+          </a:p>
+          <a:p>
+            <a:r>
+              <a:rPr lang="en-US" dirty="0">
+                <a:solidFill>
+                  <a:srgbClr val="000000"/>
+                </a:solidFill>
+                <a:latin typeface="Consolas" panose="020B0609020204030204" pitchFamily="49" charset="0"/>
+              </a:rPr>
+              <a:t>    </a:t>
+            </a:r>
+            <a:r>
+              <a:rPr lang="en-US" dirty="0">
+                <a:solidFill>
+                  <a:srgbClr val="0000FF"/>
                 </a:solidFill>
                 <a:latin typeface="Consolas" panose="020B0609020204030204" pitchFamily="49" charset="0"/>
               </a:rPr>
               <a:t>&lt;</a:t>
             </a:r>
             <a:r>
-              <a:rPr lang="ru-RU" dirty="0" smtClean="0">
-                <a:solidFill>
-                  <a:srgbClr val="000000"/>
-                </a:solidFill>
-                <a:latin typeface="Consolas" panose="020B0609020204030204" pitchFamily="49" charset="0"/>
-              </a:rPr>
-              <a:t>название абстрактного класса</a:t>
-            </a:r>
-            <a:r>
-              <a:rPr lang="en-US" dirty="0" smtClean="0">
-                <a:solidFill>
-                  <a:srgbClr val="000000"/>
-                </a:solidFill>
-                <a:latin typeface="Consolas" panose="020B0609020204030204" pitchFamily="49" charset="0"/>
-              </a:rPr>
-              <a:t>&gt; {</a:t>
+              <a:rPr lang="ru-RU" dirty="0">
+                <a:solidFill>
+                  <a:srgbClr val="0000FF"/>
+                </a:solidFill>
+                <a:latin typeface="Consolas" panose="020B0609020204030204" pitchFamily="49" charset="0"/>
+              </a:rPr>
+              <a:t>любой спецификатор доступа</a:t>
+            </a:r>
+            <a:r>
+              <a:rPr lang="en-US" dirty="0">
+                <a:solidFill>
+                  <a:srgbClr val="0000FF"/>
+                </a:solidFill>
+                <a:latin typeface="Consolas" panose="020B0609020204030204" pitchFamily="49" charset="0"/>
+              </a:rPr>
+              <a:t>&gt;:</a:t>
+            </a:r>
+            <a:endParaRPr lang="ru-RU" dirty="0">
+              <a:solidFill>
+                <a:srgbClr val="000000"/>
+              </a:solidFill>
+              <a:latin typeface="Consolas" panose="020B0609020204030204" pitchFamily="49" charset="0"/>
+            </a:endParaRPr>
+          </a:p>
+          <a:p>
+            <a:r>
+              <a:rPr lang="ru-RU" dirty="0">
+                <a:solidFill>
+                  <a:srgbClr val="000000"/>
+                </a:solidFill>
+                <a:latin typeface="Consolas" panose="020B0609020204030204" pitchFamily="49" charset="0"/>
+              </a:rPr>
+              <a:t>        </a:t>
+            </a:r>
+            <a:r>
+              <a:rPr lang="en-US" dirty="0">
+                <a:solidFill>
+                  <a:srgbClr val="000000"/>
+                </a:solidFill>
+                <a:latin typeface="Consolas" panose="020B0609020204030204" pitchFamily="49" charset="0"/>
+              </a:rPr>
+              <a:t>…</a:t>
+            </a:r>
+            <a:r>
+              <a:rPr lang="ru-RU" dirty="0">
+                <a:solidFill>
+                  <a:srgbClr val="000000"/>
+                </a:solidFill>
+                <a:latin typeface="Consolas" panose="020B0609020204030204" pitchFamily="49" charset="0"/>
+              </a:rPr>
+              <a:t> отсутствуют поля</a:t>
+            </a:r>
+          </a:p>
+          <a:p>
+            <a:r>
+              <a:rPr lang="ru-RU" dirty="0">
+                <a:solidFill>
+                  <a:srgbClr val="000000"/>
+                </a:solidFill>
+                <a:latin typeface="Consolas" panose="020B0609020204030204" pitchFamily="49" charset="0"/>
+              </a:rPr>
+              <a:t>        </a:t>
+            </a:r>
+            <a:r>
+              <a:rPr lang="en-US" dirty="0">
+                <a:solidFill>
+                  <a:srgbClr val="000000"/>
+                </a:solidFill>
+                <a:latin typeface="Consolas" panose="020B0609020204030204" pitchFamily="49" charset="0"/>
+              </a:rPr>
+              <a:t>…</a:t>
+            </a:r>
+            <a:r>
+              <a:rPr lang="ru-RU" dirty="0">
+                <a:solidFill>
+                  <a:srgbClr val="000000"/>
+                </a:solidFill>
+                <a:latin typeface="Consolas" panose="020B0609020204030204" pitchFamily="49" charset="0"/>
+              </a:rPr>
+              <a:t> отсутствуют конструкторы</a:t>
             </a:r>
             <a:endParaRPr lang="en-US" dirty="0">
               <a:solidFill>
@@ -16659,36 +16044,117 @@
                 </a:solidFill>
                 <a:latin typeface="Consolas" panose="020B0609020204030204" pitchFamily="49" charset="0"/>
               </a:rPr>
-              <a:t>    </a:t>
-            </a:r>
-            <a:r>
-              <a:rPr lang="en-US" dirty="0" smtClean="0">
+              <a:t>        </a:t>
+            </a:r>
+            <a:r>
+              <a:rPr lang="en-US" dirty="0">
                 <a:solidFill>
                   <a:srgbClr val="0000FF"/>
                 </a:solidFill>
                 <a:latin typeface="Consolas" panose="020B0609020204030204" pitchFamily="49" charset="0"/>
               </a:rPr>
+              <a:t>virtual</a:t>
+            </a:r>
+            <a:r>
+              <a:rPr lang="en-US" dirty="0">
+                <a:solidFill>
+                  <a:srgbClr val="000000"/>
+                </a:solidFill>
+                <a:latin typeface="Consolas" panose="020B0609020204030204" pitchFamily="49" charset="0"/>
+              </a:rPr>
+              <a:t> </a:t>
+            </a:r>
+            <a:r>
+              <a:rPr lang="en-US" dirty="0">
+                <a:solidFill>
+                  <a:srgbClr val="0000FF"/>
+                </a:solidFill>
+                <a:latin typeface="Consolas" panose="020B0609020204030204" pitchFamily="49" charset="0"/>
+              </a:rPr>
               <a:t>&lt;</a:t>
             </a:r>
             <a:r>
-              <a:rPr lang="ru-RU" dirty="0" smtClean="0">
+              <a:rPr lang="ru-RU" dirty="0">
                 <a:solidFill>
                   <a:srgbClr val="0000FF"/>
                 </a:solidFill>
                 <a:latin typeface="Consolas" panose="020B0609020204030204" pitchFamily="49" charset="0"/>
               </a:rPr>
-              <a:t>любой спецификатор доступа</a:t>
-            </a:r>
-            <a:r>
-              <a:rPr lang="en-US" dirty="0" smtClean="0">
+              <a:t>тип возвращаемого значения</a:t>
+            </a:r>
+            <a:r>
+              <a:rPr lang="en-US" dirty="0">
                 <a:solidFill>
                   <a:srgbClr val="0000FF"/>
                 </a:solidFill>
                 <a:latin typeface="Consolas" panose="020B0609020204030204" pitchFamily="49" charset="0"/>
               </a:rPr>
-              <a:t>&gt;:</a:t>
-            </a:r>
-            <a:endParaRPr lang="ru-RU" dirty="0" smtClean="0">
+              <a:t>&gt;</a:t>
+            </a:r>
+            <a:r>
+              <a:rPr lang="en-US" dirty="0">
+                <a:solidFill>
+                  <a:srgbClr val="000000"/>
+                </a:solidFill>
+                <a:latin typeface="Consolas" panose="020B0609020204030204" pitchFamily="49" charset="0"/>
+              </a:rPr>
+              <a:t> &lt;</a:t>
+            </a:r>
+            <a:r>
+              <a:rPr lang="ru-RU" dirty="0">
+                <a:solidFill>
+                  <a:srgbClr val="000000"/>
+                </a:solidFill>
+                <a:latin typeface="Consolas" panose="020B0609020204030204" pitchFamily="49" charset="0"/>
+              </a:rPr>
+              <a:t>название метода</a:t>
+            </a:r>
+            <a:r>
+              <a:rPr lang="en-US" dirty="0">
+                <a:solidFill>
+                  <a:srgbClr val="000000"/>
+                </a:solidFill>
+                <a:latin typeface="Consolas" panose="020B0609020204030204" pitchFamily="49" charset="0"/>
+              </a:rPr>
+              <a:t>&gt;(&lt;</a:t>
+            </a:r>
+            <a:r>
+              <a:rPr lang="ru-RU" dirty="0">
+                <a:solidFill>
+                  <a:srgbClr val="000000"/>
+                </a:solidFill>
+                <a:latin typeface="Consolas" panose="020B0609020204030204" pitchFamily="49" charset="0"/>
+              </a:rPr>
+              <a:t>аргументы</a:t>
+            </a:r>
+            <a:r>
+              <a:rPr lang="en-US" dirty="0">
+                <a:solidFill>
+                  <a:srgbClr val="000000"/>
+                </a:solidFill>
+                <a:latin typeface="Consolas" panose="020B0609020204030204" pitchFamily="49" charset="0"/>
+              </a:rPr>
+              <a:t>&gt;) = </a:t>
+            </a:r>
+            <a:r>
+              <a:rPr lang="en-US" dirty="0">
+                <a:solidFill>
+                  <a:srgbClr val="098658"/>
+                </a:solidFill>
+                <a:latin typeface="Consolas" panose="020B0609020204030204" pitchFamily="49" charset="0"/>
+              </a:rPr>
+              <a:t>0</a:t>
+            </a:r>
+            <a:r>
+              <a:rPr lang="en-US" dirty="0">
+                <a:solidFill>
+                  <a:srgbClr val="000000"/>
+                </a:solidFill>
+                <a:latin typeface="Consolas" panose="020B0609020204030204" pitchFamily="49" charset="0"/>
+              </a:rPr>
+              <a:t>;</a:t>
+            </a:r>
+            <a:endParaRPr lang="ru-RU" dirty="0">
               <a:solidFill>
                 <a:srgbClr val="000000"/>
               </a:solidFill>
@@ -16703,253 +16169,19 @@
                 </a:solidFill>
                 <a:latin typeface="Consolas" panose="020B0609020204030204" pitchFamily="49" charset="0"/>
               </a:rPr>
-              <a:t> </a:t>
-            </a:r>
-            <a:r>
-              <a:rPr lang="ru-RU" dirty="0" smtClean="0">
-                <a:solidFill>
-                  <a:srgbClr val="000000"/>
-                </a:solidFill>
-                <a:latin typeface="Consolas" panose="020B0609020204030204" pitchFamily="49" charset="0"/>
-              </a:rPr>
-              <a:t>       </a:t>
-            </a:r>
-            <a:r>
-              <a:rPr lang="en-US" dirty="0" smtClean="0">
-                <a:solidFill>
-                  <a:srgbClr val="000000"/>
-                </a:solidFill>
-                <a:latin typeface="Consolas" panose="020B0609020204030204" pitchFamily="49" charset="0"/>
-              </a:rPr>
-              <a:t>…</a:t>
-            </a:r>
-            <a:r>
-              <a:rPr lang="ru-RU" dirty="0" smtClean="0">
-                <a:solidFill>
-                  <a:srgbClr val="000000"/>
-                </a:solidFill>
-                <a:latin typeface="Consolas" panose="020B0609020204030204" pitchFamily="49" charset="0"/>
-              </a:rPr>
-              <a:t> отсутствуют поля</a:t>
-            </a:r>
-          </a:p>
-          <a:p>
+              <a:t>        </a:t>
+            </a:r>
+            <a:r>
+              <a:rPr lang="en-US" dirty="0">
+                <a:solidFill>
+                  <a:srgbClr val="000000"/>
+                </a:solidFill>
+                <a:latin typeface="Consolas" panose="020B0609020204030204" pitchFamily="49" charset="0"/>
+              </a:rPr>
+              <a:t>… </a:t>
+            </a:r>
             <a:r>
               <a:rPr lang="ru-RU" dirty="0">
-                <a:solidFill>
-                  <a:srgbClr val="000000"/>
-                </a:solidFill>
-                <a:latin typeface="Consolas" panose="020B0609020204030204" pitchFamily="49" charset="0"/>
-              </a:rPr>
-              <a:t> </a:t>
-            </a:r>
-            <a:r>
-              <a:rPr lang="ru-RU" dirty="0" smtClean="0">
-                <a:solidFill>
-                  <a:srgbClr val="000000"/>
-                </a:solidFill>
-                <a:latin typeface="Consolas" panose="020B0609020204030204" pitchFamily="49" charset="0"/>
-              </a:rPr>
-              <a:t>       </a:t>
-            </a:r>
-            <a:r>
-              <a:rPr lang="en-US" dirty="0" smtClean="0">
-                <a:solidFill>
-                  <a:srgbClr val="000000"/>
-                </a:solidFill>
-                <a:latin typeface="Consolas" panose="020B0609020204030204" pitchFamily="49" charset="0"/>
-              </a:rPr>
-              <a:t>…</a:t>
-            </a:r>
-            <a:r>
-              <a:rPr lang="ru-RU" dirty="0" smtClean="0">
-                <a:solidFill>
-                  <a:srgbClr val="000000"/>
-                </a:solidFill>
-                <a:latin typeface="Consolas" panose="020B0609020204030204" pitchFamily="49" charset="0"/>
-              </a:rPr>
-              <a:t> отсутствуют конструкторы</a:t>
-            </a:r>
-            <a:endParaRPr lang="en-US" dirty="0">
-              <a:solidFill>
-                <a:srgbClr val="000000"/>
-              </a:solidFill>
-              <a:latin typeface="Consolas" panose="020B0609020204030204" pitchFamily="49" charset="0"/>
-            </a:endParaRPr>
-          </a:p>
-          <a:p>
-            <a:r>
-              <a:rPr lang="en-US" dirty="0">
-                <a:solidFill>
-                  <a:srgbClr val="000000"/>
-                </a:solidFill>
-                <a:latin typeface="Consolas" panose="020B0609020204030204" pitchFamily="49" charset="0"/>
-              </a:rPr>
-              <a:t>        </a:t>
-            </a:r>
-            <a:r>
-              <a:rPr lang="en-US" dirty="0">
-                <a:solidFill>
-                  <a:srgbClr val="0000FF"/>
-                </a:solidFill>
-                <a:latin typeface="Consolas" panose="020B0609020204030204" pitchFamily="49" charset="0"/>
-              </a:rPr>
-              <a:t>virtual</a:t>
-            </a:r>
-            <a:r>
-              <a:rPr lang="en-US" dirty="0">
-                <a:solidFill>
-                  <a:srgbClr val="000000"/>
-                </a:solidFill>
-                <a:latin typeface="Consolas" panose="020B0609020204030204" pitchFamily="49" charset="0"/>
-              </a:rPr>
-              <a:t> </a:t>
-            </a:r>
-            <a:r>
-              <a:rPr lang="en-US" dirty="0" smtClean="0">
-                <a:solidFill>
-                  <a:srgbClr val="0000FF"/>
-                </a:solidFill>
-                <a:latin typeface="Consolas" panose="020B0609020204030204" pitchFamily="49" charset="0"/>
-              </a:rPr>
-              <a:t>&lt;</a:t>
-            </a:r>
-            <a:r>
-              <a:rPr lang="ru-RU" dirty="0" smtClean="0">
-                <a:solidFill>
-                  <a:srgbClr val="0000FF"/>
-                </a:solidFill>
-                <a:latin typeface="Consolas" panose="020B0609020204030204" pitchFamily="49" charset="0"/>
-              </a:rPr>
-              <a:t>тип возвращаемого значения</a:t>
-            </a:r>
-            <a:r>
-              <a:rPr lang="en-US" dirty="0" smtClean="0">
-                <a:solidFill>
-                  <a:srgbClr val="0000FF"/>
-                </a:solidFill>
-                <a:latin typeface="Consolas" panose="020B0609020204030204" pitchFamily="49" charset="0"/>
-              </a:rPr>
-              <a:t>&gt;</a:t>
-            </a:r>
-            <a:r>
-              <a:rPr lang="en-US" dirty="0">
-                <a:solidFill>
-                  <a:srgbClr val="000000"/>
-                </a:solidFill>
-                <a:latin typeface="Consolas" panose="020B0609020204030204" pitchFamily="49" charset="0"/>
-              </a:rPr>
-              <a:t> </a:t>
-            </a:r>
-            <a:r>
-              <a:rPr lang="en-US" dirty="0" smtClean="0">
-                <a:solidFill>
-                  <a:srgbClr val="000000"/>
-                </a:solidFill>
-                <a:latin typeface="Consolas" panose="020B0609020204030204" pitchFamily="49" charset="0"/>
-              </a:rPr>
-              <a:t>&lt;</a:t>
-            </a:r>
-            <a:r>
-              <a:rPr lang="ru-RU" dirty="0" smtClean="0">
-                <a:solidFill>
-                  <a:srgbClr val="000000"/>
-                </a:solidFill>
-                <a:latin typeface="Consolas" panose="020B0609020204030204" pitchFamily="49" charset="0"/>
-              </a:rPr>
-              <a:t>название метода</a:t>
-            </a:r>
-            <a:r>
-              <a:rPr lang="en-US" dirty="0" smtClean="0">
-                <a:solidFill>
-                  <a:srgbClr val="000000"/>
-                </a:solidFill>
-                <a:latin typeface="Consolas" panose="020B0609020204030204" pitchFamily="49" charset="0"/>
-              </a:rPr>
-              <a:t>&gt;(&lt;</a:t>
-            </a:r>
-            <a:r>
-              <a:rPr lang="ru-RU" dirty="0" smtClean="0">
-                <a:solidFill>
-                  <a:srgbClr val="000000"/>
-                </a:solidFill>
-                <a:latin typeface="Consolas" panose="020B0609020204030204" pitchFamily="49" charset="0"/>
-              </a:rPr>
-              <a:t>аргументы</a:t>
-            </a:r>
-            <a:r>
-              <a:rPr lang="en-US" dirty="0" smtClean="0">
-                <a:solidFill>
-                  <a:srgbClr val="000000"/>
-                </a:solidFill>
-                <a:latin typeface="Consolas" panose="020B0609020204030204" pitchFamily="49" charset="0"/>
-              </a:rPr>
-              <a:t>&gt;)</a:t>
-            </a:r>
-            <a:r>
-              <a:rPr lang="en-US" dirty="0">
-                <a:solidFill>
-                  <a:srgbClr val="000000"/>
-                </a:solidFill>
-                <a:latin typeface="Consolas" panose="020B0609020204030204" pitchFamily="49" charset="0"/>
-              </a:rPr>
-              <a:t> = </a:t>
-            </a:r>
-            <a:r>
-              <a:rPr lang="en-US" dirty="0">
-                <a:solidFill>
-                  <a:srgbClr val="098658"/>
-                </a:solidFill>
-                <a:latin typeface="Consolas" panose="020B0609020204030204" pitchFamily="49" charset="0"/>
-              </a:rPr>
-              <a:t>0</a:t>
-            </a:r>
-            <a:r>
-              <a:rPr lang="en-US" dirty="0" smtClean="0">
-                <a:solidFill>
-                  <a:srgbClr val="000000"/>
-                </a:solidFill>
-                <a:latin typeface="Consolas" panose="020B0609020204030204" pitchFamily="49" charset="0"/>
-              </a:rPr>
-              <a:t>;</a:t>
-            </a:r>
-            <a:endParaRPr lang="ru-RU" dirty="0" smtClean="0">
-              <a:solidFill>
-                <a:srgbClr val="000000"/>
-              </a:solidFill>
-              <a:latin typeface="Consolas" panose="020B0609020204030204" pitchFamily="49" charset="0"/>
-            </a:endParaRPr>
-          </a:p>
-          <a:p>
-            <a:r>
-              <a:rPr lang="ru-RU" dirty="0">
-                <a:solidFill>
-                  <a:srgbClr val="000000"/>
-                </a:solidFill>
-                <a:latin typeface="Consolas" panose="020B0609020204030204" pitchFamily="49" charset="0"/>
-              </a:rPr>
-              <a:t> </a:t>
-            </a:r>
-            <a:r>
-              <a:rPr lang="ru-RU" dirty="0" smtClean="0">
-                <a:solidFill>
-                  <a:srgbClr val="000000"/>
-                </a:solidFill>
-                <a:latin typeface="Consolas" panose="020B0609020204030204" pitchFamily="49" charset="0"/>
-              </a:rPr>
-              <a:t>       </a:t>
-            </a:r>
-            <a:r>
-              <a:rPr lang="en-US" dirty="0" smtClean="0">
-                <a:solidFill>
-                  <a:srgbClr val="000000"/>
-                </a:solidFill>
-                <a:latin typeface="Consolas" panose="020B0609020204030204" pitchFamily="49" charset="0"/>
-              </a:rPr>
-              <a:t>… </a:t>
-            </a:r>
-            <a:r>
-              <a:rPr lang="ru-RU" dirty="0" smtClean="0">
                 <a:solidFill>
                   <a:srgbClr val="000000"/>
                 </a:solidFill>
@@ -17004,15 +16236,7 @@
                   <a:srgbClr val="000000"/>
                 </a:solidFill>
               </a:rPr>
-              <a:t>Интерфейсы используются для того, что бы объединить похожие по смыслу и обращению с собой классы, но разные по функциональному наполнению. Например классы хранения данных в базе данных и в файле могут иметь один общий принцип работы с ними в вашей программе, но внутри устройство работы с ними будет </a:t>
-            </a:r>
-            <a:r>
-              <a:rPr lang="ru-RU" dirty="0" smtClean="0">
-                <a:solidFill>
-                  <a:srgbClr val="000000"/>
-                </a:solidFill>
-              </a:rPr>
-              <a:t>разное</a:t>
+              <a:t>Интерфейсы используются для того, что бы объединить похожие по смыслу и обращению с собой классы, но разные по функциональному наполнению. Например классы хранения данных в базе данных и в файле могут иметь один общий принцип работы с ними в вашей программе, но внутри устройство работы с ними будет разное</a:t>
             </a:r>
           </a:p>
           <a:p>
@@ -17049,13 +16273,6 @@
   <p:clrMapOvr>
     <a:masterClrMapping/>
   </p:clrMapOvr>
-  <p:timing>
-    <p:tnLst>
-      <p:par>
-        <p:cTn id="1" dur="indefinite" restart="never" nodeType="tmRoot"/>
-      </p:par>
-    </p:tnLst>
-  </p:timing>
 </p:sld>
 </file>
 
@@ -17450,15 +16667,6 @@
             </a:r>
           </a:p>
           <a:p>
-            <a:r>
-              <a:rPr lang="en-US" sz="1600" dirty="0">
-                <a:solidFill>
-                  <a:srgbClr val="000000"/>
-                </a:solidFill>
-                <a:latin typeface="Consolas" panose="020B0609020204030204" pitchFamily="49" charset="0"/>
-              </a:rPr>
-              <a:t/>
-            </a:r>
             <a:br>
               <a:rPr lang="en-US" sz="1600" dirty="0">
                 <a:solidFill>
@@ -17713,15 +16921,6 @@
             </a:r>
           </a:p>
           <a:p>
-            <a:r>
-              <a:rPr lang="en-US" sz="1600" dirty="0">
-                <a:solidFill>
-                  <a:srgbClr val="000000"/>
-                </a:solidFill>
-                <a:latin typeface="Consolas" panose="020B0609020204030204" pitchFamily="49" charset="0"/>
-              </a:rPr>
-              <a:t/>
-            </a:r>
             <a:br>
               <a:rPr lang="en-US" sz="1600" dirty="0">
                 <a:solidFill>
@@ -18628,7 +17827,7 @@
           </a:p>
           <a:p>
             <a:r>
-              <a:rPr lang="en-US" sz="1600" dirty="0" smtClean="0">
+              <a:rPr lang="en-US" sz="1600" dirty="0">
                 <a:solidFill>
                   <a:srgbClr val="000000"/>
                 </a:solidFill>
@@ -18636,12 +17835,6 @@
               </a:rPr>
               <a:t>}</a:t>
             </a:r>
-            <a:endParaRPr lang="en-US" sz="1600" dirty="0">
-              <a:solidFill>
-                <a:srgbClr val="000000"/>
-              </a:solidFill>
-              <a:latin typeface="Consolas" panose="020B0609020204030204" pitchFamily="49" charset="0"/>
-            </a:endParaRPr>
           </a:p>
         </p:txBody>
       </p:sp>
@@ -18655,13 +17848,6 @@
   <p:clrMapOvr>
     <a:masterClrMapping/>
   </p:clrMapOvr>
-  <p:timing>
-    <p:tnLst>
-      <p:par>
-        <p:cTn id="1" dur="indefinite" restart="never" nodeType="tmRoot"/>
-      </p:par>
-    </p:tnLst>
-  </p:timing>
 </p:sld>
 </file>
 
@@ -19003,20 +18189,15 @@
               <a:t>iostream</a:t>
             </a:r>
             <a:r>
-              <a:rPr lang="ru-RU" dirty="0" smtClean="0"/>
+              <a:rPr lang="ru-RU" dirty="0"/>
               <a:t>).</a:t>
             </a:r>
           </a:p>
           <a:p>
             <a:r>
               <a:rPr lang="ru-RU" dirty="0"/>
-              <a:t>Хорошая новость: Программисту не нужно знать детали взаимодействия потоков с разными устройствами и источниками данных, ему нужно только научиться взаимодействовать с этими потоками для чтения и записи данных</a:t>
-            </a:r>
-            <a:r>
-              <a:rPr lang="ru-RU" dirty="0" smtClean="0"/>
-              <a:t>.</a:t>
-            </a:r>
-            <a:endParaRPr lang="ru-RU" dirty="0"/>
+              <a:t>Хорошая новость: Программисту не нужно знать детали взаимодействия потоков с разными устройствами и источниками данных, ему нужно только научиться взаимодействовать с этими потоками для чтения и записи данных.</a:t>
+            </a:r>
           </a:p>
         </p:txBody>
       </p:sp>
@@ -19053,11 +18234,10 @@
               <a:rPr lang="ru-RU" dirty="0"/>
               <a:t> используется для работы с входными потоками. </a:t>
             </a:r>
-            <a:endParaRPr lang="ru-RU" dirty="0" smtClean="0"/>
-          </a:p>
-          <a:p>
-            <a:r>
-              <a:rPr lang="ru-RU" dirty="0" smtClean="0"/>
+          </a:p>
+          <a:p>
+            <a:r>
+              <a:rPr lang="ru-RU" dirty="0"/>
               <a:t>Класс </a:t>
             </a:r>
             <a:r>
@@ -19068,11 +18248,10 @@
               <a:rPr lang="ru-RU" dirty="0"/>
               <a:t> используется для работы с выходными потоками. </a:t>
             </a:r>
-            <a:endParaRPr lang="ru-RU" dirty="0" smtClean="0"/>
-          </a:p>
-          <a:p>
-            <a:r>
-              <a:rPr lang="ru-RU" dirty="0" smtClean="0"/>
+          </a:p>
+          <a:p>
+            <a:r>
+              <a:rPr lang="ru-RU" dirty="0"/>
               <a:t>Класс </a:t>
             </a:r>
             <a:r>
@@ -19097,13 +18276,9 @@
             </a:r>
             <a:r>
               <a:rPr lang="ru-RU" dirty="0"/>
-              <a:t> данных, что позволяет ему осуществлять двунаправленный ввод/вывод</a:t>
-            </a:r>
-            <a:r>
-              <a:rPr lang="ru-RU" dirty="0" smtClean="0"/>
-              <a:t>.</a:t>
-            </a:r>
-            <a:endParaRPr lang="en-US" dirty="0" smtClean="0"/>
+              <a:t> данных, что позволяет ему осуществлять двунаправленный ввод/вывод.</a:t>
+            </a:r>
+            <a:endParaRPr lang="en-US" dirty="0"/>
           </a:p>
           <a:p>
             <a:endParaRPr lang="ru-RU" dirty="0"/>
@@ -19120,13 +18295,6 @@
   <p:clrMapOvr>
     <a:masterClrMapping/>
   </p:clrMapOvr>
-  <p:timing>
-    <p:tnLst>
-      <p:par>
-        <p:cTn id="1" dur="indefinite" restart="never" nodeType="tmRoot"/>
-      </p:par>
-    </p:tnLst>
-  </p:timing>
 </p:sld>
 </file>
 
@@ -19395,40 +18563,18 @@
                   <a:srgbClr val="000000"/>
                 </a:solidFill>
               </a:rPr>
-              <a:t> — это последовательность символов, к которой можно получить доступ. </a:t>
-            </a:r>
-            <a:r>
-              <a:rPr lang="ru-RU" dirty="0" smtClean="0">
-                <a:solidFill>
-                  <a:srgbClr val="000000"/>
-                </a:solidFill>
-              </a:rPr>
-              <a:t>Со временем поток может производить или потреблять потенциально неограниченные объёмы данных.</a:t>
-            </a:r>
-            <a:endParaRPr lang="ru-RU" dirty="0">
-              <a:solidFill>
-                <a:srgbClr val="000000"/>
-              </a:solidFill>
-            </a:endParaRPr>
-          </a:p>
-          <a:p>
-            <a:r>
-              <a:rPr lang="ru-RU" b="1" dirty="0" smtClean="0"/>
-              <a:t>Поток </a:t>
-            </a:r>
+              <a:t> — это последовательность символов, к которой можно получить доступ. Со временем поток может производить или потреблять потенциально неограниченные объёмы данных.</a:t>
+            </a:r>
+          </a:p>
+          <a:p>
             <a:r>
               <a:rPr lang="ru-RU" b="1" dirty="0"/>
-              <a:t>ввода </a:t>
+              <a:t>Поток ввода </a:t>
             </a:r>
             <a:r>
               <a:rPr lang="ru-RU" dirty="0"/>
-              <a:t>(или ещё «входной поток») используется для хранения данных, полученных от источника данных: клавиатуры, файла, сети и т.д</a:t>
-            </a:r>
-            <a:r>
-              <a:rPr lang="ru-RU" dirty="0" smtClean="0"/>
-              <a:t>.</a:t>
-            </a:r>
-            <a:endParaRPr lang="ru-RU" dirty="0"/>
+              <a:t>(или ещё «входной поток») используется для хранения данных, полученных от источника данных: клавиатуры, файла, сети и т.д.</a:t>
+            </a:r>
           </a:p>
           <a:p>
             <a:r>
@@ -19443,13 +18589,8 @@
           <a:p>
             <a:r>
               <a:rPr lang="ru-RU" dirty="0"/>
-              <a:t>Некоторые устройства, такие как файлы и сети, могут быть источниками как ввода, так и вывода данных</a:t>
-            </a:r>
-            <a:r>
-              <a:rPr lang="ru-RU" dirty="0" smtClean="0"/>
-              <a:t>. </a:t>
-            </a:r>
-            <a:endParaRPr lang="ru-RU" dirty="0"/>
+              <a:t>Некоторые устройства, такие как файлы и сети, могут быть источниками как ввода, так и вывода данных. </a:t>
+            </a:r>
           </a:p>
         </p:txBody>
       </p:sp>
@@ -19504,10 +18645,9 @@
             <a:p>
               <a:pPr algn="ctr"/>
               <a:r>
-                <a:rPr lang="ru-RU" dirty="0" smtClean="0"/>
+                <a:rPr lang="ru-RU" dirty="0"/>
                 <a:t>Буфер</a:t>
               </a:r>
-              <a:endParaRPr lang="ru-RU" dirty="0"/>
             </a:p>
           </p:txBody>
         </p:sp>
@@ -19548,18 +18688,13 @@
             <a:p>
               <a:pPr algn="ctr"/>
               <a:r>
-                <a:rPr lang="ru-RU" dirty="0" smtClean="0">
+                <a:rPr lang="ru-RU" dirty="0">
                   <a:solidFill>
                     <a:schemeClr val="tx1"/>
                   </a:solidFill>
                 </a:rPr>
                 <a:t>Устройство вывода</a:t>
               </a:r>
-              <a:endParaRPr lang="ru-RU" dirty="0">
-                <a:solidFill>
-                  <a:schemeClr val="tx1"/>
-                </a:solidFill>
-              </a:endParaRPr>
             </a:p>
           </p:txBody>
         </p:sp>
@@ -19695,10 +18830,9 @@
             <a:p>
               <a:pPr algn="ctr"/>
               <a:r>
-                <a:rPr lang="ru-RU" dirty="0" smtClean="0"/>
+                <a:rPr lang="ru-RU" dirty="0"/>
                 <a:t>Программа</a:t>
               </a:r>
-              <a:endParaRPr lang="ru-RU" dirty="0"/>
             </a:p>
           </p:txBody>
         </p:sp>
@@ -19739,10 +18873,9 @@
             <a:p>
               <a:pPr algn="ctr"/>
               <a:r>
-                <a:rPr lang="ru-RU" dirty="0" smtClean="0"/>
+                <a:rPr lang="ru-RU" dirty="0"/>
                 <a:t>информация</a:t>
               </a:r>
-              <a:endParaRPr lang="ru-RU" dirty="0"/>
             </a:p>
           </p:txBody>
         </p:sp>
@@ -19889,10 +19022,9 @@
             <a:lstStyle/>
             <a:p>
               <a:r>
-                <a:rPr lang="ru-RU" dirty="0" smtClean="0"/>
+                <a:rPr lang="ru-RU" dirty="0"/>
                 <a:t>Не буферизованный</a:t>
               </a:r>
-              <a:endParaRPr lang="ru-RU" dirty="0"/>
             </a:p>
           </p:txBody>
         </p:sp>
@@ -19999,10 +19131,9 @@
             <a:lstStyle/>
             <a:p>
               <a:r>
-                <a:rPr lang="ru-RU" dirty="0" smtClean="0"/>
+                <a:rPr lang="ru-RU" dirty="0"/>
                 <a:t>Буферизованный</a:t>
               </a:r>
-              <a:endParaRPr lang="ru-RU" dirty="0"/>
             </a:p>
           </p:txBody>
         </p:sp>
@@ -20017,13 +19148,6 @@
   <p:clrMapOvr>
     <a:masterClrMapping/>
   </p:clrMapOvr>
-  <p:timing>
-    <p:tnLst>
-      <p:par>
-        <p:cTn id="1" dur="indefinite" restart="never" nodeType="tmRoot"/>
-      </p:par>
-    </p:tnLst>
-  </p:timing>
 </p:sld>
 </file>
 
@@ -20301,15 +19425,7 @@
             </a:r>
             <a:r>
               <a:rPr lang="ru-RU" dirty="0"/>
-              <a:t> </a:t>
-            </a:r>
-            <a:r>
-              <a:rPr lang="ru-RU" dirty="0" smtClean="0"/>
-              <a:t>—связанный </a:t>
-            </a:r>
-            <a:r>
-              <a:rPr lang="ru-RU" dirty="0"/>
-              <a:t>со </a:t>
+              <a:t> —связанный со </a:t>
             </a:r>
             <a:r>
               <a:rPr lang="ru-RU" b="1" dirty="0"/>
@@ -20331,15 +19447,7 @@
             </a:r>
             <a:r>
               <a:rPr lang="ru-RU" dirty="0"/>
-              <a:t> </a:t>
-            </a:r>
-            <a:r>
-              <a:rPr lang="ru-RU" dirty="0" smtClean="0"/>
-              <a:t>—связанный </a:t>
-            </a:r>
-            <a:r>
-              <a:rPr lang="ru-RU" dirty="0"/>
-              <a:t>со </a:t>
+              <a:t> —связанный со </a:t>
             </a:r>
             <a:r>
               <a:rPr lang="ru-RU" b="1" dirty="0"/>
@@ -20361,15 +19469,7 @@
             </a:r>
             <a:r>
               <a:rPr lang="ru-RU" dirty="0"/>
-              <a:t> </a:t>
-            </a:r>
-            <a:r>
-              <a:rPr lang="ru-RU" dirty="0" smtClean="0"/>
-              <a:t>—связанный </a:t>
-            </a:r>
-            <a:r>
-              <a:rPr lang="ru-RU" dirty="0"/>
-              <a:t>со </a:t>
+              <a:t> —связанный со </a:t>
             </a:r>
             <a:r>
               <a:rPr lang="ru-RU" b="1" dirty="0"/>
@@ -20377,11 +19477,7 @@
             </a:r>
             <a:r>
               <a:rPr lang="ru-RU" dirty="0"/>
-              <a:t>(обычно это монитор</a:t>
-            </a:r>
-            <a:r>
-              <a:rPr lang="ru-RU" dirty="0" smtClean="0"/>
-              <a:t>), обеспечивающий </a:t>
+              <a:t>(обычно это монитор), обеспечивающий </a:t>
             </a:r>
             <a:r>
               <a:rPr lang="ru-RU" b="1" dirty="0" err="1"/>
@@ -20403,15 +19499,7 @@
             </a:r>
             <a:r>
               <a:rPr lang="ru-RU" dirty="0"/>
-              <a:t> </a:t>
-            </a:r>
-            <a:r>
-              <a:rPr lang="ru-RU" dirty="0" smtClean="0"/>
-              <a:t>—связанный </a:t>
-            </a:r>
-            <a:r>
-              <a:rPr lang="ru-RU" dirty="0"/>
-              <a:t>со </a:t>
+              <a:t> —связанный со </a:t>
             </a:r>
             <a:r>
               <a:rPr lang="ru-RU" b="1" dirty="0"/>
@@ -20427,11 +19515,7 @@
             </a:r>
             <a:r>
               <a:rPr lang="ru-RU" dirty="0"/>
-              <a:t> вывод</a:t>
-            </a:r>
-            <a:r>
-              <a:rPr lang="ru-RU" dirty="0" smtClean="0"/>
-              <a:t>.</a:t>
+              <a:t> вывод.</a:t>
             </a:r>
           </a:p>
         </p:txBody>
@@ -20492,18 +19576,18 @@
           </a:p>
           <a:p>
             <a:r>
-              <a:rPr lang="ru-RU" dirty="0" smtClean="0"/>
+              <a:rPr lang="ru-RU" dirty="0"/>
               <a:t>Управление </a:t>
             </a:r>
             <a:r>
-              <a:rPr lang="ru-RU" dirty="0" err="1" smtClean="0"/>
+              <a:rPr lang="ru-RU" dirty="0" err="1"/>
               <a:t>фалагами</a:t>
             </a:r>
             <a:r>
-              <a:rPr lang="en-US" dirty="0" smtClean="0"/>
+              <a:rPr lang="en-US" dirty="0"/>
               <a:t>:</a:t>
             </a:r>
-            <a:endParaRPr lang="ru-RU" dirty="0" smtClean="0"/>
+            <a:endParaRPr lang="ru-RU" dirty="0"/>
           </a:p>
           <a:p>
             <a:pPr marL="285750" indent="-285750">
@@ -20511,28 +19595,16 @@
               <a:buChar char="•"/>
             </a:pPr>
             <a:r>
-              <a:rPr lang="ru-RU" b="1" dirty="0" err="1" smtClean="0"/>
+              <a:rPr lang="ru-RU" b="1" dirty="0" err="1"/>
               <a:t>setf</a:t>
             </a:r>
             <a:r>
-              <a:rPr lang="ru-RU" b="1" dirty="0" smtClean="0"/>
-              <a:t>(флаг</a:t>
-            </a:r>
-            <a:r>
               <a:rPr lang="ru-RU" b="1" dirty="0"/>
-              <a:t>)</a:t>
+              <a:t>(флаг)</a:t>
             </a:r>
             <a:r>
               <a:rPr lang="ru-RU" dirty="0"/>
-              <a:t> </a:t>
-            </a:r>
-            <a:r>
-              <a:rPr lang="ru-RU" dirty="0" smtClean="0"/>
-              <a:t>включает флаг, можно </a:t>
-            </a:r>
-            <a:r>
-              <a:rPr lang="ru-RU" dirty="0"/>
-              <a:t>включить сразу несколько флагов, используя побитовый оператор ИЛИ (</a:t>
+              <a:t> включает флаг, можно включить сразу несколько флагов, используя побитовый оператор ИЛИ (</a:t>
             </a:r>
             <a:r>
               <a:rPr lang="ru-RU" b="1" dirty="0"/>
@@ -20549,18 +19621,17 @@
               <a:buChar char="•"/>
             </a:pPr>
             <a:r>
-              <a:rPr lang="ru-RU" b="1" dirty="0" err="1" smtClean="0"/>
+              <a:rPr lang="ru-RU" b="1" dirty="0" err="1"/>
               <a:t>unsetf</a:t>
             </a:r>
             <a:r>
-              <a:rPr lang="ru-RU" b="1" dirty="0" smtClean="0"/>
+              <a:rPr lang="ru-RU" b="1" dirty="0"/>
               <a:t>(флаг) </a:t>
             </a:r>
             <a:r>
-              <a:rPr lang="ru-RU" dirty="0" smtClean="0"/>
+              <a:rPr lang="ru-RU" dirty="0"/>
               <a:t>выключает флаг</a:t>
             </a:r>
-            <a:endParaRPr lang="ru-RU" dirty="0"/>
           </a:p>
           <a:p>
             <a:r>
@@ -20600,7 +19671,7 @@
           <a:lstStyle/>
           <a:p>
             <a:r>
-              <a:rPr lang="ru-RU" dirty="0" smtClean="0"/>
+              <a:rPr lang="ru-RU" dirty="0"/>
               <a:t>Ввод и вывод </a:t>
             </a:r>
           </a:p>
@@ -20610,12 +19681,8 @@
               <a:buChar char="•"/>
             </a:pPr>
             <a:r>
-              <a:rPr lang="ru-RU" b="1" dirty="0" smtClean="0"/>
-              <a:t>Оператор </a:t>
-            </a:r>
-            <a:r>
               <a:rPr lang="ru-RU" b="1" dirty="0"/>
-              <a:t>извлечения &gt;&gt; </a:t>
+              <a:t>Оператор извлечения &gt;&gt; </a:t>
             </a:r>
             <a:r>
               <a:rPr lang="ru-RU" dirty="0"/>
@@ -20628,12 +19695,8 @@
               <a:buChar char="•"/>
             </a:pPr>
             <a:r>
-              <a:rPr lang="ru-RU" b="1" dirty="0" smtClean="0"/>
-              <a:t>Оператор </a:t>
-            </a:r>
-            <a:r>
               <a:rPr lang="ru-RU" b="1" dirty="0"/>
-              <a:t>вставки &lt;&lt; </a:t>
+              <a:t>Оператор вставки &lt;&lt; </a:t>
             </a:r>
             <a:r>
               <a:rPr lang="ru-RU" dirty="0"/>
@@ -20652,13 +19715,6 @@
   <p:clrMapOvr>
     <a:masterClrMapping/>
   </p:clrMapOvr>
-  <p:timing>
-    <p:tnLst>
-      <p:par>
-        <p:cTn id="1" dur="indefinite" restart="never" nodeType="tmRoot"/>
-      </p:par>
-    </p:tnLst>
-  </p:timing>
 </p:sld>
 </file>
 
@@ -20923,11 +19979,7 @@
             </a:r>
             <a:r>
               <a:rPr lang="ru-RU" dirty="0"/>
-              <a:t>, которые вы можете использовать</a:t>
-            </a:r>
-            <a:r>
-              <a:rPr lang="ru-RU" dirty="0" smtClean="0"/>
-              <a:t>:</a:t>
+              <a:t>, которые вы можете использовать:</a:t>
             </a:r>
           </a:p>
           <a:p>
@@ -20936,36 +19988,24 @@
               <a:buChar char="§"/>
             </a:pPr>
             <a:r>
-              <a:rPr lang="en-US" dirty="0" smtClean="0"/>
+              <a:rPr lang="en-US" dirty="0"/>
               <a:t>g</a:t>
             </a:r>
             <a:r>
-              <a:rPr lang="ru-RU" dirty="0" err="1" smtClean="0"/>
+              <a:rPr lang="ru-RU" dirty="0" err="1"/>
               <a:t>et</a:t>
             </a:r>
             <a:r>
-              <a:rPr lang="ru-RU" dirty="0" smtClean="0"/>
+              <a:rPr lang="ru-RU" dirty="0"/>
               <a:t>()</a:t>
             </a:r>
             <a:r>
-              <a:rPr lang="en-US" dirty="0" smtClean="0"/>
+              <a:rPr lang="en-US" dirty="0"/>
               <a:t> -</a:t>
             </a:r>
             <a:r>
-              <a:rPr lang="ru-RU" dirty="0" smtClean="0"/>
-              <a:t> </a:t>
-            </a:r>
-            <a:r>
               <a:rPr lang="ru-RU" dirty="0"/>
-              <a:t>извлекает символ из входного </a:t>
-            </a:r>
-            <a:r>
-              <a:rPr lang="ru-RU" dirty="0" smtClean="0"/>
-              <a:t>потока. Один </a:t>
-            </a:r>
-            <a:r>
-              <a:rPr lang="ru-RU" dirty="0"/>
-              <a:t>важный нюанс: </a:t>
+              <a:t> извлекает символ из входного потока. Один важный нюанс: </a:t>
             </a:r>
             <a:r>
               <a:rPr lang="ru-RU" b="1" dirty="0" err="1"/>
@@ -20983,24 +20023,20 @@
               <a:buChar char="§"/>
             </a:pPr>
             <a:r>
-              <a:rPr lang="ru-RU" dirty="0" err="1" smtClean="0"/>
+              <a:rPr lang="ru-RU" dirty="0" err="1"/>
               <a:t>getline</a:t>
             </a:r>
             <a:r>
-              <a:rPr lang="ru-RU" dirty="0" smtClean="0"/>
+              <a:rPr lang="ru-RU" dirty="0"/>
               <a:t>()</a:t>
             </a:r>
             <a:r>
-              <a:rPr lang="en-US" dirty="0" smtClean="0"/>
+              <a:rPr lang="en-US" dirty="0"/>
               <a:t> -</a:t>
             </a:r>
             <a:r>
-              <a:rPr lang="ru-RU" dirty="0" smtClean="0"/>
-              <a:t> </a:t>
-            </a:r>
-            <a:r>
               <a:rPr lang="ru-RU" dirty="0"/>
-              <a:t>работает точно так же, как </a:t>
+              <a:t> работает точно так же, как </a:t>
             </a:r>
             <a:r>
               <a:rPr lang="ru-RU" dirty="0" err="1"/>
@@ -21008,22 +20044,18 @@
             </a:r>
             <a:r>
               <a:rPr lang="ru-RU" dirty="0"/>
-              <a:t>(), но при этом может считывать символы новой </a:t>
-            </a:r>
-            <a:r>
-              <a:rPr lang="ru-RU" dirty="0" smtClean="0"/>
-              <a:t>строки. Функция которая считывает строку как тип </a:t>
-            </a:r>
-            <a:r>
-              <a:rPr lang="en-US" dirty="0" smtClean="0"/>
+              <a:t>(), но при этом может считывать символы новой строки. Функция которая считывает строку как тип </a:t>
+            </a:r>
+            <a:r>
+              <a:rPr lang="en-US" dirty="0"/>
               <a:t>string </a:t>
             </a:r>
             <a:r>
-              <a:rPr lang="ru-RU" dirty="0" smtClean="0"/>
+              <a:rPr lang="ru-RU" dirty="0"/>
               <a:t>находиться в файле </a:t>
             </a:r>
             <a:r>
-              <a:rPr lang="en-US" dirty="0" smtClean="0"/>
+              <a:rPr lang="en-US" dirty="0"/>
               <a:t>&lt;string&gt;.</a:t>
             </a:r>
             <a:endParaRPr lang="ru-RU" dirty="0"/>
@@ -21135,11 +20167,7 @@
             </a:r>
             <a:r>
               <a:rPr lang="ru-RU" dirty="0"/>
-              <a:t>) — помещает выбранный вами символ обратно в поток, чтобы его можно было извлечь в следующий раз</a:t>
-            </a:r>
-            <a:r>
-              <a:rPr lang="ru-RU" dirty="0" smtClean="0"/>
-              <a:t>.</a:t>
+              <a:t>) — помещает выбранный вами символ обратно в поток, чтобы его можно было извлечь в следующий раз.</a:t>
             </a:r>
             <a:endParaRPr lang="ru-RU" b="1" dirty="0"/>
           </a:p>
@@ -21339,14 +20367,11 @@
           <a:p>
             <a:pPr algn="ctr"/>
             <a:r>
-              <a:rPr lang="ru-RU" sz="2800" b="1" dirty="0" smtClean="0">
+              <a:rPr lang="ru-RU" sz="2800" b="1" dirty="0">
                 <a:latin typeface="Calibri" panose="020F0502020204030204" pitchFamily="34" charset="0"/>
               </a:rPr>
               <a:t>Строковые потоки</a:t>
             </a:r>
-            <a:endParaRPr lang="ru-RU" sz="2800" b="1" dirty="0">
-              <a:latin typeface="Calibri" panose="020F0502020204030204" pitchFamily="34" charset="0"/>
-            </a:endParaRPr>
           </a:p>
         </p:txBody>
       </p:sp>
@@ -21360,13 +20385,6 @@
   <p:clrMapOvr>
     <a:masterClrMapping/>
   </p:clrMapOvr>
-  <p:timing>
-    <p:tnLst>
-      <p:par>
-        <p:cTn id="1" dur="indefinite" restart="never" nodeType="tmRoot"/>
-      </p:par>
-    </p:tnLst>
-  </p:timing>
 </p:sld>
 </file>
 
@@ -21702,24 +20720,23 @@
               <a:t>fstream</a:t>
             </a:r>
             <a:r>
-              <a:rPr lang="ru-RU" dirty="0" smtClean="0"/>
+              <a:rPr lang="ru-RU" dirty="0"/>
               <a:t>.</a:t>
             </a:r>
           </a:p>
           <a:p>
             <a:r>
-              <a:rPr lang="ru-RU" dirty="0" smtClean="0"/>
+              <a:rPr lang="ru-RU" dirty="0"/>
               <a:t>Файловые потоки как и строковые определяются программистом, они требуют открытия и явного закрытия потока вызова метода </a:t>
             </a:r>
             <a:r>
-              <a:rPr lang="en-US" dirty="0" smtClean="0"/>
+              <a:rPr lang="en-US" dirty="0"/>
               <a:t>close()</a:t>
             </a:r>
             <a:r>
-              <a:rPr lang="ru-RU" dirty="0" smtClean="0"/>
+              <a:rPr lang="ru-RU" dirty="0"/>
               <a:t>.</a:t>
             </a:r>
-            <a:endParaRPr lang="ru-RU" dirty="0"/>
           </a:p>
           <a:p>
             <a:r>
@@ -21926,13 +20943,8 @@
             </a:r>
             <a:r>
               <a:rPr lang="ru-RU" dirty="0"/>
-              <a:t> — удаляет файл, если он уже существует</a:t>
-            </a:r>
-            <a:r>
-              <a:rPr lang="ru-RU" dirty="0" smtClean="0"/>
-              <a:t>.</a:t>
-            </a:r>
-            <a:endParaRPr lang="ru-RU" dirty="0"/>
+              <a:t> — удаляет файл, если он уже существует.</a:t>
+            </a:r>
           </a:p>
         </p:txBody>
       </p:sp>
@@ -21946,13 +20958,6 @@
   <p:clrMapOvr>
     <a:masterClrMapping/>
   </p:clrMapOvr>
-  <p:timing>
-    <p:tnLst>
-      <p:par>
-        <p:cTn id="1" dur="indefinite" restart="never" nodeType="tmRoot"/>
-      </p:par>
-    </p:tnLst>
-  </p:timing>
 </p:sld>
 </file>
 
@@ -22409,13 +21414,6 @@
   <p:clrMapOvr>
     <a:masterClrMapping/>
   </p:clrMapOvr>
-  <p:timing>
-    <p:tnLst>
-      <p:par>
-        <p:cTn id="1" dur="indefinite" restart="never" nodeType="tmRoot"/>
-      </p:par>
-    </p:tnLst>
-  </p:timing>
 </p:sld>
 </file>
 
@@ -22495,13 +21493,6 @@
   <p:clrMapOvr>
     <a:masterClrMapping/>
   </p:clrMapOvr>
-  <p:timing>
-    <p:tnLst>
-      <p:par>
-        <p:cTn id="1" dur="indefinite" restart="never" nodeType="tmRoot"/>
-      </p:par>
-    </p:tnLst>
-  </p:timing>
 </p:sld>
 </file>
 
@@ -22772,10 +21763,9 @@
           <a:p>
             <a:pPr algn="ctr"/>
             <a:r>
-              <a:rPr lang="ru-RU" dirty="0" smtClean="0"/>
+              <a:rPr lang="ru-RU" dirty="0"/>
               <a:t>Машина</a:t>
             </a:r>
-            <a:endParaRPr lang="ru-RU" dirty="0"/>
           </a:p>
         </p:txBody>
       </p:sp>
@@ -22816,10 +21806,9 @@
           <a:p>
             <a:pPr algn="ctr"/>
             <a:r>
-              <a:rPr lang="ru-RU" dirty="0" smtClean="0"/>
+              <a:rPr lang="ru-RU" dirty="0"/>
               <a:t>1</a:t>
             </a:r>
-            <a:endParaRPr lang="ru-RU" dirty="0"/>
           </a:p>
         </p:txBody>
       </p:sp>
@@ -22860,10 +21849,9 @@
           <a:p>
             <a:pPr algn="ctr"/>
             <a:r>
-              <a:rPr lang="ru-RU" dirty="0" smtClean="0"/>
+              <a:rPr lang="ru-RU" dirty="0"/>
               <a:t>2</a:t>
             </a:r>
-            <a:endParaRPr lang="ru-RU" dirty="0"/>
           </a:p>
         </p:txBody>
       </p:sp>
@@ -22976,10 +21964,9 @@
           <a:p>
             <a:pPr algn="ctr"/>
             <a:r>
-              <a:rPr lang="ru-RU" dirty="0" smtClean="0"/>
+              <a:rPr lang="ru-RU" dirty="0"/>
               <a:t>3</a:t>
             </a:r>
-            <a:endParaRPr lang="ru-RU" dirty="0"/>
           </a:p>
         </p:txBody>
       </p:sp>
@@ -23094,50 +22081,50 @@
           <a:p>
             <a:pPr algn="ctr"/>
             <a:r>
-              <a:rPr lang="ru-RU" sz="1600" dirty="0" smtClean="0"/>
+              <a:rPr lang="ru-RU" sz="1600" dirty="0"/>
               <a:t>Управление ТС</a:t>
             </a:r>
           </a:p>
           <a:p>
             <a:pPr algn="ctr"/>
             <a:r>
-              <a:rPr lang="ru-RU" sz="1600" dirty="0" smtClean="0"/>
+              <a:rPr lang="ru-RU" sz="1600" dirty="0"/>
               <a:t>Завести</a:t>
             </a:r>
           </a:p>
           <a:p>
             <a:pPr algn="ctr"/>
             <a:r>
-              <a:rPr lang="ru-RU" sz="1600" dirty="0" smtClean="0"/>
+              <a:rPr lang="ru-RU" sz="1600" dirty="0"/>
               <a:t>Повернуть руль</a:t>
             </a:r>
           </a:p>
           <a:p>
             <a:pPr algn="ctr"/>
             <a:r>
-              <a:rPr lang="ru-RU" sz="1600" dirty="0" smtClean="0"/>
+              <a:rPr lang="ru-RU" sz="1600" dirty="0"/>
               <a:t>Включить </a:t>
             </a:r>
             <a:r>
-              <a:rPr lang="ru-RU" sz="1600" dirty="0" err="1" smtClean="0"/>
+              <a:rPr lang="ru-RU" sz="1600" dirty="0" err="1"/>
               <a:t>поворотники</a:t>
             </a:r>
-            <a:endParaRPr lang="ru-RU" sz="1600" dirty="0" smtClean="0"/>
+            <a:endParaRPr lang="ru-RU" sz="1600" dirty="0"/>
           </a:p>
           <a:p>
             <a:pPr algn="ctr"/>
             <a:r>
-              <a:rPr lang="ru-RU" sz="1600" dirty="0" smtClean="0"/>
+              <a:rPr lang="ru-RU" sz="1600" dirty="0"/>
               <a:t>Переключить передачу</a:t>
             </a:r>
           </a:p>
           <a:p>
             <a:pPr algn="ctr"/>
             <a:r>
-              <a:rPr lang="en-US" sz="1600" dirty="0" smtClean="0"/>
+              <a:rPr lang="en-US" sz="1600" dirty="0"/>
               <a:t>…</a:t>
             </a:r>
-            <a:endParaRPr lang="ru-RU" sz="1600" dirty="0" smtClean="0"/>
+            <a:endParaRPr lang="ru-RU" sz="1600" dirty="0"/>
           </a:p>
           <a:p>
             <a:pPr algn="ctr"/>
@@ -23180,66 +22167,66 @@
           <a:p>
             <a:pPr algn="ctr"/>
             <a:r>
-              <a:rPr lang="ru-RU" sz="1600" dirty="0" smtClean="0"/>
+              <a:rPr lang="ru-RU" sz="1600" dirty="0"/>
               <a:t>Управление ТС</a:t>
             </a:r>
           </a:p>
           <a:p>
             <a:pPr algn="ctr"/>
             <a:r>
-              <a:rPr lang="ru-RU" sz="1600" dirty="0" smtClean="0"/>
+              <a:rPr lang="ru-RU" sz="1600" dirty="0"/>
               <a:t>Завести</a:t>
             </a:r>
             <a:r>
-              <a:rPr lang="en-US" sz="1600" dirty="0" smtClean="0"/>
+              <a:rPr lang="en-US" sz="1600" dirty="0"/>
               <a:t>(</a:t>
             </a:r>
             <a:r>
-              <a:rPr lang="ru-RU" sz="1600" dirty="0" smtClean="0"/>
+              <a:rPr lang="ru-RU" sz="1600" dirty="0"/>
               <a:t>Вставив ключ зажигания)</a:t>
             </a:r>
           </a:p>
           <a:p>
             <a:pPr algn="ctr"/>
             <a:r>
-              <a:rPr lang="ru-RU" sz="1600" dirty="0" smtClean="0"/>
+              <a:rPr lang="ru-RU" sz="1600" dirty="0"/>
               <a:t>Повернуть руль(Без </a:t>
             </a:r>
             <a:r>
-              <a:rPr lang="ru-RU" sz="1600" dirty="0" err="1" smtClean="0"/>
+              <a:rPr lang="ru-RU" sz="1600" dirty="0" err="1"/>
               <a:t>гидроуселителя</a:t>
             </a:r>
             <a:r>
-              <a:rPr lang="ru-RU" sz="1600" dirty="0" smtClean="0"/>
+              <a:rPr lang="ru-RU" sz="1600" dirty="0"/>
               <a:t>)</a:t>
             </a:r>
           </a:p>
           <a:p>
             <a:pPr algn="ctr"/>
             <a:r>
-              <a:rPr lang="ru-RU" sz="1600" dirty="0" smtClean="0"/>
+              <a:rPr lang="ru-RU" sz="1600" dirty="0"/>
               <a:t>Включить </a:t>
             </a:r>
             <a:r>
-              <a:rPr lang="ru-RU" sz="1600" dirty="0" err="1" smtClean="0"/>
+              <a:rPr lang="ru-RU" sz="1600" dirty="0" err="1"/>
               <a:t>поворотники</a:t>
             </a:r>
-            <a:endParaRPr lang="ru-RU" sz="1600" dirty="0" smtClean="0"/>
+            <a:endParaRPr lang="ru-RU" sz="1600" dirty="0"/>
           </a:p>
           <a:p>
             <a:pPr algn="ctr"/>
             <a:r>
-              <a:rPr lang="ru-RU" sz="1600" dirty="0" smtClean="0"/>
+              <a:rPr lang="ru-RU" sz="1600" dirty="0"/>
               <a:t>Переключить передачу(Механика)</a:t>
             </a:r>
           </a:p>
           <a:p>
             <a:pPr algn="ctr"/>
             <a:r>
-              <a:rPr lang="en-US" sz="1600" dirty="0" smtClean="0"/>
+              <a:rPr lang="en-US" sz="1600" dirty="0"/>
               <a:t>…</a:t>
             </a:r>
-            <a:endParaRPr lang="ru-RU" sz="1600" dirty="0" smtClean="0"/>
+            <a:endParaRPr lang="ru-RU" sz="1600" dirty="0"/>
           </a:p>
           <a:p>
             <a:pPr algn="ctr"/>
@@ -23282,66 +22269,66 @@
           <a:p>
             <a:pPr algn="ctr"/>
             <a:r>
-              <a:rPr lang="ru-RU" sz="1600" dirty="0" smtClean="0"/>
+              <a:rPr lang="ru-RU" sz="1600" dirty="0"/>
               <a:t>Управление ТС</a:t>
             </a:r>
           </a:p>
           <a:p>
             <a:pPr algn="ctr"/>
             <a:r>
-              <a:rPr lang="ru-RU" sz="1600" dirty="0" smtClean="0"/>
+              <a:rPr lang="ru-RU" sz="1600" dirty="0"/>
               <a:t>Завести</a:t>
             </a:r>
             <a:r>
-              <a:rPr lang="en-US" sz="1600" dirty="0" smtClean="0"/>
+              <a:rPr lang="en-US" sz="1600" dirty="0"/>
               <a:t>(</a:t>
             </a:r>
             <a:r>
-              <a:rPr lang="ru-RU" sz="1600" dirty="0" smtClean="0"/>
+              <a:rPr lang="ru-RU" sz="1600" dirty="0"/>
               <a:t>Нажать кнопку на </a:t>
             </a:r>
             <a:r>
-              <a:rPr lang="ru-RU" sz="1600" dirty="0" err="1" smtClean="0"/>
+              <a:rPr lang="ru-RU" sz="1600" dirty="0" err="1"/>
               <a:t>брелке</a:t>
             </a:r>
             <a:r>
-              <a:rPr lang="ru-RU" sz="1600" dirty="0" smtClean="0"/>
+              <a:rPr lang="ru-RU" sz="1600" dirty="0"/>
               <a:t>)</a:t>
             </a:r>
           </a:p>
           <a:p>
             <a:pPr algn="ctr"/>
             <a:r>
-              <a:rPr lang="ru-RU" sz="1600" dirty="0" smtClean="0"/>
+              <a:rPr lang="ru-RU" sz="1600" dirty="0"/>
               <a:t>Повернуть руль(С гидроусилителем)</a:t>
             </a:r>
           </a:p>
           <a:p>
             <a:pPr algn="ctr"/>
             <a:r>
-              <a:rPr lang="ru-RU" sz="1600" dirty="0" smtClean="0"/>
+              <a:rPr lang="ru-RU" sz="1600" dirty="0"/>
               <a:t>Включить </a:t>
             </a:r>
             <a:r>
-              <a:rPr lang="ru-RU" sz="1600" dirty="0" err="1" smtClean="0"/>
+              <a:rPr lang="ru-RU" sz="1600" dirty="0" err="1"/>
               <a:t>поворотники</a:t>
             </a:r>
-            <a:endParaRPr lang="ru-RU" sz="1600" dirty="0" smtClean="0"/>
+            <a:endParaRPr lang="ru-RU" sz="1600" dirty="0"/>
           </a:p>
           <a:p>
             <a:pPr algn="ctr"/>
             <a:r>
-              <a:rPr lang="ru-RU" sz="1600" dirty="0" smtClean="0"/>
+              <a:rPr lang="ru-RU" sz="1600" dirty="0"/>
               <a:t>Переключить передачу(Автомат)</a:t>
             </a:r>
           </a:p>
           <a:p>
             <a:pPr algn="ctr"/>
             <a:r>
-              <a:rPr lang="en-US" sz="1600" dirty="0" smtClean="0"/>
+              <a:rPr lang="en-US" sz="1600" dirty="0"/>
               <a:t>…</a:t>
             </a:r>
-            <a:endParaRPr lang="ru-RU" sz="1600" dirty="0" smtClean="0"/>
+            <a:endParaRPr lang="ru-RU" sz="1600" dirty="0"/>
           </a:p>
           <a:p>
             <a:pPr algn="ctr"/>
@@ -23384,58 +22371,58 @@
           <a:p>
             <a:pPr algn="ctr"/>
             <a:r>
-              <a:rPr lang="ru-RU" sz="1600" dirty="0" smtClean="0"/>
+              <a:rPr lang="ru-RU" sz="1600" dirty="0"/>
               <a:t>Управление ТС</a:t>
             </a:r>
           </a:p>
           <a:p>
             <a:pPr algn="ctr"/>
             <a:r>
-              <a:rPr lang="ru-RU" sz="1600" dirty="0" smtClean="0"/>
+              <a:rPr lang="ru-RU" sz="1600" dirty="0"/>
               <a:t>Завести</a:t>
             </a:r>
             <a:r>
-              <a:rPr lang="en-US" sz="1600" dirty="0" smtClean="0"/>
+              <a:rPr lang="en-US" sz="1600" dirty="0"/>
               <a:t>(</a:t>
             </a:r>
             <a:r>
-              <a:rPr lang="ru-RU" sz="1600" dirty="0" smtClean="0"/>
+              <a:rPr lang="ru-RU" sz="1600" dirty="0"/>
               <a:t>Нажать кнопку на приборке)</a:t>
             </a:r>
           </a:p>
           <a:p>
             <a:pPr algn="ctr"/>
             <a:r>
-              <a:rPr lang="ru-RU" sz="1600" dirty="0" smtClean="0"/>
+              <a:rPr lang="ru-RU" sz="1600" dirty="0"/>
               <a:t>Повернуть руль(Автопилот)</a:t>
             </a:r>
           </a:p>
           <a:p>
             <a:pPr algn="ctr"/>
             <a:r>
-              <a:rPr lang="ru-RU" sz="1600" dirty="0" smtClean="0"/>
+              <a:rPr lang="ru-RU" sz="1600" dirty="0"/>
               <a:t>Включить </a:t>
             </a:r>
             <a:r>
-              <a:rPr lang="ru-RU" sz="1600" dirty="0" err="1" smtClean="0"/>
+              <a:rPr lang="ru-RU" sz="1600" dirty="0" err="1"/>
               <a:t>поворотники</a:t>
             </a:r>
-            <a:endParaRPr lang="ru-RU" sz="1600" dirty="0" smtClean="0"/>
+            <a:endParaRPr lang="ru-RU" sz="1600" dirty="0"/>
           </a:p>
           <a:p>
             <a:pPr algn="ctr"/>
             <a:r>
-              <a:rPr lang="ru-RU" sz="1600" dirty="0" smtClean="0"/>
+              <a:rPr lang="ru-RU" sz="1600" dirty="0"/>
               <a:t>Переключить передачу(Роботизированная)</a:t>
             </a:r>
           </a:p>
           <a:p>
             <a:pPr algn="ctr"/>
             <a:r>
-              <a:rPr lang="en-US" sz="1600" dirty="0" smtClean="0"/>
+              <a:rPr lang="en-US" sz="1600" dirty="0"/>
               <a:t>…</a:t>
             </a:r>
-            <a:endParaRPr lang="ru-RU" sz="1600" dirty="0" smtClean="0"/>
+            <a:endParaRPr lang="ru-RU" sz="1600" dirty="0"/>
           </a:p>
           <a:p>
             <a:pPr algn="ctr"/>
@@ -23656,13 +22643,6 @@
   <p:clrMapOvr>
     <a:masterClrMapping/>
   </p:clrMapOvr>
-  <p:timing>
-    <p:tnLst>
-      <p:par>
-        <p:cTn id="1" dur="indefinite" restart="never" nodeType="tmRoot"/>
-      </p:par>
-    </p:tnLst>
-  </p:timing>
 </p:sld>
 </file>
 
@@ -24119,15 +23099,6 @@
             </a:r>
           </a:p>
           <a:p>
-            <a:r>
-              <a:rPr lang="en-US" sz="1600" dirty="0">
-                <a:solidFill>
-                  <a:srgbClr val="000000"/>
-                </a:solidFill>
-                <a:latin typeface="Consolas" panose="020B0609020204030204" pitchFamily="49" charset="0"/>
-              </a:rPr>
-              <a:t/>
-            </a:r>
             <a:br>
               <a:rPr lang="en-US" sz="1600" dirty="0">
                 <a:solidFill>
@@ -24345,15 +23316,6 @@
             </a:r>
           </a:p>
           <a:p>
-            <a:r>
-              <a:rPr lang="en-US" sz="1600" dirty="0">
-                <a:solidFill>
-                  <a:srgbClr val="000000"/>
-                </a:solidFill>
-                <a:latin typeface="Consolas" panose="020B0609020204030204" pitchFamily="49" charset="0"/>
-              </a:rPr>
-              <a:t/>
-            </a:r>
             <a:br>
               <a:rPr lang="en-US" sz="1600" dirty="0">
                 <a:solidFill>
@@ -25318,13 +24280,6 @@
   <p:clrMapOvr>
     <a:masterClrMapping/>
   </p:clrMapOvr>
-  <p:timing>
-    <p:tnLst>
-      <p:par>
-        <p:cTn id="1" dur="indefinite" restart="never" nodeType="tmRoot"/>
-      </p:par>
-    </p:tnLst>
-  </p:timing>
 </p:sld>
 </file>
 
@@ -25455,7 +24410,7 @@
           </a:lstStyle>
           <a:p>
             <a:r>
-              <a:rPr lang="ru-RU" sz="3200" dirty="0" smtClean="0">
+              <a:rPr lang="ru-RU" sz="3200" dirty="0">
                 <a:solidFill>
                   <a:schemeClr val="accent1">
                     <a:lumMod val="75000"/>
@@ -25466,15 +24421,6 @@
               </a:rPr>
               <a:t>Сложный пример</a:t>
             </a:r>
-            <a:endParaRPr lang="ru-RU" sz="3200" dirty="0">
-              <a:solidFill>
-                <a:schemeClr val="accent1">
-                  <a:lumMod val="75000"/>
-                </a:schemeClr>
-              </a:solidFill>
-              <a:latin typeface="Arial" panose="020B0604020202020204" pitchFamily="34" charset="0"/>
-              <a:cs typeface="Arial" panose="020B0604020202020204" pitchFamily="34" charset="0"/>
-            </a:endParaRPr>
           </a:p>
         </p:txBody>
       </p:sp>
@@ -25965,7 +24911,7 @@
               </a:rPr>
               <a:t> &lt;&lt; name </a:t>
             </a:r>
-            <a:endParaRPr lang="ru-RU" sz="1600" dirty="0" smtClean="0">
+            <a:endParaRPr lang="ru-RU" sz="1600" dirty="0">
               <a:solidFill>
                 <a:srgbClr val="000000"/>
               </a:solidFill>
@@ -25980,19 +24926,10 @@
                 </a:solidFill>
                 <a:latin typeface="Consolas" panose="020B0609020204030204" pitchFamily="49" charset="0"/>
               </a:rPr>
-              <a:t>	</a:t>
-            </a:r>
-            <a:r>
-              <a:rPr lang="ru-RU" sz="1600" dirty="0" smtClean="0">
-                <a:solidFill>
-                  <a:srgbClr val="000000"/>
-                </a:solidFill>
-                <a:latin typeface="Consolas" panose="020B0609020204030204" pitchFamily="49" charset="0"/>
-              </a:rPr>
-              <a:t>		</a:t>
-            </a:r>
-            <a:r>
-              <a:rPr lang="en-US" sz="1600" dirty="0" smtClean="0">
+              <a:t>			</a:t>
+            </a:r>
+            <a:r>
+              <a:rPr lang="en-US" sz="1600" dirty="0">
                 <a:solidFill>
                   <a:srgbClr val="000000"/>
                 </a:solidFill>
@@ -26230,13 +25167,6 @@
   <p:clrMapOvr>
     <a:masterClrMapping/>
   </p:clrMapOvr>
-  <p:timing>
-    <p:tnLst>
-      <p:par>
-        <p:cTn id="1" dur="indefinite" restart="never" nodeType="tmRoot"/>
-      </p:par>
-    </p:tnLst>
-  </p:timing>
 </p:sld>
 </file>
 
@@ -26367,7 +25297,7 @@
           </a:lstStyle>
           <a:p>
             <a:r>
-              <a:rPr lang="ru-RU" sz="3200" dirty="0" smtClean="0">
+              <a:rPr lang="ru-RU" sz="3200" dirty="0">
                 <a:solidFill>
                   <a:schemeClr val="accent1">
                     <a:lumMod val="75000"/>
@@ -26378,15 +25308,6 @@
               </a:rPr>
               <a:t>Сложный пример</a:t>
             </a:r>
-            <a:endParaRPr lang="ru-RU" sz="3200" dirty="0">
-              <a:solidFill>
-                <a:schemeClr val="accent1">
-                  <a:lumMod val="75000"/>
-                </a:schemeClr>
-              </a:solidFill>
-              <a:latin typeface="Arial" panose="020B0604020202020204" pitchFamily="34" charset="0"/>
-              <a:cs typeface="Arial" panose="020B0604020202020204" pitchFamily="34" charset="0"/>
-            </a:endParaRPr>
           </a:p>
         </p:txBody>
       </p:sp>
@@ -27338,13 +26259,6 @@
   <p:clrMapOvr>
     <a:masterClrMapping/>
   </p:clrMapOvr>
-  <p:timing>
-    <p:tnLst>
-      <p:par>
-        <p:cTn id="1" dur="indefinite" restart="never" nodeType="tmRoot"/>
-      </p:par>
-    </p:tnLst>
-  </p:timing>
 </p:sld>
 </file>
 
@@ -27475,7 +26389,7 @@
           </a:lstStyle>
           <a:p>
             <a:r>
-              <a:rPr lang="ru-RU" sz="3200" dirty="0" smtClean="0">
+              <a:rPr lang="ru-RU" sz="3200" dirty="0">
                 <a:solidFill>
                   <a:schemeClr val="accent1">
                     <a:lumMod val="75000"/>
@@ -27486,15 +26400,6 @@
               </a:rPr>
               <a:t>Сложный пример</a:t>
             </a:r>
-            <a:endParaRPr lang="ru-RU" sz="3200" dirty="0">
-              <a:solidFill>
-                <a:schemeClr val="accent1">
-                  <a:lumMod val="75000"/>
-                </a:schemeClr>
-              </a:solidFill>
-              <a:latin typeface="Arial" panose="020B0604020202020204" pitchFamily="34" charset="0"/>
-              <a:cs typeface="Arial" panose="020B0604020202020204" pitchFamily="34" charset="0"/>
-            </a:endParaRPr>
           </a:p>
         </p:txBody>
       </p:sp>
@@ -28085,13 +26990,6 @@
   <p:clrMapOvr>
     <a:masterClrMapping/>
   </p:clrMapOvr>
-  <p:timing>
-    <p:tnLst>
-      <p:par>
-        <p:cTn id="1" dur="indefinite" restart="never" nodeType="tmRoot"/>
-      </p:par>
-    </p:tnLst>
-  </p:timing>
 </p:sld>
 </file>
 
@@ -28222,7 +27120,7 @@
           </a:lstStyle>
           <a:p>
             <a:r>
-              <a:rPr lang="ru-RU" sz="3200" dirty="0" smtClean="0">
+              <a:rPr lang="ru-RU" sz="3200" dirty="0">
                 <a:solidFill>
                   <a:schemeClr val="accent1">
                     <a:lumMod val="75000"/>
@@ -28233,15 +27131,6 @@
               </a:rPr>
               <a:t>Сложный пример</a:t>
             </a:r>
-            <a:endParaRPr lang="ru-RU" sz="3200" dirty="0">
-              <a:solidFill>
-                <a:schemeClr val="accent1">
-                  <a:lumMod val="75000"/>
-                </a:schemeClr>
-              </a:solidFill>
-              <a:latin typeface="Arial" panose="020B0604020202020204" pitchFamily="34" charset="0"/>
-              <a:cs typeface="Arial" panose="020B0604020202020204" pitchFamily="34" charset="0"/>
-            </a:endParaRPr>
           </a:p>
         </p:txBody>
       </p:sp>
@@ -29027,19 +27916,10 @@
                 </a:solidFill>
                 <a:latin typeface="Consolas" panose="020B0609020204030204" pitchFamily="49" charset="0"/>
               </a:rPr>
-              <a:t>"С345-09Г2С</a:t>
-            </a:r>
-            <a:r>
-              <a:rPr lang="ru-RU" sz="1400" dirty="0" smtClean="0">
-                <a:solidFill>
-                  <a:srgbClr val="A31515"/>
-                </a:solidFill>
-                <a:latin typeface="Consolas" panose="020B0609020204030204" pitchFamily="49" charset="0"/>
-              </a:rPr>
-              <a:t>"</a:t>
-            </a:r>
-            <a:r>
-              <a:rPr lang="ru-RU" sz="1400" dirty="0" smtClean="0">
+              <a:t>"С345-09Г2С"</a:t>
+            </a:r>
+            <a:r>
+              <a:rPr lang="ru-RU" sz="1400" dirty="0">
                 <a:solidFill>
                   <a:srgbClr val="000000"/>
                 </a:solidFill>
@@ -29047,12 +27927,6 @@
               </a:rPr>
               <a:t>};</a:t>
             </a:r>
-            <a:endParaRPr lang="ru-RU" sz="1400" dirty="0">
-              <a:solidFill>
-                <a:srgbClr val="000000"/>
-              </a:solidFill>
-              <a:latin typeface="Consolas" panose="020B0609020204030204" pitchFamily="49" charset="0"/>
-            </a:endParaRPr>
           </a:p>
         </p:txBody>
       </p:sp>
@@ -29393,7 +28267,7 @@
           </a:p>
           <a:p>
             <a:r>
-              <a:rPr lang="en-US" sz="1400" dirty="0" smtClean="0">
+              <a:rPr lang="en-US" sz="1400" dirty="0">
                 <a:solidFill>
                   <a:srgbClr val="000000"/>
                 </a:solidFill>
@@ -29401,12 +28275,6 @@
               </a:rPr>
               <a:t>};</a:t>
             </a:r>
-            <a:endParaRPr lang="en-US" sz="1400" dirty="0">
-              <a:solidFill>
-                <a:srgbClr val="000000"/>
-              </a:solidFill>
-              <a:latin typeface="Consolas" panose="020B0609020204030204" pitchFamily="49" charset="0"/>
-            </a:endParaRPr>
           </a:p>
         </p:txBody>
       </p:sp>
@@ -29694,12 +28562,6 @@
               </a:rPr>
               <a:t>};</a:t>
             </a:r>
-            <a:endParaRPr lang="en-US" sz="1400" dirty="0">
-              <a:solidFill>
-                <a:srgbClr val="000000"/>
-              </a:solidFill>
-              <a:latin typeface="Consolas" panose="020B0609020204030204" pitchFamily="49" charset="0"/>
-            </a:endParaRPr>
           </a:p>
         </p:txBody>
       </p:sp>
@@ -29829,15 +28691,6 @@
             </a:r>
           </a:p>
           <a:p>
-            <a:r>
-              <a:rPr lang="en-US" sz="1600" dirty="0">
-                <a:solidFill>
-                  <a:srgbClr val="000000"/>
-                </a:solidFill>
-                <a:latin typeface="Consolas" panose="020B0609020204030204" pitchFamily="49" charset="0"/>
-              </a:rPr>
-              <a:t/>
-            </a:r>
             <a:br>
               <a:rPr lang="en-US" sz="1600" dirty="0">
                 <a:solidFill>
@@ -30350,13 +29203,6 @@
   <p:clrMapOvr>
     <a:masterClrMapping/>
   </p:clrMapOvr>
-  <p:timing>
-    <p:tnLst>
-      <p:par>
-        <p:cTn id="1" dur="indefinite" restart="never" nodeType="tmRoot"/>
-      </p:par>
-    </p:tnLst>
-  </p:timing>
 </p:sld>
 </file>
 
@@ -30487,7 +29333,7 @@
           </a:lstStyle>
           <a:p>
             <a:r>
-              <a:rPr lang="ru-RU" sz="3200" dirty="0" smtClean="0">
+              <a:rPr lang="ru-RU" sz="3200" dirty="0">
                 <a:solidFill>
                   <a:schemeClr val="accent1">
                     <a:lumMod val="75000"/>
@@ -30498,15 +29344,6 @@
               </a:rPr>
               <a:t>Сложный пример</a:t>
             </a:r>
-            <a:endParaRPr lang="ru-RU" sz="3200" dirty="0">
-              <a:solidFill>
-                <a:schemeClr val="accent1">
-                  <a:lumMod val="75000"/>
-                </a:schemeClr>
-              </a:solidFill>
-              <a:latin typeface="Arial" panose="020B0604020202020204" pitchFamily="34" charset="0"/>
-              <a:cs typeface="Arial" panose="020B0604020202020204" pitchFamily="34" charset="0"/>
-            </a:endParaRPr>
           </a:p>
         </p:txBody>
       </p:sp>
@@ -31154,7 +29991,7 @@
           </a:p>
           <a:p>
             <a:r>
-              <a:rPr lang="en-US" sz="1600" dirty="0" smtClean="0">
+              <a:rPr lang="en-US" sz="1600" dirty="0">
                 <a:solidFill>
                   <a:srgbClr val="0000FF"/>
                 </a:solidFill>
@@ -31163,7 +30000,7 @@
               <a:t>for</a:t>
             </a:r>
             <a:r>
-              <a:rPr lang="en-US" sz="1600" dirty="0" smtClean="0">
+              <a:rPr lang="en-US" sz="1600" dirty="0">
                 <a:solidFill>
                   <a:srgbClr val="000000"/>
                 </a:solidFill>
@@ -31172,7 +30009,7 @@
               <a:t>(</a:t>
             </a:r>
             <a:r>
-              <a:rPr lang="en-US" sz="1600" dirty="0" err="1" smtClean="0">
+              <a:rPr lang="en-US" sz="1600" dirty="0" err="1">
                 <a:solidFill>
                   <a:srgbClr val="0000FF"/>
                 </a:solidFill>
@@ -31181,7 +30018,7 @@
               <a:t>int</a:t>
             </a:r>
             <a:r>
-              <a:rPr lang="en-US" sz="1600" dirty="0" smtClean="0">
+              <a:rPr lang="en-US" sz="1600" dirty="0">
                 <a:solidFill>
                   <a:srgbClr val="000000"/>
                 </a:solidFill>
@@ -31542,7 +30379,7 @@
           </a:p>
           <a:p>
             <a:r>
-              <a:rPr lang="en-US" sz="1600" dirty="0" smtClean="0">
+              <a:rPr lang="en-US" sz="1600" dirty="0">
                 <a:solidFill>
                   <a:srgbClr val="000000"/>
                 </a:solidFill>
@@ -31550,12 +30387,6 @@
               </a:rPr>
               <a:t>}</a:t>
             </a:r>
-            <a:endParaRPr lang="en-US" sz="1600" dirty="0">
-              <a:solidFill>
-                <a:srgbClr val="000000"/>
-              </a:solidFill>
-              <a:latin typeface="Consolas" panose="020B0609020204030204" pitchFamily="49" charset="0"/>
-            </a:endParaRPr>
           </a:p>
         </p:txBody>
       </p:sp>
@@ -31569,13 +30400,6 @@
   <p:clrMapOvr>
     <a:masterClrMapping/>
   </p:clrMapOvr>
-  <p:timing>
-    <p:tnLst>
-      <p:par>
-        <p:cTn id="1" dur="indefinite" restart="never" nodeType="tmRoot"/>
-      </p:par>
-    </p:tnLst>
-  </p:timing>
 </p:sld>
 </file>
 
